--- a/poster/2025_Datathon_Poster.pptx
+++ b/poster/2025_Datathon_Poster.pptx
@@ -64,13 +64,13 @@
         </a:solidFill>
         <a:effectLst/>
         <a:uFillTx/>
-        <a:latin typeface="Aptos"/>
-        <a:ea typeface="Aptos"/>
-        <a:cs typeface="Aptos"/>
-        <a:sym typeface="Aptos"/>
+        <a:latin typeface="+mn-lt"/>
+        <a:ea typeface="+mn-ea"/>
+        <a:cs typeface="+mn-cs"/>
+        <a:sym typeface="Calibri"/>
       </a:defRPr>
     </a:lvl1pPr>
-    <a:lvl2pPr marL="0" marR="0" indent="457200" algn="l" defTabSz="457200" rtl="0" fontAlgn="auto" latinLnBrk="0" hangingPunct="0">
+    <a:lvl2pPr marL="0" marR="0" indent="0" algn="l" defTabSz="457200" rtl="0" fontAlgn="auto" latinLnBrk="0" hangingPunct="0">
       <a:lnSpc>
         <a:spcPct val="100000"/>
       </a:lnSpc>
@@ -94,13 +94,13 @@
         </a:solidFill>
         <a:effectLst/>
         <a:uFillTx/>
-        <a:latin typeface="Aptos"/>
-        <a:ea typeface="Aptos"/>
-        <a:cs typeface="Aptos"/>
-        <a:sym typeface="Aptos"/>
+        <a:latin typeface="+mn-lt"/>
+        <a:ea typeface="+mn-ea"/>
+        <a:cs typeface="+mn-cs"/>
+        <a:sym typeface="Calibri"/>
       </a:defRPr>
     </a:lvl2pPr>
-    <a:lvl3pPr marL="0" marR="0" indent="914400" algn="l" defTabSz="457200" rtl="0" fontAlgn="auto" latinLnBrk="0" hangingPunct="0">
+    <a:lvl3pPr marL="0" marR="0" indent="0" algn="l" defTabSz="457200" rtl="0" fontAlgn="auto" latinLnBrk="0" hangingPunct="0">
       <a:lnSpc>
         <a:spcPct val="100000"/>
       </a:lnSpc>
@@ -124,13 +124,13 @@
         </a:solidFill>
         <a:effectLst/>
         <a:uFillTx/>
-        <a:latin typeface="Aptos"/>
-        <a:ea typeface="Aptos"/>
-        <a:cs typeface="Aptos"/>
-        <a:sym typeface="Aptos"/>
+        <a:latin typeface="+mn-lt"/>
+        <a:ea typeface="+mn-ea"/>
+        <a:cs typeface="+mn-cs"/>
+        <a:sym typeface="Calibri"/>
       </a:defRPr>
     </a:lvl3pPr>
-    <a:lvl4pPr marL="0" marR="0" indent="1371600" algn="l" defTabSz="457200" rtl="0" fontAlgn="auto" latinLnBrk="0" hangingPunct="0">
+    <a:lvl4pPr marL="0" marR="0" indent="0" algn="l" defTabSz="457200" rtl="0" fontAlgn="auto" latinLnBrk="0" hangingPunct="0">
       <a:lnSpc>
         <a:spcPct val="100000"/>
       </a:lnSpc>
@@ -154,13 +154,13 @@
         </a:solidFill>
         <a:effectLst/>
         <a:uFillTx/>
-        <a:latin typeface="Aptos"/>
-        <a:ea typeface="Aptos"/>
-        <a:cs typeface="Aptos"/>
-        <a:sym typeface="Aptos"/>
+        <a:latin typeface="+mn-lt"/>
+        <a:ea typeface="+mn-ea"/>
+        <a:cs typeface="+mn-cs"/>
+        <a:sym typeface="Calibri"/>
       </a:defRPr>
     </a:lvl4pPr>
-    <a:lvl5pPr marL="0" marR="0" indent="1828800" algn="l" defTabSz="457200" rtl="0" fontAlgn="auto" latinLnBrk="0" hangingPunct="0">
+    <a:lvl5pPr marL="0" marR="0" indent="0" algn="l" defTabSz="457200" rtl="0" fontAlgn="auto" latinLnBrk="0" hangingPunct="0">
       <a:lnSpc>
         <a:spcPct val="100000"/>
       </a:lnSpc>
@@ -184,13 +184,13 @@
         </a:solidFill>
         <a:effectLst/>
         <a:uFillTx/>
-        <a:latin typeface="Aptos"/>
-        <a:ea typeface="Aptos"/>
-        <a:cs typeface="Aptos"/>
-        <a:sym typeface="Aptos"/>
+        <a:latin typeface="+mn-lt"/>
+        <a:ea typeface="+mn-ea"/>
+        <a:cs typeface="+mn-cs"/>
+        <a:sym typeface="Calibri"/>
       </a:defRPr>
     </a:lvl5pPr>
-    <a:lvl6pPr marL="0" marR="0" indent="2286000" algn="l" defTabSz="457200" rtl="0" fontAlgn="auto" latinLnBrk="0" hangingPunct="0">
+    <a:lvl6pPr marL="0" marR="0" indent="0" algn="l" defTabSz="457200" rtl="0" fontAlgn="auto" latinLnBrk="0" hangingPunct="0">
       <a:lnSpc>
         <a:spcPct val="100000"/>
       </a:lnSpc>
@@ -214,13 +214,13 @@
         </a:solidFill>
         <a:effectLst/>
         <a:uFillTx/>
-        <a:latin typeface="Aptos"/>
-        <a:ea typeface="Aptos"/>
-        <a:cs typeface="Aptos"/>
-        <a:sym typeface="Aptos"/>
+        <a:latin typeface="+mn-lt"/>
+        <a:ea typeface="+mn-ea"/>
+        <a:cs typeface="+mn-cs"/>
+        <a:sym typeface="Calibri"/>
       </a:defRPr>
     </a:lvl6pPr>
-    <a:lvl7pPr marL="0" marR="0" indent="2743200" algn="l" defTabSz="457200" rtl="0" fontAlgn="auto" latinLnBrk="0" hangingPunct="0">
+    <a:lvl7pPr marL="0" marR="0" indent="0" algn="l" defTabSz="457200" rtl="0" fontAlgn="auto" latinLnBrk="0" hangingPunct="0">
       <a:lnSpc>
         <a:spcPct val="100000"/>
       </a:lnSpc>
@@ -244,13 +244,13 @@
         </a:solidFill>
         <a:effectLst/>
         <a:uFillTx/>
-        <a:latin typeface="Aptos"/>
-        <a:ea typeface="Aptos"/>
-        <a:cs typeface="Aptos"/>
-        <a:sym typeface="Aptos"/>
+        <a:latin typeface="+mn-lt"/>
+        <a:ea typeface="+mn-ea"/>
+        <a:cs typeface="+mn-cs"/>
+        <a:sym typeface="Calibri"/>
       </a:defRPr>
     </a:lvl7pPr>
-    <a:lvl8pPr marL="0" marR="0" indent="3200400" algn="l" defTabSz="457200" rtl="0" fontAlgn="auto" latinLnBrk="0" hangingPunct="0">
+    <a:lvl8pPr marL="0" marR="0" indent="0" algn="l" defTabSz="457200" rtl="0" fontAlgn="auto" latinLnBrk="0" hangingPunct="0">
       <a:lnSpc>
         <a:spcPct val="100000"/>
       </a:lnSpc>
@@ -274,13 +274,13 @@
         </a:solidFill>
         <a:effectLst/>
         <a:uFillTx/>
-        <a:latin typeface="Aptos"/>
-        <a:ea typeface="Aptos"/>
-        <a:cs typeface="Aptos"/>
-        <a:sym typeface="Aptos"/>
+        <a:latin typeface="+mn-lt"/>
+        <a:ea typeface="+mn-ea"/>
+        <a:cs typeface="+mn-cs"/>
+        <a:sym typeface="Calibri"/>
       </a:defRPr>
     </a:lvl8pPr>
-    <a:lvl9pPr marL="0" marR="0" indent="3657600" algn="l" defTabSz="457200" rtl="0" fontAlgn="auto" latinLnBrk="0" hangingPunct="0">
+    <a:lvl9pPr marL="0" marR="0" indent="0" algn="l" defTabSz="457200" rtl="0" fontAlgn="auto" latinLnBrk="0" hangingPunct="0">
       <a:lnSpc>
         <a:spcPct val="100000"/>
       </a:lnSpc>
@@ -304,10 +304,10 @@
         </a:solidFill>
         <a:effectLst/>
         <a:uFillTx/>
-        <a:latin typeface="Aptos"/>
-        <a:ea typeface="Aptos"/>
-        <a:cs typeface="Aptos"/>
-        <a:sym typeface="Aptos"/>
+        <a:latin typeface="+mn-lt"/>
+        <a:ea typeface="+mn-ea"/>
+        <a:cs typeface="+mn-cs"/>
+        <a:sym typeface="Calibri"/>
       </a:defRPr>
     </a:lvl9pPr>
   </p:defaultTextStyle>
@@ -337,7 +337,7 @@
       </p:grpSpPr>
       <p:sp>
         <p:nvSpPr>
-          <p:cNvPr id="47" name="Shape 47"/>
+          <p:cNvPr id="50" name="Shape 50"/>
           <p:cNvSpPr/>
           <p:nvPr>
             <p:ph type="sldImg"/>
@@ -362,7 +362,7 @@
       </p:sp>
       <p:sp>
         <p:nvSpPr>
-          <p:cNvPr id="48" name="Shape 48"/>
+          <p:cNvPr id="51" name="Shape 51"/>
           <p:cNvSpPr/>
           <p:nvPr>
             <p:ph type="body" sz="quarter" idx="1"/>
@@ -541,7 +541,7 @@
         <p:spPr>
           <a:xfrm>
             <a:off x="29220659" y="21247101"/>
-            <a:ext cx="3254829" cy="4114801"/>
+            <a:ext cx="3254829" cy="4114802"/>
           </a:xfrm>
           <a:prstGeom prst="rect">
             <a:avLst/>
@@ -569,8 +569,8 @@
         </p:nvSpPr>
         <p:spPr>
           <a:xfrm>
-            <a:off x="29228597" y="16800514"/>
-            <a:ext cx="3254829" cy="4114801"/>
+            <a:off x="29228597" y="16800513"/>
+            <a:ext cx="3254829" cy="4114803"/>
           </a:xfrm>
           <a:prstGeom prst="rect">
             <a:avLst/>
@@ -599,7 +599,7 @@
         <p:spPr>
           <a:xfrm>
             <a:off x="11415711" y="30191757"/>
-            <a:ext cx="10058401" cy="1812245"/>
+            <a:ext cx="10058401" cy="1812246"/>
           </a:xfrm>
           <a:prstGeom prst="rect">
             <a:avLst/>
@@ -628,7 +628,7 @@
         <p:spPr>
           <a:xfrm>
             <a:off x="11415713" y="21298582"/>
-            <a:ext cx="3254829" cy="4114801"/>
+            <a:ext cx="3254829" cy="4114802"/>
           </a:xfrm>
           <a:prstGeom prst="rect">
             <a:avLst/>
@@ -656,8 +656,8 @@
         </p:nvSpPr>
         <p:spPr>
           <a:xfrm>
-            <a:off x="18204316" y="16800514"/>
-            <a:ext cx="3254829" cy="4114801"/>
+            <a:off x="18204316" y="16800513"/>
+            <a:ext cx="3254829" cy="4114803"/>
           </a:xfrm>
           <a:prstGeom prst="rect">
             <a:avLst/>
@@ -686,7 +686,7 @@
         <p:spPr>
           <a:xfrm>
             <a:off x="914399" y="3546473"/>
-            <a:ext cx="42062401" cy="649923"/>
+            <a:ext cx="42062401" cy="649924"/>
           </a:xfrm>
           <a:prstGeom prst="rect">
             <a:avLst/>
@@ -696,11 +696,11 @@
         <p:txBody>
           <a:bodyPr anchor="t"/>
           <a:lstStyle>
-            <a:lvl1pPr defTabSz="4037990">
+            <a:lvl1pPr defTabSz="4037989">
               <a:spcBef>
                 <a:spcPts val="4400"/>
               </a:spcBef>
-              <a:defRPr i="0" sz="3680">
+              <a:defRPr i="0" sz="3600">
                 <a:solidFill>
                   <a:srgbClr val="FFFFFF"/>
                 </a:solidFill>
@@ -736,11 +736,11 @@
         <p:txBody>
           <a:bodyPr anchor="t"/>
           <a:lstStyle>
-            <a:lvl1pPr defTabSz="3994099">
+            <a:lvl1pPr defTabSz="3994098">
               <a:spcBef>
                 <a:spcPts val="4300"/>
               </a:spcBef>
-              <a:defRPr i="0" sz="5460">
+              <a:defRPr i="0" sz="5400">
                 <a:solidFill>
                   <a:srgbClr val="FFFFFF"/>
                 </a:solidFill>
@@ -811,7 +811,7 @@
 </file>
 
 <file path=ppt/slideLayouts/slideLayout2.xml><?xml version="1.0" encoding="utf-8"?>
-<p:sldLayout xmlns:a="http://schemas.openxmlformats.org/drawingml/2006/main" xmlns:r="http://schemas.openxmlformats.org/officeDocument/2006/relationships" xmlns:p="http://schemas.openxmlformats.org/presentationml/2006/main" xmlns:m="http://schemas.openxmlformats.org/officeDocument/2006/math" xmlns:a14="http://schemas.microsoft.com/office/drawing/2010/main" type="tx" showMasterSp="1" showMasterPhAnim="1">
+<p:sldLayout xmlns:a="http://schemas.openxmlformats.org/drawingml/2006/main" xmlns:r="http://schemas.openxmlformats.org/officeDocument/2006/relationships" xmlns:p="http://schemas.openxmlformats.org/presentationml/2006/main" xmlns:m="http://schemas.openxmlformats.org/officeDocument/2006/math" xmlns:a14="http://schemas.microsoft.com/office/drawing/2010/main" type="tx" showMasterSp="0" showMasterPhAnim="1">
   <p:cSld name="Poster B">
     <p:spTree>
       <p:nvGrpSpPr>
@@ -829,7 +829,94 @@
       </p:grpSpPr>
       <p:sp>
         <p:nvSpPr>
-          <p:cNvPr id="30" name="Rectangle 40"/>
+          <p:cNvPr id="30" name="Straight Connector 10"/>
+          <p:cNvSpPr/>
+          <p:nvPr/>
+        </p:nvSpPr>
+        <p:spPr>
+          <a:xfrm>
+            <a:off x="-1" y="5009320"/>
+            <a:ext cx="43891201" cy="1"/>
+          </a:xfrm>
+          <a:prstGeom prst="line">
+            <a:avLst/>
+          </a:prstGeom>
+          <a:ln w="63500">
+            <a:solidFill>
+              <a:schemeClr val="accent1"/>
+            </a:solidFill>
+            <a:miter/>
+          </a:ln>
+        </p:spPr>
+        <p:txBody>
+          <a:bodyPr lIns="45718" tIns="45718" rIns="45718" bIns="45718"/>
+          <a:lstStyle/>
+          <a:p>
+            <a:pPr/>
+          </a:p>
+        </p:txBody>
+      </p:sp>
+      <p:pic>
+        <p:nvPicPr>
+          <p:cNvPr id="31" name="Picture 12" descr="Picture 12"/>
+          <p:cNvPicPr>
+            <a:picLocks noChangeAspect="1"/>
+          </p:cNvPicPr>
+          <p:nvPr/>
+        </p:nvPicPr>
+        <p:blipFill>
+          <a:blip r:embed="rId2">
+            <a:extLst/>
+          </a:blip>
+          <a:stretch>
+            <a:fillRect/>
+          </a:stretch>
+        </p:blipFill>
+        <p:spPr>
+          <a:xfrm>
+            <a:off x="33383329" y="28823446"/>
+            <a:ext cx="9144002" cy="2053734"/>
+          </a:xfrm>
+          <a:prstGeom prst="rect">
+            <a:avLst/>
+          </a:prstGeom>
+          <a:ln w="12700">
+            <a:miter lim="400000"/>
+          </a:ln>
+        </p:spPr>
+      </p:pic>
+      <p:pic>
+        <p:nvPicPr>
+          <p:cNvPr id="32" name="Picture 14" descr="Picture 14"/>
+          <p:cNvPicPr>
+            <a:picLocks noChangeAspect="1"/>
+          </p:cNvPicPr>
+          <p:nvPr/>
+        </p:nvPicPr>
+        <p:blipFill>
+          <a:blip r:embed="rId3">
+            <a:extLst/>
+          </a:blip>
+          <a:stretch>
+            <a:fillRect/>
+          </a:stretch>
+        </p:blipFill>
+        <p:spPr>
+          <a:xfrm>
+            <a:off x="33383329" y="31367266"/>
+            <a:ext cx="9593470" cy="636736"/>
+          </a:xfrm>
+          <a:prstGeom prst="rect">
+            <a:avLst/>
+          </a:prstGeom>
+          <a:ln w="12700">
+            <a:miter lim="400000"/>
+          </a:ln>
+        </p:spPr>
+      </p:pic>
+      <p:sp>
+        <p:nvSpPr>
+          <p:cNvPr id="33" name="Rectangle 40"/>
           <p:cNvSpPr/>
           <p:nvPr/>
         </p:nvSpPr>
@@ -849,7 +936,7 @@
           </a:ln>
         </p:spPr>
         <p:txBody>
-          <a:bodyPr lIns="45719" rIns="45719" anchor="ctr"/>
+          <a:bodyPr lIns="45718" tIns="45718" rIns="45718" bIns="45718" anchor="ctr"/>
           <a:lstStyle/>
           <a:p>
             <a:pPr algn="ctr">
@@ -857,6 +944,10 @@
                 <a:solidFill>
                   <a:srgbClr val="FFFFFF"/>
                 </a:solidFill>
+                <a:latin typeface="Aptos"/>
+                <a:ea typeface="Aptos"/>
+                <a:cs typeface="Aptos"/>
+                <a:sym typeface="Aptos"/>
               </a:defRPr>
             </a:pPr>
           </a:p>
@@ -864,14 +955,14 @@
       </p:sp>
       <p:pic>
         <p:nvPicPr>
-          <p:cNvPr id="31" name="Picture 41" descr="Picture 41"/>
+          <p:cNvPr id="34" name="Picture 41" descr="Picture 41"/>
           <p:cNvPicPr>
             <a:picLocks noChangeAspect="1"/>
           </p:cNvPicPr>
           <p:nvPr/>
         </p:nvPicPr>
         <p:blipFill>
-          <a:blip r:embed="rId2">
+          <a:blip r:embed="rId4">
             <a:extLst/>
           </a:blip>
           <a:stretch>
@@ -881,7 +972,7 @@
         <p:spPr>
           <a:xfrm>
             <a:off x="-457202" y="4968754"/>
-            <a:ext cx="44805601" cy="365761"/>
+            <a:ext cx="44805601" cy="365762"/>
           </a:xfrm>
           <a:prstGeom prst="rect">
             <a:avLst/>
@@ -893,7 +984,7 @@
       </p:pic>
       <p:sp>
         <p:nvSpPr>
-          <p:cNvPr id="32" name="Body Level One…"/>
+          <p:cNvPr id="35" name="Body Level One…"/>
           <p:cNvSpPr txBox="1"/>
           <p:nvPr>
             <p:ph type="body" sz="quarter" idx="1" hasCustomPrompt="1"/>
@@ -941,7 +1032,7 @@
       </p:sp>
       <p:sp>
         <p:nvSpPr>
-          <p:cNvPr id="33" name="Text Placeholder 34"/>
+          <p:cNvPr id="36" name="Text Placeholder 34"/>
           <p:cNvSpPr/>
           <p:nvPr>
             <p:ph type="body" sz="quarter" idx="21" hasCustomPrompt="1"/>
@@ -950,94 +1041,7 @@
         <p:spPr>
           <a:xfrm>
             <a:off x="29220659" y="21247101"/>
-            <a:ext cx="3254829" cy="4114801"/>
-          </a:xfrm>
-          <a:prstGeom prst="rect">
-            <a:avLst/>
-          </a:prstGeom>
-        </p:spPr>
-        <p:txBody>
-          <a:bodyPr/>
-          <a:lstStyle/>
-          <a:p>
-            <a:pPr/>
-            <a:r>
-              <a:t>This is the suggested format for captions.
-Duis autem vel eum iriure dolor in hendrerit in vulputate velit esse molestie consequat.</a:t>
-            </a:r>
-          </a:p>
-        </p:txBody>
-      </p:sp>
-      <p:sp>
-        <p:nvSpPr>
-          <p:cNvPr id="34" name="Text Placeholder 34"/>
-          <p:cNvSpPr/>
-          <p:nvPr>
-            <p:ph type="body" sz="quarter" idx="22" hasCustomPrompt="1"/>
-          </p:nvPr>
-        </p:nvSpPr>
-        <p:spPr>
-          <a:xfrm>
-            <a:off x="29228597" y="16800514"/>
-            <a:ext cx="3254829" cy="4114801"/>
-          </a:xfrm>
-          <a:prstGeom prst="rect">
-            <a:avLst/>
-          </a:prstGeom>
-        </p:spPr>
-        <p:txBody>
-          <a:bodyPr/>
-          <a:lstStyle/>
-          <a:p>
-            <a:pPr/>
-            <a:r>
-              <a:t>This is the suggested format for captions.
-Duis autem vel eum iriure dolor in hendrerit in vulputate velit esse molestie consequat.</a:t>
-            </a:r>
-          </a:p>
-        </p:txBody>
-      </p:sp>
-      <p:sp>
-        <p:nvSpPr>
-          <p:cNvPr id="35" name="Text Placeholder 34"/>
-          <p:cNvSpPr/>
-          <p:nvPr>
-            <p:ph type="body" sz="quarter" idx="23" hasCustomPrompt="1"/>
-          </p:nvPr>
-        </p:nvSpPr>
-        <p:spPr>
-          <a:xfrm>
-            <a:off x="11415711" y="30191757"/>
-            <a:ext cx="10058401" cy="1812245"/>
-          </a:xfrm>
-          <a:prstGeom prst="rect">
-            <a:avLst/>
-          </a:prstGeom>
-        </p:spPr>
-        <p:txBody>
-          <a:bodyPr/>
-          <a:lstStyle/>
-          <a:p>
-            <a:pPr/>
-            <a:r>
-              <a:t>This is the suggested format for captions.
-Duis autem vel eum iriure dolor in hendrerit in vulputate velit esse molestie consequat.</a:t>
-            </a:r>
-          </a:p>
-        </p:txBody>
-      </p:sp>
-      <p:sp>
-        <p:nvSpPr>
-          <p:cNvPr id="36" name="Text Placeholder 34"/>
-          <p:cNvSpPr/>
-          <p:nvPr>
-            <p:ph type="body" sz="quarter" idx="24" hasCustomPrompt="1"/>
-          </p:nvPr>
-        </p:nvSpPr>
-        <p:spPr>
-          <a:xfrm>
-            <a:off x="11415713" y="21298582"/>
-            <a:ext cx="3254829" cy="4114801"/>
+            <a:ext cx="3254829" cy="4114802"/>
           </a:xfrm>
           <a:prstGeom prst="rect">
             <a:avLst/>
@@ -1060,13 +1064,13 @@
           <p:cNvPr id="37" name="Text Placeholder 34"/>
           <p:cNvSpPr/>
           <p:nvPr>
-            <p:ph type="body" sz="quarter" idx="25" hasCustomPrompt="1"/>
+            <p:ph type="body" sz="quarter" idx="22" hasCustomPrompt="1"/>
           </p:nvPr>
         </p:nvSpPr>
         <p:spPr>
           <a:xfrm>
-            <a:off x="18204316" y="16800514"/>
-            <a:ext cx="3254829" cy="4114801"/>
+            <a:off x="29228597" y="16800514"/>
+            <a:ext cx="3254829" cy="4114802"/>
           </a:xfrm>
           <a:prstGeom prst="rect">
             <a:avLst/>
@@ -1086,7 +1090,94 @@
       </p:sp>
       <p:sp>
         <p:nvSpPr>
-          <p:cNvPr id="38" name="Text Placeholder 29"/>
+          <p:cNvPr id="38" name="Text Placeholder 34"/>
+          <p:cNvSpPr/>
+          <p:nvPr>
+            <p:ph type="body" sz="quarter" idx="23" hasCustomPrompt="1"/>
+          </p:nvPr>
+        </p:nvSpPr>
+        <p:spPr>
+          <a:xfrm>
+            <a:off x="11415710" y="30191757"/>
+            <a:ext cx="10058402" cy="1812246"/>
+          </a:xfrm>
+          <a:prstGeom prst="rect">
+            <a:avLst/>
+          </a:prstGeom>
+        </p:spPr>
+        <p:txBody>
+          <a:bodyPr/>
+          <a:lstStyle/>
+          <a:p>
+            <a:pPr/>
+            <a:r>
+              <a:t>This is the suggested format for captions.
+Duis autem vel eum iriure dolor in hendrerit in vulputate velit esse molestie consequat.</a:t>
+            </a:r>
+          </a:p>
+        </p:txBody>
+      </p:sp>
+      <p:sp>
+        <p:nvSpPr>
+          <p:cNvPr id="39" name="Text Placeholder 34"/>
+          <p:cNvSpPr/>
+          <p:nvPr>
+            <p:ph type="body" sz="quarter" idx="24" hasCustomPrompt="1"/>
+          </p:nvPr>
+        </p:nvSpPr>
+        <p:spPr>
+          <a:xfrm>
+            <a:off x="11415713" y="21298582"/>
+            <a:ext cx="3254829" cy="4114802"/>
+          </a:xfrm>
+          <a:prstGeom prst="rect">
+            <a:avLst/>
+          </a:prstGeom>
+        </p:spPr>
+        <p:txBody>
+          <a:bodyPr/>
+          <a:lstStyle/>
+          <a:p>
+            <a:pPr/>
+            <a:r>
+              <a:t>This is the suggested format for captions.
+Duis autem vel eum iriure dolor in hendrerit in vulputate velit esse molestie consequat.</a:t>
+            </a:r>
+          </a:p>
+        </p:txBody>
+      </p:sp>
+      <p:sp>
+        <p:nvSpPr>
+          <p:cNvPr id="40" name="Text Placeholder 34"/>
+          <p:cNvSpPr/>
+          <p:nvPr>
+            <p:ph type="body" sz="quarter" idx="25" hasCustomPrompt="1"/>
+          </p:nvPr>
+        </p:nvSpPr>
+        <p:spPr>
+          <a:xfrm>
+            <a:off x="18204316" y="16800514"/>
+            <a:ext cx="3254829" cy="4114802"/>
+          </a:xfrm>
+          <a:prstGeom prst="rect">
+            <a:avLst/>
+          </a:prstGeom>
+        </p:spPr>
+        <p:txBody>
+          <a:bodyPr/>
+          <a:lstStyle/>
+          <a:p>
+            <a:pPr/>
+            <a:r>
+              <a:t>This is the suggested format for captions.
+Duis autem vel eum iriure dolor in hendrerit in vulputate velit esse molestie consequat.</a:t>
+            </a:r>
+          </a:p>
+        </p:txBody>
+      </p:sp>
+      <p:sp>
+        <p:nvSpPr>
+          <p:cNvPr id="41" name="Text Placeholder 29"/>
           <p:cNvSpPr/>
           <p:nvPr>
             <p:ph type="body" sz="quarter" idx="26" hasCustomPrompt="1"/>
@@ -1095,7 +1186,7 @@
         <p:spPr>
           <a:xfrm>
             <a:off x="914399" y="3546473"/>
-            <a:ext cx="42062401" cy="649923"/>
+            <a:ext cx="42062401" cy="649924"/>
           </a:xfrm>
           <a:prstGeom prst="rect">
             <a:avLst/>
@@ -1105,11 +1196,11 @@
         <p:txBody>
           <a:bodyPr anchor="t"/>
           <a:lstStyle>
-            <a:lvl1pPr defTabSz="4037990">
+            <a:lvl1pPr defTabSz="4037989">
               <a:spcBef>
                 <a:spcPts val="4400"/>
               </a:spcBef>
-              <a:defRPr i="0" sz="3680"/>
+              <a:defRPr i="0" sz="3600"/>
             </a:lvl1pPr>
           </a:lstStyle>
           <a:p>
@@ -1122,7 +1213,7 @@
       </p:sp>
       <p:sp>
         <p:nvSpPr>
-          <p:cNvPr id="39" name="Text Placeholder 27"/>
+          <p:cNvPr id="42" name="Text Placeholder 27"/>
           <p:cNvSpPr/>
           <p:nvPr>
             <p:ph type="body" sz="quarter" idx="27" hasCustomPrompt="1"/>
@@ -1141,11 +1232,11 @@
         <p:txBody>
           <a:bodyPr anchor="t"/>
           <a:lstStyle>
-            <a:lvl1pPr defTabSz="3994099">
+            <a:lvl1pPr defTabSz="3994098">
               <a:spcBef>
                 <a:spcPts val="4300"/>
               </a:spcBef>
-              <a:defRPr i="0" sz="5460"/>
+              <a:defRPr i="0" sz="5400"/>
             </a:lvl1pPr>
           </a:lstStyle>
           <a:p>
@@ -1158,7 +1249,7 @@
       </p:sp>
       <p:sp>
         <p:nvSpPr>
-          <p:cNvPr id="40" name="Title Text"/>
+          <p:cNvPr id="43" name="Title Text"/>
           <p:cNvSpPr txBox="1"/>
           <p:nvPr>
             <p:ph type="title"/>
@@ -1190,13 +1281,17 @@
       </p:sp>
       <p:sp>
         <p:nvSpPr>
-          <p:cNvPr id="41" name="Slide Number"/>
+          <p:cNvPr id="44" name="Slide Number"/>
           <p:cNvSpPr txBox="1"/>
           <p:nvPr>
             <p:ph type="sldNum" sz="quarter" idx="2"/>
           </p:nvPr>
         </p:nvSpPr>
         <p:spPr>
+          <a:xfrm>
+            <a:off x="31181707" y="30375859"/>
+            <a:ext cx="273654" cy="269239"/>
+          </a:xfrm>
           <a:prstGeom prst="rect">
             <a:avLst/>
           </a:prstGeom>
@@ -1251,8 +1346,8 @@
         </p:nvSpPr>
         <p:spPr>
           <a:xfrm>
-            <a:off x="0" y="5009320"/>
-            <a:ext cx="43891200" cy="1"/>
+            <a:off x="-1" y="5009319"/>
+            <a:ext cx="43891202" cy="2"/>
           </a:xfrm>
           <a:prstGeom prst="line">
             <a:avLst/>
@@ -1265,7 +1360,7 @@
           </a:ln>
         </p:spPr>
         <p:txBody>
-          <a:bodyPr lIns="45719" rIns="45719"/>
+          <a:bodyPr lIns="45718" tIns="45718" rIns="45718" bIns="45718"/>
           <a:lstStyle/>
           <a:p>
             <a:pPr/>
@@ -1291,7 +1386,7 @@
         <p:spPr>
           <a:xfrm>
             <a:off x="33383329" y="28823446"/>
-            <a:ext cx="9144001" cy="2053733"/>
+            <a:ext cx="9144002" cy="2053734"/>
           </a:xfrm>
           <a:prstGeom prst="rect">
             <a:avLst/>
@@ -1320,7 +1415,7 @@
         <p:spPr>
           <a:xfrm>
             <a:off x="33383329" y="31367266"/>
-            <a:ext cx="9593469" cy="636735"/>
+            <a:ext cx="9593470" cy="636736"/>
           </a:xfrm>
           <a:prstGeom prst="rect">
             <a:avLst/>
@@ -1341,7 +1436,7 @@
         <p:spPr>
           <a:xfrm>
             <a:off x="22417089" y="30175200"/>
-            <a:ext cx="10058401" cy="1812245"/>
+            <a:ext cx="10058401" cy="1812246"/>
           </a:xfrm>
           <a:prstGeom prst="rect">
             <a:avLst/>
@@ -1359,7 +1454,7 @@
           </a:extLst>
         </p:spPr>
         <p:txBody>
-          <a:bodyPr lIns="45719" rIns="45719" anchor="ctr">
+          <a:bodyPr lIns="45718" tIns="45718" rIns="45718" bIns="45718" anchor="ctr">
             <a:normAutofit fontScale="100000" lnSpcReduction="0"/>
           </a:bodyPr>
           <a:lstStyle/>
@@ -1421,7 +1516,7 @@
           </a:extLst>
         </p:spPr>
         <p:txBody>
-          <a:bodyPr lIns="45719" rIns="45719" anchor="ctr">
+          <a:bodyPr lIns="45718" tIns="45718" rIns="45718" bIns="45718" anchor="ctr">
             <a:normAutofit fontScale="100000" lnSpcReduction="0"/>
           </a:bodyPr>
           <a:lstStyle/>
@@ -1443,8 +1538,8 @@
         </p:nvSpPr>
         <p:spPr>
           <a:xfrm>
-            <a:off x="21214080" y="29634178"/>
-            <a:ext cx="10241281" cy="1752601"/>
+            <a:off x="31181708" y="30375860"/>
+            <a:ext cx="273654" cy="269239"/>
           </a:xfrm>
           <a:prstGeom prst="rect">
             <a:avLst/>
@@ -1454,12 +1549,17 @@
           </a:ln>
         </p:spPr>
         <p:txBody>
-          <a:bodyPr wrap="none" lIns="45719" rIns="45719" anchor="ctr">
+          <a:bodyPr wrap="none" lIns="45718" tIns="45718" rIns="45718" bIns="45718" anchor="ctr">
             <a:spAutoFit/>
           </a:bodyPr>
           <a:lstStyle>
             <a:lvl1pPr algn="r">
-              <a:defRPr sz="1200"/>
+              <a:defRPr sz="1200">
+                <a:latin typeface="Aptos"/>
+                <a:ea typeface="Aptos"/>
+                <a:cs typeface="Aptos"/>
+                <a:sym typeface="Aptos"/>
+              </a:defRPr>
             </a:lvl1pPr>
           </a:lstStyle>
           <a:p>
@@ -1792,7 +1892,7 @@
           <a:sym typeface="Aptos"/>
         </a:defRPr>
       </a:lvl3pPr>
-      <a:lvl4pPr marL="6851619" marR="0" indent="-267940" algn="l" defTabSz="4389120" rtl="0" latinLnBrk="0">
+      <a:lvl4pPr marL="6851618" marR="0" indent="-267940" algn="l" defTabSz="4389120" rtl="0" latinLnBrk="0">
         <a:lnSpc>
           <a:spcPct val="90000"/>
         </a:lnSpc>
@@ -1818,7 +1918,7 @@
           <a:sym typeface="Aptos"/>
         </a:defRPr>
       </a:lvl4pPr>
-      <a:lvl5pPr marL="9046179" marR="0" indent="-267940" algn="l" defTabSz="4389120" rtl="0" latinLnBrk="0">
+      <a:lvl5pPr marL="9046178" marR="0" indent="-267940" algn="l" defTabSz="4389120" rtl="0" latinLnBrk="0">
         <a:lnSpc>
           <a:spcPct val="90000"/>
         </a:lnSpc>
@@ -1896,7 +1996,7 @@
           <a:sym typeface="Aptos"/>
         </a:defRPr>
       </a:lvl7pPr>
-      <a:lvl8pPr marL="15629859" marR="0" indent="-267940" algn="l" defTabSz="4389120" rtl="0" latinLnBrk="0">
+      <a:lvl8pPr marL="15629858" marR="0" indent="-267940" algn="l" defTabSz="4389120" rtl="0" latinLnBrk="0">
         <a:lnSpc>
           <a:spcPct val="90000"/>
         </a:lnSpc>
@@ -1976,7 +2076,7 @@
           <a:sym typeface="Aptos"/>
         </a:defRPr>
       </a:lvl1pPr>
-      <a:lvl2pPr marL="0" marR="0" indent="457200" algn="r" defTabSz="457200" rtl="0" latinLnBrk="0">
+      <a:lvl2pPr marL="0" marR="0" indent="0" algn="r" defTabSz="457200" rtl="0" latinLnBrk="0">
         <a:lnSpc>
           <a:spcPct val="100000"/>
         </a:lnSpc>
@@ -2002,7 +2102,7 @@
           <a:sym typeface="Aptos"/>
         </a:defRPr>
       </a:lvl2pPr>
-      <a:lvl3pPr marL="0" marR="0" indent="914400" algn="r" defTabSz="457200" rtl="0" latinLnBrk="0">
+      <a:lvl3pPr marL="0" marR="0" indent="0" algn="r" defTabSz="457200" rtl="0" latinLnBrk="0">
         <a:lnSpc>
           <a:spcPct val="100000"/>
         </a:lnSpc>
@@ -2028,7 +2128,7 @@
           <a:sym typeface="Aptos"/>
         </a:defRPr>
       </a:lvl3pPr>
-      <a:lvl4pPr marL="0" marR="0" indent="1371600" algn="r" defTabSz="457200" rtl="0" latinLnBrk="0">
+      <a:lvl4pPr marL="0" marR="0" indent="0" algn="r" defTabSz="457200" rtl="0" latinLnBrk="0">
         <a:lnSpc>
           <a:spcPct val="100000"/>
         </a:lnSpc>
@@ -2054,7 +2154,7 @@
           <a:sym typeface="Aptos"/>
         </a:defRPr>
       </a:lvl4pPr>
-      <a:lvl5pPr marL="0" marR="0" indent="1828800" algn="r" defTabSz="457200" rtl="0" latinLnBrk="0">
+      <a:lvl5pPr marL="0" marR="0" indent="0" algn="r" defTabSz="457200" rtl="0" latinLnBrk="0">
         <a:lnSpc>
           <a:spcPct val="100000"/>
         </a:lnSpc>
@@ -2080,7 +2180,7 @@
           <a:sym typeface="Aptos"/>
         </a:defRPr>
       </a:lvl5pPr>
-      <a:lvl6pPr marL="0" marR="0" indent="2286000" algn="r" defTabSz="457200" rtl="0" latinLnBrk="0">
+      <a:lvl6pPr marL="0" marR="0" indent="0" algn="r" defTabSz="457200" rtl="0" latinLnBrk="0">
         <a:lnSpc>
           <a:spcPct val="100000"/>
         </a:lnSpc>
@@ -2106,7 +2206,7 @@
           <a:sym typeface="Aptos"/>
         </a:defRPr>
       </a:lvl6pPr>
-      <a:lvl7pPr marL="0" marR="0" indent="2743200" algn="r" defTabSz="457200" rtl="0" latinLnBrk="0">
+      <a:lvl7pPr marL="0" marR="0" indent="0" algn="r" defTabSz="457200" rtl="0" latinLnBrk="0">
         <a:lnSpc>
           <a:spcPct val="100000"/>
         </a:lnSpc>
@@ -2132,7 +2232,7 @@
           <a:sym typeface="Aptos"/>
         </a:defRPr>
       </a:lvl7pPr>
-      <a:lvl8pPr marL="0" marR="0" indent="3200400" algn="r" defTabSz="457200" rtl="0" latinLnBrk="0">
+      <a:lvl8pPr marL="0" marR="0" indent="0" algn="r" defTabSz="457200" rtl="0" latinLnBrk="0">
         <a:lnSpc>
           <a:spcPct val="100000"/>
         </a:lnSpc>
@@ -2158,7 +2258,7 @@
           <a:sym typeface="Aptos"/>
         </a:defRPr>
       </a:lvl8pPr>
-      <a:lvl9pPr marL="0" marR="0" indent="3657600" algn="r" defTabSz="457200" rtl="0" latinLnBrk="0">
+      <a:lvl9pPr marL="0" marR="0" indent="0" algn="r" defTabSz="457200" rtl="0" latinLnBrk="0">
         <a:lnSpc>
           <a:spcPct val="100000"/>
         </a:lnSpc>
@@ -2208,7 +2308,7 @@
       </p:grpSpPr>
       <p:sp>
         <p:nvSpPr>
-          <p:cNvPr id="50" name="Text Placeholder 65"/>
+          <p:cNvPr id="53" name="Text Placeholder 65"/>
           <p:cNvSpPr txBox="1"/>
           <p:nvPr>
             <p:ph type="body" sz="quarter" idx="1"/>
@@ -2229,13 +2329,17 @@
       </p:sp>
       <p:sp>
         <p:nvSpPr>
-          <p:cNvPr id="51" name="Text Placeholder 64"/>
+          <p:cNvPr id="54" name="Text Placeholder 64"/>
           <p:cNvSpPr/>
           <p:nvPr>
             <p:ph type="body" idx="21"/>
           </p:nvPr>
         </p:nvSpPr>
         <p:spPr>
+          <a:xfrm>
+            <a:off x="29220659" y="21247101"/>
+            <a:ext cx="3254829" cy="4114802"/>
+          </a:xfrm>
           <a:prstGeom prst="rect">
             <a:avLst/>
           </a:prstGeom>
@@ -2250,13 +2354,17 @@
       </p:sp>
       <p:sp>
         <p:nvSpPr>
-          <p:cNvPr id="52" name="Text Placeholder 63"/>
+          <p:cNvPr id="55" name="Text Placeholder 63"/>
           <p:cNvSpPr/>
           <p:nvPr>
             <p:ph type="body" idx="22"/>
           </p:nvPr>
         </p:nvSpPr>
         <p:spPr>
+          <a:xfrm>
+            <a:off x="29228597" y="16800514"/>
+            <a:ext cx="3254829" cy="4114802"/>
+          </a:xfrm>
           <a:prstGeom prst="rect">
             <a:avLst/>
           </a:prstGeom>
@@ -2271,13 +2379,17 @@
       </p:sp>
       <p:sp>
         <p:nvSpPr>
-          <p:cNvPr id="53" name="Text Placeholder 62"/>
+          <p:cNvPr id="56" name="Text Placeholder 62"/>
           <p:cNvSpPr/>
           <p:nvPr>
             <p:ph type="body" idx="23"/>
           </p:nvPr>
         </p:nvSpPr>
         <p:spPr>
+          <a:xfrm>
+            <a:off x="11415710" y="30191757"/>
+            <a:ext cx="10058402" cy="1812246"/>
+          </a:xfrm>
           <a:prstGeom prst="rect">
             <a:avLst/>
           </a:prstGeom>
@@ -2292,13 +2404,17 @@
       </p:sp>
       <p:sp>
         <p:nvSpPr>
-          <p:cNvPr id="54" name="Text Placeholder 61"/>
+          <p:cNvPr id="57" name="Text Placeholder 61"/>
           <p:cNvSpPr/>
           <p:nvPr>
             <p:ph type="body" idx="24"/>
           </p:nvPr>
         </p:nvSpPr>
         <p:spPr>
+          <a:xfrm>
+            <a:off x="11415713" y="21298582"/>
+            <a:ext cx="3254829" cy="4114802"/>
+          </a:xfrm>
           <a:prstGeom prst="rect">
             <a:avLst/>
           </a:prstGeom>
@@ -2313,13 +2429,17 @@
       </p:sp>
       <p:sp>
         <p:nvSpPr>
-          <p:cNvPr id="55" name="Text Placeholder 60"/>
+          <p:cNvPr id="58" name="Text Placeholder 60"/>
           <p:cNvSpPr/>
           <p:nvPr>
             <p:ph type="body" idx="25"/>
           </p:nvPr>
         </p:nvSpPr>
         <p:spPr>
+          <a:xfrm>
+            <a:off x="18204316" y="16800514"/>
+            <a:ext cx="3254829" cy="4114802"/>
+          </a:xfrm>
           <a:prstGeom prst="rect">
             <a:avLst/>
           </a:prstGeom>
@@ -2334,13 +2454,17 @@
       </p:sp>
       <p:sp>
         <p:nvSpPr>
-          <p:cNvPr id="56" name="Text Placeholder 59"/>
+          <p:cNvPr id="59" name="Text Placeholder 59"/>
           <p:cNvSpPr/>
           <p:nvPr>
             <p:ph type="body" idx="26"/>
           </p:nvPr>
         </p:nvSpPr>
         <p:spPr>
+          <a:xfrm>
+            <a:off x="914399" y="3546473"/>
+            <a:ext cx="42062401" cy="649924"/>
+          </a:xfrm>
           <a:prstGeom prst="rect">
             <a:avLst/>
           </a:prstGeom>
@@ -2363,13 +2487,17 @@
       </p:sp>
       <p:sp>
         <p:nvSpPr>
-          <p:cNvPr id="57" name="Text Placeholder 58"/>
+          <p:cNvPr id="60" name="Text Placeholder 58"/>
           <p:cNvSpPr/>
           <p:nvPr>
             <p:ph type="body" idx="27"/>
           </p:nvPr>
         </p:nvSpPr>
         <p:spPr>
+          <a:xfrm>
+            <a:off x="914399" y="2537430"/>
+            <a:ext cx="42062401" cy="928716"/>
+          </a:xfrm>
           <a:prstGeom prst="rect">
             <a:avLst/>
           </a:prstGeom>
@@ -2392,7 +2520,7 @@
       </p:sp>
       <p:sp>
         <p:nvSpPr>
-          <p:cNvPr id="58" name="Title 23"/>
+          <p:cNvPr id="61" name="Title 23"/>
           <p:cNvSpPr txBox="1"/>
           <p:nvPr>
             <p:ph type="title"/>
@@ -2401,7 +2529,7 @@
         <p:spPr>
           <a:xfrm>
             <a:off x="914400" y="914400"/>
-            <a:ext cx="42062400" cy="1741711"/>
+            <a:ext cx="42062400" cy="1741710"/>
           </a:xfrm>
           <a:prstGeom prst="rect">
             <a:avLst/>
@@ -2420,166 +2548,16 @@
       </p:sp>
       <p:grpSp>
         <p:nvGrpSpPr>
-          <p:cNvPr id="61" name="TextBox 1"/>
+          <p:cNvPr id="64" name="TextBox 1"/>
           <p:cNvGrpSpPr/>
           <p:nvPr/>
         </p:nvGrpSpPr>
         <p:grpSpPr>
           <a:xfrm>
             <a:off x="1391477" y="5923720"/>
-            <a:ext cx="9144001" cy="13716001"/>
+            <a:ext cx="9144001" cy="13716002"/>
             <a:chOff x="0" y="0"/>
-            <a:chExt cx="9144000" cy="13716000"/>
-          </a:xfrm>
-        </p:grpSpPr>
-        <p:sp>
-          <p:nvSpPr>
-            <p:cNvPr id="59" name="Rectangle"/>
-            <p:cNvSpPr/>
-            <p:nvPr/>
-          </p:nvSpPr>
-          <p:spPr>
-            <a:xfrm>
-              <a:off x="0" y="0"/>
-              <a:ext cx="9144000" cy="13716000"/>
-            </a:xfrm>
-            <a:prstGeom prst="rect">
-              <a:avLst/>
-            </a:prstGeom>
-            <a:solidFill>
-              <a:srgbClr val="FFFFFF"/>
-            </a:solidFill>
-            <a:ln w="12700" cap="flat">
-              <a:noFill/>
-              <a:miter lim="400000"/>
-            </a:ln>
-            <a:effectLst/>
-          </p:spPr>
-          <p:txBody>
-            <a:bodyPr wrap="square" lIns="45719" tIns="45719" rIns="45719" bIns="45719" numCol="1" anchor="t">
-              <a:noAutofit/>
-            </a:bodyPr>
-            <a:lstStyle/>
-            <a:p>
-              <a:pPr/>
-            </a:p>
-          </p:txBody>
-        </p:sp>
-        <p:sp>
-          <p:nvSpPr>
-            <p:cNvPr id="60" name="Header…"/>
-            <p:cNvSpPr txBox="1"/>
-            <p:nvPr/>
-          </p:nvSpPr>
-          <p:spPr>
-            <a:xfrm>
-              <a:off x="45719" y="0"/>
-              <a:ext cx="9052561" cy="11089640"/>
-            </a:xfrm>
-            <a:prstGeom prst="rect">
-              <a:avLst/>
-            </a:prstGeom>
-            <a:noFill/>
-            <a:ln w="12700" cap="flat">
-              <a:noFill/>
-              <a:miter lim="400000"/>
-            </a:ln>
-            <a:effectLst/>
-            <a:extLst>
-              <a:ext uri="{C572A759-6A51-4108-AA02-DFA0A04FC94B}">
-                <ma14:wrappingTextBoxFlag xmlns:ma14="http://schemas.microsoft.com/office/mac/drawingml/2011/main" val="1"/>
-              </a:ext>
-            </a:extLst>
-          </p:spPr>
-          <p:txBody>
-            <a:bodyPr wrap="square" lIns="45719" tIns="45719" rIns="45719" bIns="45719" numCol="1" anchor="t">
-              <a:spAutoFit/>
-            </a:bodyPr>
-            <a:lstStyle/>
-            <a:p>
-              <a:pPr>
-                <a:defRPr b="1" sz="4200"/>
-              </a:pPr>
-              <a:r>
-                <a:t>Header</a:t>
-              </a:r>
-            </a:p>
-            <a:p>
-              <a:pPr>
-                <a:defRPr sz="2800"/>
-              </a:pPr>
-            </a:p>
-            <a:p>
-              <a:pPr>
-                <a:defRPr sz="2800"/>
-              </a:pPr>
-              <a:r>
-                <a:t>Content goes here: Totat ullaborernam harci cus, cuscidendit lat et as eum explit apicaboria am que vendent inullup tatur? Quia voluptat ut prae. Qui blatibu saecture, ut volor as a audae es elenti quis qui tessum faccuptatet odignisim eatur, sincia nusdantent estem haruntiatint idit rem ulpa et exped que provitatatur seque pro idi nos quid quo vent.</a:t>
-              </a:r>
-            </a:p>
-            <a:p>
-              <a:pPr>
-                <a:defRPr b="1" sz="2800"/>
-              </a:pPr>
-            </a:p>
-            <a:p>
-              <a:pPr>
-                <a:lnSpc>
-                  <a:spcPct val="150000"/>
-                </a:lnSpc>
-                <a:defRPr b="1" sz="2800"/>
-              </a:pPr>
-              <a:r>
-                <a:t>Subheader</a:t>
-              </a:r>
-            </a:p>
-            <a:p>
-              <a:pPr>
-                <a:defRPr sz="2800"/>
-              </a:pPr>
-              <a:r>
-                <a:t>Ossus volupicabore et iminciae nitati diaeculpa cumquo omnihil et, occulpa venient ab ilibusam volectes vellic tori sitius inciis net voluptatiis auditius dem venimus, ium eatius dolupta</a:t>
-              </a:r>
-            </a:p>
-            <a:p>
-              <a:pPr>
-                <a:defRPr b="1" sz="2800"/>
-              </a:pPr>
-            </a:p>
-            <a:p>
-              <a:pPr>
-                <a:lnSpc>
-                  <a:spcPct val="150000"/>
-                </a:lnSpc>
-                <a:defRPr b="1" sz="2800"/>
-              </a:pPr>
-              <a:r>
-                <a:t>Subheader</a:t>
-              </a:r>
-            </a:p>
-            <a:p>
-              <a:pPr>
-                <a:defRPr sz="2800"/>
-              </a:pPr>
-              <a:r>
-                <a:t>Ossus volupicabore et iminciae nitati diaeculpa cumquo omnihil et, occulpa venient ab ilibusam volectes vellic tori sitiusam inciis net voluptatiis auditius dem venimus, ium eatius dolupta tatumquae num eos im fugitis ipienimet estisit, que con nonsequi culluptia as dis consequatem qui aliqui doluptatum est, od quo blab ilias eum exeres delitem qui ipiti omnisquam harchic empere.</a:t>
-              </a:r>
-            </a:p>
-          </p:txBody>
-        </p:sp>
-      </p:grpSp>
-      <p:grpSp>
-        <p:nvGrpSpPr>
-          <p:cNvPr id="64" name="TextBox 2"/>
-          <p:cNvGrpSpPr/>
-          <p:nvPr/>
-        </p:nvGrpSpPr>
-        <p:grpSpPr>
-          <a:xfrm>
-            <a:off x="1391477" y="20116799"/>
-            <a:ext cx="9144001" cy="11887201"/>
-            <a:chOff x="0" y="0"/>
-            <a:chExt cx="9144000" cy="11887200"/>
+            <a:chExt cx="9144000" cy="13716001"/>
           </a:xfrm>
         </p:grpSpPr>
         <p:sp>
@@ -2591,7 +2569,7 @@
           <p:spPr>
             <a:xfrm>
               <a:off x="0" y="0"/>
-              <a:ext cx="9144000" cy="11887200"/>
+              <a:ext cx="9144001" cy="13716002"/>
             </a:xfrm>
             <a:prstGeom prst="rect">
               <a:avLst/>
@@ -2606,12 +2584,19 @@
             <a:effectLst/>
           </p:spPr>
           <p:txBody>
-            <a:bodyPr wrap="square" lIns="45719" tIns="45719" rIns="45719" bIns="45719" numCol="1" anchor="t">
+            <a:bodyPr wrap="square" lIns="45718" tIns="45718" rIns="45718" bIns="45718" numCol="1" anchor="t">
               <a:noAutofit/>
             </a:bodyPr>
             <a:lstStyle/>
             <a:p>
-              <a:pPr/>
+              <a:pPr>
+                <a:defRPr>
+                  <a:latin typeface="Aptos"/>
+                  <a:ea typeface="Aptos"/>
+                  <a:cs typeface="Aptos"/>
+                  <a:sym typeface="Aptos"/>
+                </a:defRPr>
+              </a:pPr>
             </a:p>
           </p:txBody>
         </p:sp>
@@ -2623,8 +2608,8 @@
           </p:nvSpPr>
           <p:spPr>
             <a:xfrm>
-              <a:off x="45719" y="0"/>
-              <a:ext cx="9052561" cy="10010140"/>
+              <a:off x="45718" y="0"/>
+              <a:ext cx="9052563" cy="11089639"/>
             </a:xfrm>
             <a:prstGeom prst="rect">
               <a:avLst/>
@@ -2642,24 +2627,67 @@
             </a:extLst>
           </p:spPr>
           <p:txBody>
-            <a:bodyPr wrap="square" lIns="45719" tIns="45719" rIns="45719" bIns="45719" numCol="1" anchor="t">
+            <a:bodyPr wrap="square" lIns="45718" tIns="45718" rIns="45718" bIns="45718" numCol="1" anchor="t">
               <a:spAutoFit/>
             </a:bodyPr>
             <a:lstStyle/>
             <a:p>
               <a:pPr>
-                <a:defRPr b="1" sz="4200"/>
+                <a:defRPr b="1" sz="4200">
+                  <a:latin typeface="Aptos"/>
+                  <a:ea typeface="Aptos"/>
+                  <a:cs typeface="Aptos"/>
+                  <a:sym typeface="Aptos"/>
+                </a:defRPr>
               </a:pPr>
               <a:r>
                 <a:t>Header</a:t>
               </a:r>
+            </a:p>
+            <a:p>
+              <a:pPr>
+                <a:defRPr sz="2800">
+                  <a:latin typeface="Aptos"/>
+                  <a:ea typeface="Aptos"/>
+                  <a:cs typeface="Aptos"/>
+                  <a:sym typeface="Aptos"/>
+                </a:defRPr>
+              </a:pPr>
+            </a:p>
+            <a:p>
+              <a:pPr>
+                <a:defRPr sz="2800">
+                  <a:latin typeface="Aptos"/>
+                  <a:ea typeface="Aptos"/>
+                  <a:cs typeface="Aptos"/>
+                  <a:sym typeface="Aptos"/>
+                </a:defRPr>
+              </a:pPr>
+              <a:r>
+                <a:t>Content goes here: Totat ullaborernam harci cus, cuscidendit lat et as eum explit apicaboria am que vendent inullup tatur? Quia voluptat ut prae. Qui blatibu saecture, ut volor as a audae es elenti quis qui tessum faccuptatet odignisim eatur, sincia nusdantent estem haruntiatint idit rem ulpa et exped que provitatatur seque pro idi nos quid quo vent.</a:t>
+              </a:r>
+            </a:p>
+            <a:p>
+              <a:pPr>
+                <a:defRPr b="1" sz="2800">
+                  <a:latin typeface="Aptos"/>
+                  <a:ea typeface="Aptos"/>
+                  <a:cs typeface="Aptos"/>
+                  <a:sym typeface="Aptos"/>
+                </a:defRPr>
+              </a:pPr>
             </a:p>
             <a:p>
               <a:pPr>
                 <a:lnSpc>
                   <a:spcPct val="150000"/>
                 </a:lnSpc>
-                <a:defRPr b="1" sz="2800"/>
+                <a:defRPr b="1" sz="2800">
+                  <a:latin typeface="Aptos"/>
+                  <a:ea typeface="Aptos"/>
+                  <a:cs typeface="Aptos"/>
+                  <a:sym typeface="Aptos"/>
+                </a:defRPr>
               </a:pPr>
               <a:r>
                 <a:t>Subheader</a:t>
@@ -2667,20 +2695,12 @@
             </a:p>
             <a:p>
               <a:pPr>
-                <a:defRPr sz="2800"/>
-              </a:pPr>
-              <a:r>
-                <a:t>Content goes here: Totat ullaborernam harci cus, cuscidendit lat et as eum explit apicaboria am que vendent inullup tatur? Quia voluptat ut prae. Qui blatibu saecture, ut volor as a audae es elenti quis qui tessum faccuptatet odignisim eatur, sincia nusdantent estem haruntiatint idit rem ulpa et exped que provitatatur seque pro idi nos quid quo vent.</a:t>
-              </a:r>
-            </a:p>
-            <a:p>
-              <a:pPr>
-                <a:defRPr sz="2800"/>
-              </a:pPr>
-            </a:p>
-            <a:p>
-              <a:pPr>
-                <a:defRPr sz="2800"/>
+                <a:defRPr sz="2800">
+                  <a:latin typeface="Aptos"/>
+                  <a:ea typeface="Aptos"/>
+                  <a:cs typeface="Aptos"/>
+                  <a:sym typeface="Aptos"/>
+                </a:defRPr>
               </a:pPr>
               <a:r>
                 <a:t>Ossus volupicabore et iminciae nitati diaeculpa cumquo omnihil et, occulpa venient ab ilibusam volectes vellic tori sitius inciis net voluptatiis auditius dem venimus, ium eatius dolupta</a:t>
@@ -2688,12 +2708,38 @@
             </a:p>
             <a:p>
               <a:pPr>
-                <a:defRPr sz="2800"/>
-              </a:pPr>
-            </a:p>
-            <a:p>
-              <a:pPr>
-                <a:defRPr sz="2800"/>
+                <a:defRPr b="1" sz="2800">
+                  <a:latin typeface="Aptos"/>
+                  <a:ea typeface="Aptos"/>
+                  <a:cs typeface="Aptos"/>
+                  <a:sym typeface="Aptos"/>
+                </a:defRPr>
+              </a:pPr>
+            </a:p>
+            <a:p>
+              <a:pPr>
+                <a:lnSpc>
+                  <a:spcPct val="150000"/>
+                </a:lnSpc>
+                <a:defRPr b="1" sz="2800">
+                  <a:latin typeface="Aptos"/>
+                  <a:ea typeface="Aptos"/>
+                  <a:cs typeface="Aptos"/>
+                  <a:sym typeface="Aptos"/>
+                </a:defRPr>
+              </a:pPr>
+              <a:r>
+                <a:t>Subheader</a:t>
+              </a:r>
+            </a:p>
+            <a:p>
+              <a:pPr>
+                <a:defRPr sz="2800">
+                  <a:latin typeface="Aptos"/>
+                  <a:ea typeface="Aptos"/>
+                  <a:cs typeface="Aptos"/>
+                  <a:sym typeface="Aptos"/>
+                </a:defRPr>
               </a:pPr>
               <a:r>
                 <a:t>Ossus volupicabore et iminciae nitati diaeculpa cumquo omnihil et, occulpa venient ab ilibusam volectes vellic tori sitiusam inciis net voluptatiis auditius dem venimus, ium eatius dolupta tatumquae num eos im fugitis ipienimet estisit, que con nonsequi culluptia as dis consequatem qui aliqui doluptatum est, od quo blab ilias eum exeres delitem qui ipiti omnisquam harchic empere.</a:t>
@@ -2704,16 +2750,16 @@
       </p:grpSp>
       <p:grpSp>
         <p:nvGrpSpPr>
-          <p:cNvPr id="67" name="TextBox 6"/>
+          <p:cNvPr id="67" name="TextBox 2"/>
           <p:cNvGrpSpPr/>
           <p:nvPr/>
         </p:nvGrpSpPr>
         <p:grpSpPr>
           <a:xfrm>
-            <a:off x="11424036" y="5923720"/>
-            <a:ext cx="10058401" cy="10287001"/>
+            <a:off x="1391477" y="20116798"/>
+            <a:ext cx="9144001" cy="11887202"/>
             <a:chOff x="0" y="0"/>
-            <a:chExt cx="10058400" cy="10287000"/>
+            <a:chExt cx="9144000" cy="11887201"/>
           </a:xfrm>
         </p:grpSpPr>
         <p:sp>
@@ -2725,7 +2771,7 @@
           <p:spPr>
             <a:xfrm>
               <a:off x="0" y="0"/>
-              <a:ext cx="10058400" cy="10287000"/>
+              <a:ext cx="9144001" cy="11887201"/>
             </a:xfrm>
             <a:prstGeom prst="rect">
               <a:avLst/>
@@ -2740,12 +2786,19 @@
             <a:effectLst/>
           </p:spPr>
           <p:txBody>
-            <a:bodyPr wrap="square" lIns="45719" tIns="45719" rIns="45719" bIns="45719" numCol="1" anchor="t">
+            <a:bodyPr wrap="square" lIns="45718" tIns="45718" rIns="45718" bIns="45718" numCol="1" anchor="t">
               <a:noAutofit/>
             </a:bodyPr>
             <a:lstStyle/>
             <a:p>
-              <a:pPr/>
+              <a:pPr>
+                <a:defRPr>
+                  <a:latin typeface="Aptos"/>
+                  <a:ea typeface="Aptos"/>
+                  <a:cs typeface="Aptos"/>
+                  <a:sym typeface="Aptos"/>
+                </a:defRPr>
+              </a:pPr>
             </a:p>
           </p:txBody>
         </p:sp>
@@ -2757,8 +2810,8 @@
           </p:nvSpPr>
           <p:spPr>
             <a:xfrm>
-              <a:off x="45719" y="0"/>
-              <a:ext cx="9966961" cy="9146540"/>
+              <a:off x="45718" y="-1"/>
+              <a:ext cx="9052563" cy="10010139"/>
             </a:xfrm>
             <a:prstGeom prst="rect">
               <a:avLst/>
@@ -2776,13 +2829,18 @@
             </a:extLst>
           </p:spPr>
           <p:txBody>
-            <a:bodyPr wrap="square" lIns="45719" tIns="45719" rIns="45719" bIns="45719" numCol="1" anchor="t">
+            <a:bodyPr wrap="square" lIns="45718" tIns="45718" rIns="45718" bIns="45718" numCol="1" anchor="t">
               <a:spAutoFit/>
             </a:bodyPr>
             <a:lstStyle/>
             <a:p>
               <a:pPr>
-                <a:defRPr b="1" sz="4200"/>
+                <a:defRPr b="1" sz="4200">
+                  <a:latin typeface="Aptos"/>
+                  <a:ea typeface="Aptos"/>
+                  <a:cs typeface="Aptos"/>
+                  <a:sym typeface="Aptos"/>
+                </a:defRPr>
               </a:pPr>
               <a:r>
                 <a:t>Header</a:t>
@@ -2793,7 +2851,12 @@
                 <a:lnSpc>
                   <a:spcPct val="150000"/>
                 </a:lnSpc>
-                <a:defRPr b="1" sz="2800"/>
+                <a:defRPr b="1" sz="2800">
+                  <a:latin typeface="Aptos"/>
+                  <a:ea typeface="Aptos"/>
+                  <a:cs typeface="Aptos"/>
+                  <a:sym typeface="Aptos"/>
+                </a:defRPr>
               </a:pPr>
               <a:r>
                 <a:t>Subheader</a:t>
@@ -2801,7 +2864,12 @@
             </a:p>
             <a:p>
               <a:pPr>
-                <a:defRPr sz="2800"/>
+                <a:defRPr sz="2800">
+                  <a:latin typeface="Aptos"/>
+                  <a:ea typeface="Aptos"/>
+                  <a:cs typeface="Aptos"/>
+                  <a:sym typeface="Aptos"/>
+                </a:defRPr>
               </a:pPr>
               <a:r>
                 <a:t>Content goes here: Totat ullaborernam harci cus, cuscidendit lat et as eum explit apicaboria am que vendent inullup tatur? Quia voluptat ut prae. Qui blatibu saecture, ut volor as a audae es elenti quis qui tessum faccuptatet odignisim eatur, sincia nusdantent estem haruntiatint idit rem ulpa et exped que provitatatur seque pro idi nos quid quo vent.</a:t>
@@ -2809,84 +2877,48 @@
             </a:p>
             <a:p>
               <a:pPr>
-                <a:defRPr sz="2800"/>
-              </a:pPr>
-            </a:p>
-            <a:p>
-              <a:pPr>
-                <a:defRPr sz="2800"/>
-              </a:pPr>
-              <a:r>
-                <a:t>This is the suggested format for bullets</a:t>
-              </a:r>
-            </a:p>
-            <a:p>
-              <a:pPr marL="457200" indent="-457200">
-                <a:lnSpc>
-                  <a:spcPct val="150000"/>
-                </a:lnSpc>
-                <a:buSzPct val="100000"/>
-                <a:buFont typeface="Arial"/>
-                <a:buChar char="•"/>
-                <a:defRPr sz="2800"/>
-              </a:pPr>
-              <a:r>
-                <a:t>Ossus volupicabore et iminciae nitati</a:t>
-              </a:r>
-            </a:p>
-            <a:p>
-              <a:pPr marL="457200" indent="-457200">
-                <a:lnSpc>
-                  <a:spcPct val="150000"/>
-                </a:lnSpc>
-                <a:buSzPct val="100000"/>
-                <a:buFont typeface="Arial"/>
-                <a:buChar char="•"/>
-                <a:defRPr sz="2800"/>
-              </a:pPr>
-              <a:r>
-                <a:t>Omnihil et, occulpa venient ab ilibusam volectes</a:t>
-              </a:r>
-            </a:p>
-            <a:p>
-              <a:pPr marL="457200" indent="-457200">
-                <a:lnSpc>
-                  <a:spcPct val="150000"/>
-                </a:lnSpc>
-                <a:buSzPct val="100000"/>
-                <a:buFont typeface="Arial"/>
-                <a:buChar char="•"/>
-                <a:defRPr sz="2800"/>
-              </a:pPr>
-              <a:r>
-                <a:t>Tori sitius inciis net voluptatiis auditius dem venimus </a:t>
-              </a:r>
-            </a:p>
-            <a:p>
-              <a:pPr marL="457200" indent="-457200">
-                <a:lnSpc>
-                  <a:spcPct val="150000"/>
-                </a:lnSpc>
-                <a:buSzPct val="100000"/>
-                <a:buFont typeface="Arial"/>
-                <a:buChar char="•"/>
-                <a:defRPr sz="2800"/>
-              </a:pPr>
-              <a:r>
-                <a:t>Ium eatius dolupta</a:t>
-              </a:r>
-            </a:p>
-            <a:p>
-              <a:pPr>
-                <a:defRPr sz="2800"/>
-              </a:pPr>
-            </a:p>
-            <a:p>
-              <a:pPr>
-                <a:defRPr sz="2800"/>
-              </a:pPr>
-              <a:r>
-                <a:t>Ossus volupicabore et iminciae nitati diaeculpa cumquo omnihil et, occulpa venient ab ilibusam volectes vellic tori sitiusam inciis net voluptatiis auditius dem venimus.</a:t>
+                <a:defRPr sz="2800">
+                  <a:latin typeface="Aptos"/>
+                  <a:ea typeface="Aptos"/>
+                  <a:cs typeface="Aptos"/>
+                  <a:sym typeface="Aptos"/>
+                </a:defRPr>
+              </a:pPr>
+            </a:p>
+            <a:p>
+              <a:pPr>
+                <a:defRPr sz="2800">
+                  <a:latin typeface="Aptos"/>
+                  <a:ea typeface="Aptos"/>
+                  <a:cs typeface="Aptos"/>
+                  <a:sym typeface="Aptos"/>
+                </a:defRPr>
+              </a:pPr>
+              <a:r>
+                <a:t>Ossus volupicabore et iminciae nitati diaeculpa cumquo omnihil et, occulpa venient ab ilibusam volectes vellic tori sitius inciis net voluptatiis auditius dem venimus, ium eatius dolupta</a:t>
+              </a:r>
+            </a:p>
+            <a:p>
+              <a:pPr>
+                <a:defRPr sz="2800">
+                  <a:latin typeface="Aptos"/>
+                  <a:ea typeface="Aptos"/>
+                  <a:cs typeface="Aptos"/>
+                  <a:sym typeface="Aptos"/>
+                </a:defRPr>
+              </a:pPr>
+            </a:p>
+            <a:p>
+              <a:pPr>
+                <a:defRPr sz="2800">
+                  <a:latin typeface="Aptos"/>
+                  <a:ea typeface="Aptos"/>
+                  <a:cs typeface="Aptos"/>
+                  <a:sym typeface="Aptos"/>
+                </a:defRPr>
+              </a:pPr>
+              <a:r>
+                <a:t>Ossus volupicabore et iminciae nitati diaeculpa cumquo omnihil et, occulpa venient ab ilibusam volectes vellic tori sitiusam inciis net voluptatiis auditius dem venimus, ium eatius dolupta tatumquae num eos im fugitis ipienimet estisit, que con nonsequi culluptia as dis consequatem qui aliqui doluptatum est, od quo blab ilias eum exeres delitem qui ipiti omnisquam harchic empere.</a:t>
               </a:r>
             </a:p>
           </p:txBody>
@@ -2894,14 +2926,14 @@
       </p:grpSp>
       <p:grpSp>
         <p:nvGrpSpPr>
-          <p:cNvPr id="70" name="TextBox 7"/>
+          <p:cNvPr id="70" name="TextBox 6"/>
           <p:cNvGrpSpPr/>
           <p:nvPr/>
         </p:nvGrpSpPr>
         <p:grpSpPr>
           <a:xfrm>
-            <a:off x="22370995" y="5923719"/>
-            <a:ext cx="10058401" cy="10287001"/>
+            <a:off x="11424036" y="5923719"/>
+            <a:ext cx="10058401" cy="10287002"/>
             <a:chOff x="0" y="0"/>
             <a:chExt cx="10058400" cy="10287000"/>
           </a:xfrm>
@@ -2915,7 +2947,7 @@
           <p:spPr>
             <a:xfrm>
               <a:off x="0" y="0"/>
-              <a:ext cx="10058400" cy="10287000"/>
+              <a:ext cx="10058401" cy="10287001"/>
             </a:xfrm>
             <a:prstGeom prst="rect">
               <a:avLst/>
@@ -2930,12 +2962,19 @@
             <a:effectLst/>
           </p:spPr>
           <p:txBody>
-            <a:bodyPr wrap="square" lIns="45719" tIns="45719" rIns="45719" bIns="45719" numCol="1" anchor="t">
+            <a:bodyPr wrap="square" lIns="45718" tIns="45718" rIns="45718" bIns="45718" numCol="1" anchor="t">
               <a:noAutofit/>
             </a:bodyPr>
             <a:lstStyle/>
             <a:p>
-              <a:pPr/>
+              <a:pPr>
+                <a:defRPr>
+                  <a:latin typeface="Aptos"/>
+                  <a:ea typeface="Aptos"/>
+                  <a:cs typeface="Aptos"/>
+                  <a:sym typeface="Aptos"/>
+                </a:defRPr>
+              </a:pPr>
             </a:p>
           </p:txBody>
         </p:sp>
@@ -2947,8 +2986,8 @@
           </p:nvSpPr>
           <p:spPr>
             <a:xfrm>
-              <a:off x="45719" y="0"/>
-              <a:ext cx="9966961" cy="9794240"/>
+              <a:off x="45718" y="-1"/>
+              <a:ext cx="9966963" cy="9146539"/>
             </a:xfrm>
             <a:prstGeom prst="rect">
               <a:avLst/>
@@ -2966,13 +3005,18 @@
             </a:extLst>
           </p:spPr>
           <p:txBody>
-            <a:bodyPr wrap="square" lIns="45719" tIns="45719" rIns="45719" bIns="45719" numCol="1" anchor="t">
+            <a:bodyPr wrap="square" lIns="45718" tIns="45718" rIns="45718" bIns="45718" numCol="1" anchor="t">
               <a:spAutoFit/>
             </a:bodyPr>
             <a:lstStyle/>
             <a:p>
               <a:pPr>
-                <a:defRPr b="1" sz="4200"/>
+                <a:defRPr b="1" sz="4200">
+                  <a:latin typeface="Aptos"/>
+                  <a:ea typeface="Aptos"/>
+                  <a:cs typeface="Aptos"/>
+                  <a:sym typeface="Aptos"/>
+                </a:defRPr>
               </a:pPr>
               <a:r>
                 <a:t>Header</a:t>
@@ -2983,7 +3027,12 @@
                 <a:lnSpc>
                   <a:spcPct val="150000"/>
                 </a:lnSpc>
-                <a:defRPr b="1" sz="2800"/>
+                <a:defRPr b="1" sz="2800">
+                  <a:latin typeface="Aptos"/>
+                  <a:ea typeface="Aptos"/>
+                  <a:cs typeface="Aptos"/>
+                  <a:sym typeface="Aptos"/>
+                </a:defRPr>
               </a:pPr>
               <a:r>
                 <a:t>Subheader</a:t>
@@ -2991,7 +3040,12 @@
             </a:p>
             <a:p>
               <a:pPr>
-                <a:defRPr sz="2800"/>
+                <a:defRPr sz="2800">
+                  <a:latin typeface="Aptos"/>
+                  <a:ea typeface="Aptos"/>
+                  <a:cs typeface="Aptos"/>
+                  <a:sym typeface="Aptos"/>
+                </a:defRPr>
               </a:pPr>
               <a:r>
                 <a:t>Content goes here: Totat ullaborernam harci cus, cuscidendit lat et as eum explit apicaboria am que vendent inullup tatur? Quia voluptat ut prae. Qui blatibu saecture, ut volor as a audae es elenti quis qui tessum faccuptatet odignisim eatur, sincia nusdantent estem haruntiatint idit rem ulpa et exped que provitatatur seque pro idi nos quid quo vent.</a:t>
@@ -2999,77 +3053,98 @@
             </a:p>
             <a:p>
               <a:pPr>
-                <a:defRPr sz="2800"/>
-              </a:pPr>
-            </a:p>
-            <a:p>
-              <a:pPr>
-                <a:defRPr sz="2800"/>
-              </a:pPr>
-              <a:r>
-                <a:t>Suggested format for numbered list:</a:t>
-              </a:r>
-            </a:p>
-            <a:p>
-              <a:pPr marL="514350" indent="-514350">
+                <a:defRPr sz="2800">
+                  <a:latin typeface="Aptos"/>
+                  <a:ea typeface="Aptos"/>
+                  <a:cs typeface="Aptos"/>
+                  <a:sym typeface="Aptos"/>
+                </a:defRPr>
+              </a:pPr>
+            </a:p>
+            <a:p>
+              <a:pPr>
+                <a:defRPr sz="2800">
+                  <a:latin typeface="Aptos"/>
+                  <a:ea typeface="Aptos"/>
+                  <a:cs typeface="Aptos"/>
+                  <a:sym typeface="Aptos"/>
+                </a:defRPr>
+              </a:pPr>
+              <a:r>
+                <a:t>This is the suggested format for bullets</a:t>
+              </a:r>
+            </a:p>
+            <a:p>
+              <a:pPr marL="457200" indent="-457200">
                 <a:lnSpc>
                   <a:spcPct val="150000"/>
                 </a:lnSpc>
                 <a:buSzPct val="100000"/>
-                <a:buAutoNum type="arabicPeriod" startAt="1"/>
-                <a:defRPr sz="2800"/>
+                <a:buFont typeface="Arial"/>
+                <a:buChar char="•"/>
+                <a:defRPr sz="2800">
+                  <a:latin typeface="Aptos"/>
+                  <a:ea typeface="Aptos"/>
+                  <a:cs typeface="Aptos"/>
+                  <a:sym typeface="Aptos"/>
+                </a:defRPr>
               </a:pPr>
               <a:r>
                 <a:t>Ossus volupicabore et iminciae nitati</a:t>
               </a:r>
             </a:p>
             <a:p>
-              <a:pPr marL="514350" indent="-514350">
+              <a:pPr marL="457200" indent="-457200">
                 <a:lnSpc>
                   <a:spcPct val="150000"/>
                 </a:lnSpc>
                 <a:buSzPct val="100000"/>
-                <a:buAutoNum type="arabicPeriod" startAt="1"/>
-                <a:defRPr sz="2800"/>
+                <a:buFont typeface="Arial"/>
+                <a:buChar char="•"/>
+                <a:defRPr sz="2800">
+                  <a:latin typeface="Aptos"/>
+                  <a:ea typeface="Aptos"/>
+                  <a:cs typeface="Aptos"/>
+                  <a:sym typeface="Aptos"/>
+                </a:defRPr>
               </a:pPr>
               <a:r>
                 <a:t>Omnihil et, occulpa venient ab ilibusam volectes</a:t>
               </a:r>
             </a:p>
             <a:p>
-              <a:pPr marL="514350" indent="-514350">
+              <a:pPr marL="457200" indent="-457200">
                 <a:lnSpc>
                   <a:spcPct val="150000"/>
                 </a:lnSpc>
                 <a:buSzPct val="100000"/>
-                <a:buAutoNum type="arabicPeriod" startAt="1"/>
-                <a:defRPr sz="2800"/>
-              </a:pPr>
-              <a:r>
-                <a:t>Tori sitius inciis net voluptatiis </a:t>
-              </a:r>
-            </a:p>
-            <a:p>
-              <a:pPr marL="514350" indent="-514350">
+                <a:buFont typeface="Arial"/>
+                <a:buChar char="•"/>
+                <a:defRPr sz="2800">
+                  <a:latin typeface="Aptos"/>
+                  <a:ea typeface="Aptos"/>
+                  <a:cs typeface="Aptos"/>
+                  <a:sym typeface="Aptos"/>
+                </a:defRPr>
+              </a:pPr>
+              <a:r>
+                <a:t>Tori sitius inciis net voluptatiis auditius dem venimus </a:t>
+              </a:r>
+            </a:p>
+            <a:p>
+              <a:pPr marL="457200" indent="-457200">
                 <a:lnSpc>
                   <a:spcPct val="150000"/>
                 </a:lnSpc>
                 <a:buSzPct val="100000"/>
-                <a:buAutoNum type="arabicPeriod" startAt="1"/>
-                <a:defRPr sz="2800"/>
-              </a:pPr>
-              <a:r>
-                <a:t>Auditius dem venimus </a:t>
-              </a:r>
-            </a:p>
-            <a:p>
-              <a:pPr marL="514350" indent="-514350">
-                <a:lnSpc>
-                  <a:spcPct val="150000"/>
-                </a:lnSpc>
-                <a:buSzPct val="100000"/>
-                <a:buAutoNum type="arabicPeriod" startAt="1"/>
-                <a:defRPr sz="2800"/>
+                <a:buFont typeface="Arial"/>
+                <a:buChar char="•"/>
+                <a:defRPr sz="2800">
+                  <a:latin typeface="Aptos"/>
+                  <a:ea typeface="Aptos"/>
+                  <a:cs typeface="Aptos"/>
+                  <a:sym typeface="Aptos"/>
+                </a:defRPr>
               </a:pPr>
               <a:r>
                 <a:t>Ium eatius dolupta</a:t>
@@ -3077,12 +3152,22 @@
             </a:p>
             <a:p>
               <a:pPr>
-                <a:defRPr sz="2800"/>
-              </a:pPr>
-            </a:p>
-            <a:p>
-              <a:pPr>
-                <a:defRPr sz="2800"/>
+                <a:defRPr sz="2800">
+                  <a:latin typeface="Aptos"/>
+                  <a:ea typeface="Aptos"/>
+                  <a:cs typeface="Aptos"/>
+                  <a:sym typeface="Aptos"/>
+                </a:defRPr>
+              </a:pPr>
+            </a:p>
+            <a:p>
+              <a:pPr>
+                <a:defRPr sz="2800">
+                  <a:latin typeface="Aptos"/>
+                  <a:ea typeface="Aptos"/>
+                  <a:cs typeface="Aptos"/>
+                  <a:sym typeface="Aptos"/>
+                </a:defRPr>
               </a:pPr>
               <a:r>
                 <a:t>Ossus volupicabore et iminciae nitati diaeculpa cumquo omnihil et, occulpa venient ab ilibusam volectes vellic tori sitiusam inciis net voluptatiis auditius dem venimus.</a:t>
@@ -3093,16 +3178,16 @@
       </p:grpSp>
       <p:grpSp>
         <p:nvGrpSpPr>
-          <p:cNvPr id="73" name="TextBox 8"/>
+          <p:cNvPr id="73" name="TextBox 7"/>
           <p:cNvGrpSpPr/>
           <p:nvPr/>
         </p:nvGrpSpPr>
         <p:grpSpPr>
           <a:xfrm>
-            <a:off x="33355722" y="5923719"/>
-            <a:ext cx="9144001" cy="12344401"/>
+            <a:off x="22370995" y="5923719"/>
+            <a:ext cx="10058402" cy="10287001"/>
             <a:chOff x="0" y="0"/>
-            <a:chExt cx="9144000" cy="12344400"/>
+            <a:chExt cx="10058400" cy="10287000"/>
           </a:xfrm>
         </p:grpSpPr>
         <p:sp>
@@ -3114,7 +3199,7 @@
           <p:spPr>
             <a:xfrm>
               <a:off x="0" y="0"/>
-              <a:ext cx="9144000" cy="12344400"/>
+              <a:ext cx="10058401" cy="10287001"/>
             </a:xfrm>
             <a:prstGeom prst="rect">
               <a:avLst/>
@@ -3129,12 +3214,19 @@
             <a:effectLst/>
           </p:spPr>
           <p:txBody>
-            <a:bodyPr wrap="square" lIns="45719" tIns="45719" rIns="45719" bIns="45719" numCol="1" anchor="t">
+            <a:bodyPr wrap="square" lIns="45718" tIns="45718" rIns="45718" bIns="45718" numCol="1" anchor="t">
               <a:noAutofit/>
             </a:bodyPr>
             <a:lstStyle/>
             <a:p>
-              <a:pPr/>
+              <a:pPr>
+                <a:defRPr>
+                  <a:latin typeface="Aptos"/>
+                  <a:ea typeface="Aptos"/>
+                  <a:cs typeface="Aptos"/>
+                  <a:sym typeface="Aptos"/>
+                </a:defRPr>
+              </a:pPr>
             </a:p>
           </p:txBody>
         </p:sp>
@@ -3146,8 +3238,8 @@
           </p:nvSpPr>
           <p:spPr>
             <a:xfrm>
-              <a:off x="45719" y="0"/>
-              <a:ext cx="9052561" cy="10657840"/>
+              <a:off x="45718" y="-1"/>
+              <a:ext cx="9966963" cy="9794239"/>
             </a:xfrm>
             <a:prstGeom prst="rect">
               <a:avLst/>
@@ -3165,13 +3257,18 @@
             </a:extLst>
           </p:spPr>
           <p:txBody>
-            <a:bodyPr wrap="square" lIns="45719" tIns="45719" rIns="45719" bIns="45719" numCol="1" anchor="t">
+            <a:bodyPr wrap="square" lIns="45718" tIns="45718" rIns="45718" bIns="45718" numCol="1" anchor="t">
               <a:spAutoFit/>
             </a:bodyPr>
             <a:lstStyle/>
             <a:p>
               <a:pPr>
-                <a:defRPr b="1" sz="4200"/>
+                <a:defRPr b="1" sz="4200">
+                  <a:latin typeface="Aptos"/>
+                  <a:ea typeface="Aptos"/>
+                  <a:cs typeface="Aptos"/>
+                  <a:sym typeface="Aptos"/>
+                </a:defRPr>
               </a:pPr>
               <a:r>
                 <a:t>Header</a:t>
@@ -3182,7 +3279,12 @@
                 <a:lnSpc>
                   <a:spcPct val="150000"/>
                 </a:lnSpc>
-                <a:defRPr b="1" sz="2800"/>
+                <a:defRPr b="1" sz="2800">
+                  <a:latin typeface="Aptos"/>
+                  <a:ea typeface="Aptos"/>
+                  <a:cs typeface="Aptos"/>
+                  <a:sym typeface="Aptos"/>
+                </a:defRPr>
               </a:pPr>
               <a:r>
                 <a:t>Subheader</a:t>
@@ -3190,7 +3292,12 @@
             </a:p>
             <a:p>
               <a:pPr>
-                <a:defRPr sz="2800"/>
+                <a:defRPr sz="2800">
+                  <a:latin typeface="Aptos"/>
+                  <a:ea typeface="Aptos"/>
+                  <a:cs typeface="Aptos"/>
+                  <a:sym typeface="Aptos"/>
+                </a:defRPr>
               </a:pPr>
               <a:r>
                 <a:t>Content goes here: Totat ullaborernam harci cus, cuscidendit lat et as eum explit apicaboria am que vendent inullup tatur? Quia voluptat ut prae. Qui blatibu saecture, ut volor as a audae es elenti quis qui tessum faccuptatet odignisim eatur, sincia nusdantent estem haruntiatint idit rem ulpa et exped que provitatatur seque pro idi nos quid quo vent.</a:t>
@@ -3198,39 +3305,138 @@
             </a:p>
             <a:p>
               <a:pPr>
-                <a:defRPr sz="2800"/>
-              </a:pPr>
-            </a:p>
-            <a:p>
-              <a:pPr>
-                <a:defRPr sz="2800"/>
-              </a:pPr>
-              <a:r>
-                <a:t>Ossus volupicabore et iminciae nitati diaeculpa cumquo omnihil et, occulpa venient ab ilibusam volectes vellic tori sitius inciis net voluptatiis auditius dem venimus, ium eatius dolupta</a:t>
-              </a:r>
-            </a:p>
-            <a:p>
-              <a:pPr>
-                <a:defRPr sz="2800"/>
-              </a:pPr>
-            </a:p>
-            <a:p>
-              <a:pPr>
+                <a:defRPr sz="2800">
+                  <a:latin typeface="Aptos"/>
+                  <a:ea typeface="Aptos"/>
+                  <a:cs typeface="Aptos"/>
+                  <a:sym typeface="Aptos"/>
+                </a:defRPr>
+              </a:pPr>
+            </a:p>
+            <a:p>
+              <a:pPr>
+                <a:defRPr sz="2800">
+                  <a:latin typeface="Aptos"/>
+                  <a:ea typeface="Aptos"/>
+                  <a:cs typeface="Aptos"/>
+                  <a:sym typeface="Aptos"/>
+                </a:defRPr>
+              </a:pPr>
+              <a:r>
+                <a:t>Suggested format for numbered list:</a:t>
+              </a:r>
+            </a:p>
+            <a:p>
+              <a:pPr marL="514350" indent="-514350">
                 <a:lnSpc>
                   <a:spcPct val="150000"/>
                 </a:lnSpc>
-                <a:defRPr b="1" sz="2800"/>
-              </a:pPr>
-              <a:r>
-                <a:t>Subheader</a:t>
-              </a:r>
-            </a:p>
-            <a:p>
-              <a:pPr>
-                <a:defRPr sz="2800"/>
-              </a:pPr>
-              <a:r>
-                <a:t>Ossus volupicabore et iminciae nitati diaeculpa cumquo omnihil et, occulpa venient ab ilibusam volectes vellic tori sitiusam inciis net voluptatiis auditius dem venimus, ium eatius dolupta tatumquae num eos im fugitis ipienimet estisit, que con nonsequi culluptia as dis consequatem qui aliqui doluptatum est, od quo blab ilias eum exeres delitem qui ipiti omnisquam harchic empere.</a:t>
+                <a:buSzPct val="100000"/>
+                <a:buAutoNum type="arabicPeriod" startAt="1"/>
+                <a:defRPr sz="2800">
+                  <a:latin typeface="Aptos"/>
+                  <a:ea typeface="Aptos"/>
+                  <a:cs typeface="Aptos"/>
+                  <a:sym typeface="Aptos"/>
+                </a:defRPr>
+              </a:pPr>
+              <a:r>
+                <a:t>Ossus volupicabore et iminciae nitati</a:t>
+              </a:r>
+            </a:p>
+            <a:p>
+              <a:pPr marL="514350" indent="-514350">
+                <a:lnSpc>
+                  <a:spcPct val="150000"/>
+                </a:lnSpc>
+                <a:buSzPct val="100000"/>
+                <a:buAutoNum type="arabicPeriod" startAt="1"/>
+                <a:defRPr sz="2800">
+                  <a:latin typeface="Aptos"/>
+                  <a:ea typeface="Aptos"/>
+                  <a:cs typeface="Aptos"/>
+                  <a:sym typeface="Aptos"/>
+                </a:defRPr>
+              </a:pPr>
+              <a:r>
+                <a:t>Omnihil et, occulpa venient ab ilibusam volectes</a:t>
+              </a:r>
+            </a:p>
+            <a:p>
+              <a:pPr marL="514350" indent="-514350">
+                <a:lnSpc>
+                  <a:spcPct val="150000"/>
+                </a:lnSpc>
+                <a:buSzPct val="100000"/>
+                <a:buAutoNum type="arabicPeriod" startAt="1"/>
+                <a:defRPr sz="2800">
+                  <a:latin typeface="Aptos"/>
+                  <a:ea typeface="Aptos"/>
+                  <a:cs typeface="Aptos"/>
+                  <a:sym typeface="Aptos"/>
+                </a:defRPr>
+              </a:pPr>
+              <a:r>
+                <a:t>Tori sitius inciis net voluptatiis </a:t>
+              </a:r>
+            </a:p>
+            <a:p>
+              <a:pPr marL="514350" indent="-514350">
+                <a:lnSpc>
+                  <a:spcPct val="150000"/>
+                </a:lnSpc>
+                <a:buSzPct val="100000"/>
+                <a:buAutoNum type="arabicPeriod" startAt="1"/>
+                <a:defRPr sz="2800">
+                  <a:latin typeface="Aptos"/>
+                  <a:ea typeface="Aptos"/>
+                  <a:cs typeface="Aptos"/>
+                  <a:sym typeface="Aptos"/>
+                </a:defRPr>
+              </a:pPr>
+              <a:r>
+                <a:t>Auditius dem venimus </a:t>
+              </a:r>
+            </a:p>
+            <a:p>
+              <a:pPr marL="514350" indent="-514350">
+                <a:lnSpc>
+                  <a:spcPct val="150000"/>
+                </a:lnSpc>
+                <a:buSzPct val="100000"/>
+                <a:buAutoNum type="arabicPeriod" startAt="1"/>
+                <a:defRPr sz="2800">
+                  <a:latin typeface="Aptos"/>
+                  <a:ea typeface="Aptos"/>
+                  <a:cs typeface="Aptos"/>
+                  <a:sym typeface="Aptos"/>
+                </a:defRPr>
+              </a:pPr>
+              <a:r>
+                <a:t>Ium eatius dolupta</a:t>
+              </a:r>
+            </a:p>
+            <a:p>
+              <a:pPr>
+                <a:defRPr sz="2800">
+                  <a:latin typeface="Aptos"/>
+                  <a:ea typeface="Aptos"/>
+                  <a:cs typeface="Aptos"/>
+                  <a:sym typeface="Aptos"/>
+                </a:defRPr>
+              </a:pPr>
+            </a:p>
+            <a:p>
+              <a:pPr>
+                <a:defRPr sz="2800">
+                  <a:latin typeface="Aptos"/>
+                  <a:ea typeface="Aptos"/>
+                  <a:cs typeface="Aptos"/>
+                  <a:sym typeface="Aptos"/>
+                </a:defRPr>
+              </a:pPr>
+              <a:r>
+                <a:t>Ossus volupicabore et iminciae nitati diaeculpa cumquo omnihil et, occulpa venient ab ilibusam volectes vellic tori sitiusam inciis net voluptatiis auditius dem venimus.</a:t>
               </a:r>
             </a:p>
           </p:txBody>
@@ -3238,16 +3444,16 @@
       </p:grpSp>
       <p:grpSp>
         <p:nvGrpSpPr>
-          <p:cNvPr id="76" name="TextBox 9"/>
+          <p:cNvPr id="76" name="TextBox 8"/>
           <p:cNvGrpSpPr/>
           <p:nvPr/>
         </p:nvGrpSpPr>
         <p:grpSpPr>
           <a:xfrm>
-            <a:off x="33355722" y="18812405"/>
-            <a:ext cx="9144001" cy="4114801"/>
+            <a:off x="33355722" y="5923719"/>
+            <a:ext cx="9144002" cy="12344401"/>
             <a:chOff x="0" y="0"/>
-            <a:chExt cx="9144000" cy="4114800"/>
+            <a:chExt cx="9144000" cy="12344401"/>
           </a:xfrm>
         </p:grpSpPr>
         <p:sp>
@@ -3259,7 +3465,7 @@
           <p:spPr>
             <a:xfrm>
               <a:off x="0" y="0"/>
-              <a:ext cx="9144000" cy="4114800"/>
+              <a:ext cx="9144001" cy="12344401"/>
             </a:xfrm>
             <a:prstGeom prst="rect">
               <a:avLst/>
@@ -3274,12 +3480,19 @@
             <a:effectLst/>
           </p:spPr>
           <p:txBody>
-            <a:bodyPr wrap="square" lIns="45719" tIns="45719" rIns="45719" bIns="45719" numCol="1" anchor="t">
+            <a:bodyPr wrap="square" lIns="45718" tIns="45718" rIns="45718" bIns="45718" numCol="1" anchor="t">
               <a:noAutofit/>
             </a:bodyPr>
             <a:lstStyle/>
             <a:p>
-              <a:pPr/>
+              <a:pPr>
+                <a:defRPr>
+                  <a:latin typeface="Aptos"/>
+                  <a:ea typeface="Aptos"/>
+                  <a:cs typeface="Aptos"/>
+                  <a:sym typeface="Aptos"/>
+                </a:defRPr>
+              </a:pPr>
             </a:p>
           </p:txBody>
         </p:sp>
@@ -3291,8 +3504,8 @@
           </p:nvSpPr>
           <p:spPr>
             <a:xfrm>
-              <a:off x="45719" y="0"/>
-              <a:ext cx="9052561" cy="3749040"/>
+              <a:off x="45718" y="-1"/>
+              <a:ext cx="9052563" cy="10657839"/>
             </a:xfrm>
             <a:prstGeom prst="rect">
               <a:avLst/>
@@ -3310,13 +3523,18 @@
             </a:extLst>
           </p:spPr>
           <p:txBody>
-            <a:bodyPr wrap="square" lIns="45719" tIns="45719" rIns="45719" bIns="45719" numCol="1" anchor="t">
+            <a:bodyPr wrap="square" lIns="45718" tIns="45718" rIns="45718" bIns="45718" numCol="1" anchor="t">
               <a:spAutoFit/>
             </a:bodyPr>
             <a:lstStyle/>
             <a:p>
               <a:pPr>
-                <a:defRPr b="1" sz="4200"/>
+                <a:defRPr b="1" sz="4200">
+                  <a:latin typeface="Aptos"/>
+                  <a:ea typeface="Aptos"/>
+                  <a:cs typeface="Aptos"/>
+                  <a:sym typeface="Aptos"/>
+                </a:defRPr>
               </a:pPr>
               <a:r>
                 <a:t>Header</a:t>
@@ -3324,10 +3542,93 @@
             </a:p>
             <a:p>
               <a:pPr>
-                <a:defRPr sz="2800"/>
+                <a:lnSpc>
+                  <a:spcPct val="150000"/>
+                </a:lnSpc>
+                <a:defRPr b="1" sz="2800">
+                  <a:latin typeface="Aptos"/>
+                  <a:ea typeface="Aptos"/>
+                  <a:cs typeface="Aptos"/>
+                  <a:sym typeface="Aptos"/>
+                </a:defRPr>
+              </a:pPr>
+              <a:r>
+                <a:t>Subheader</a:t>
+              </a:r>
+            </a:p>
+            <a:p>
+              <a:pPr>
+                <a:defRPr sz="2800">
+                  <a:latin typeface="Aptos"/>
+                  <a:ea typeface="Aptos"/>
+                  <a:cs typeface="Aptos"/>
+                  <a:sym typeface="Aptos"/>
+                </a:defRPr>
               </a:pPr>
               <a:r>
                 <a:t>Content goes here: Totat ullaborernam harci cus, cuscidendit lat et as eum explit apicaboria am que vendent inullup tatur? Quia voluptat ut prae. Qui blatibu saecture, ut volor as a audae es elenti quis qui tessum faccuptatet odignisim eatur, sincia nusdantent estem haruntiatint idit rem ulpa et exped que provitatatur seque pro idi nos quid quo vent.</a:t>
+              </a:r>
+            </a:p>
+            <a:p>
+              <a:pPr>
+                <a:defRPr sz="2800">
+                  <a:latin typeface="Aptos"/>
+                  <a:ea typeface="Aptos"/>
+                  <a:cs typeface="Aptos"/>
+                  <a:sym typeface="Aptos"/>
+                </a:defRPr>
+              </a:pPr>
+            </a:p>
+            <a:p>
+              <a:pPr>
+                <a:defRPr sz="2800">
+                  <a:latin typeface="Aptos"/>
+                  <a:ea typeface="Aptos"/>
+                  <a:cs typeface="Aptos"/>
+                  <a:sym typeface="Aptos"/>
+                </a:defRPr>
+              </a:pPr>
+              <a:r>
+                <a:t>Ossus volupicabore et iminciae nitati diaeculpa cumquo omnihil et, occulpa venient ab ilibusam volectes vellic tori sitius inciis net voluptatiis auditius dem venimus, ium eatius dolupta</a:t>
+              </a:r>
+            </a:p>
+            <a:p>
+              <a:pPr>
+                <a:defRPr sz="2800">
+                  <a:latin typeface="Aptos"/>
+                  <a:ea typeface="Aptos"/>
+                  <a:cs typeface="Aptos"/>
+                  <a:sym typeface="Aptos"/>
+                </a:defRPr>
+              </a:pPr>
+            </a:p>
+            <a:p>
+              <a:pPr>
+                <a:lnSpc>
+                  <a:spcPct val="150000"/>
+                </a:lnSpc>
+                <a:defRPr b="1" sz="2800">
+                  <a:latin typeface="Aptos"/>
+                  <a:ea typeface="Aptos"/>
+                  <a:cs typeface="Aptos"/>
+                  <a:sym typeface="Aptos"/>
+                </a:defRPr>
+              </a:pPr>
+              <a:r>
+                <a:t>Subheader</a:t>
+              </a:r>
+            </a:p>
+            <a:p>
+              <a:pPr>
+                <a:defRPr sz="2800">
+                  <a:latin typeface="Aptos"/>
+                  <a:ea typeface="Aptos"/>
+                  <a:cs typeface="Aptos"/>
+                  <a:sym typeface="Aptos"/>
+                </a:defRPr>
+              </a:pPr>
+              <a:r>
+                <a:t>Ossus volupicabore et iminciae nitati diaeculpa cumquo omnihil et, occulpa venient ab ilibusam volectes vellic tori sitiusam inciis net voluptatiis auditius dem venimus, ium eatius dolupta tatumquae num eos im fugitis ipienimet estisit, que con nonsequi culluptia as dis consequatem qui aliqui doluptatum est, od quo blab ilias eum exeres delitem qui ipiti omnisquam harchic empere.</a:t>
               </a:r>
             </a:p>
           </p:txBody>
@@ -3335,16 +3636,16 @@
       </p:grpSp>
       <p:grpSp>
         <p:nvGrpSpPr>
-          <p:cNvPr id="79" name="TextBox 10"/>
+          <p:cNvPr id="79" name="TextBox 9"/>
           <p:cNvGrpSpPr/>
           <p:nvPr/>
         </p:nvGrpSpPr>
         <p:grpSpPr>
           <a:xfrm>
-            <a:off x="33355722" y="23471489"/>
-            <a:ext cx="9144001" cy="4114801"/>
+            <a:off x="33355722" y="18812405"/>
+            <a:ext cx="9144002" cy="4114802"/>
             <a:chOff x="0" y="0"/>
-            <a:chExt cx="9144000" cy="4114800"/>
+            <a:chExt cx="9144000" cy="4114801"/>
           </a:xfrm>
         </p:grpSpPr>
         <p:sp>
@@ -3355,8 +3656,8 @@
           </p:nvSpPr>
           <p:spPr>
             <a:xfrm>
-              <a:off x="0" y="0"/>
-              <a:ext cx="9144000" cy="4114800"/>
+              <a:off x="0" y="-1"/>
+              <a:ext cx="9144001" cy="4114803"/>
             </a:xfrm>
             <a:prstGeom prst="rect">
               <a:avLst/>
@@ -3371,12 +3672,19 @@
             <a:effectLst/>
           </p:spPr>
           <p:txBody>
-            <a:bodyPr wrap="square" lIns="45719" tIns="45719" rIns="45719" bIns="45719" numCol="1" anchor="t">
+            <a:bodyPr wrap="square" lIns="45718" tIns="45718" rIns="45718" bIns="45718" numCol="1" anchor="t">
               <a:noAutofit/>
             </a:bodyPr>
             <a:lstStyle/>
             <a:p>
-              <a:pPr/>
+              <a:pPr>
+                <a:defRPr>
+                  <a:latin typeface="Aptos"/>
+                  <a:ea typeface="Aptos"/>
+                  <a:cs typeface="Aptos"/>
+                  <a:sym typeface="Aptos"/>
+                </a:defRPr>
+              </a:pPr>
             </a:p>
           </p:txBody>
         </p:sp>
@@ -3388,8 +3696,8 @@
           </p:nvSpPr>
           <p:spPr>
             <a:xfrm>
-              <a:off x="45719" y="0"/>
-              <a:ext cx="9052561" cy="2453640"/>
+              <a:off x="45718" y="0"/>
+              <a:ext cx="9052563" cy="3749039"/>
             </a:xfrm>
             <a:prstGeom prst="rect">
               <a:avLst/>
@@ -3407,13 +3715,18 @@
             </a:extLst>
           </p:spPr>
           <p:txBody>
-            <a:bodyPr wrap="square" lIns="45719" tIns="45719" rIns="45719" bIns="45719" numCol="1" anchor="t">
+            <a:bodyPr wrap="square" lIns="45718" tIns="45718" rIns="45718" bIns="45718" numCol="1" anchor="t">
               <a:spAutoFit/>
             </a:bodyPr>
             <a:lstStyle/>
             <a:p>
               <a:pPr>
-                <a:defRPr b="1" sz="4200"/>
+                <a:defRPr b="1" sz="4200">
+                  <a:latin typeface="Aptos"/>
+                  <a:ea typeface="Aptos"/>
+                  <a:cs typeface="Aptos"/>
+                  <a:sym typeface="Aptos"/>
+                </a:defRPr>
               </a:pPr>
               <a:r>
                 <a:t>Header</a:t>
@@ -3421,7 +3734,126 @@
             </a:p>
             <a:p>
               <a:pPr>
-                <a:defRPr sz="2800"/>
+                <a:defRPr sz="2800">
+                  <a:latin typeface="Aptos"/>
+                  <a:ea typeface="Aptos"/>
+                  <a:cs typeface="Aptos"/>
+                  <a:sym typeface="Aptos"/>
+                </a:defRPr>
+              </a:pPr>
+              <a:r>
+                <a:t>Content goes here: Totat ullaborernam harci cus, cuscidendit lat et as eum explit apicaboria am que vendent inullup tatur? Quia voluptat ut prae. Qui blatibu saecture, ut volor as a audae es elenti quis qui tessum faccuptatet odignisim eatur, sincia nusdantent estem haruntiatint idit rem ulpa et exped que provitatatur seque pro idi nos quid quo vent.</a:t>
+              </a:r>
+            </a:p>
+          </p:txBody>
+        </p:sp>
+      </p:grpSp>
+      <p:grpSp>
+        <p:nvGrpSpPr>
+          <p:cNvPr id="82" name="TextBox 10"/>
+          <p:cNvGrpSpPr/>
+          <p:nvPr/>
+        </p:nvGrpSpPr>
+        <p:grpSpPr>
+          <a:xfrm>
+            <a:off x="33355722" y="23471488"/>
+            <a:ext cx="9144002" cy="4114802"/>
+            <a:chOff x="0" y="0"/>
+            <a:chExt cx="9144000" cy="4114801"/>
+          </a:xfrm>
+        </p:grpSpPr>
+        <p:sp>
+          <p:nvSpPr>
+            <p:cNvPr id="80" name="Rectangle"/>
+            <p:cNvSpPr/>
+            <p:nvPr/>
+          </p:nvSpPr>
+          <p:spPr>
+            <a:xfrm>
+              <a:off x="0" y="-1"/>
+              <a:ext cx="9144001" cy="4114803"/>
+            </a:xfrm>
+            <a:prstGeom prst="rect">
+              <a:avLst/>
+            </a:prstGeom>
+            <a:solidFill>
+              <a:srgbClr val="FFFFFF"/>
+            </a:solidFill>
+            <a:ln w="12700" cap="flat">
+              <a:noFill/>
+              <a:miter lim="400000"/>
+            </a:ln>
+            <a:effectLst/>
+          </p:spPr>
+          <p:txBody>
+            <a:bodyPr wrap="square" lIns="45718" tIns="45718" rIns="45718" bIns="45718" numCol="1" anchor="t">
+              <a:noAutofit/>
+            </a:bodyPr>
+            <a:lstStyle/>
+            <a:p>
+              <a:pPr>
+                <a:defRPr>
+                  <a:latin typeface="Aptos"/>
+                  <a:ea typeface="Aptos"/>
+                  <a:cs typeface="Aptos"/>
+                  <a:sym typeface="Aptos"/>
+                </a:defRPr>
+              </a:pPr>
+            </a:p>
+          </p:txBody>
+        </p:sp>
+        <p:sp>
+          <p:nvSpPr>
+            <p:cNvPr id="81" name="Header…"/>
+            <p:cNvSpPr txBox="1"/>
+            <p:nvPr/>
+          </p:nvSpPr>
+          <p:spPr>
+            <a:xfrm>
+              <a:off x="45718" y="-1"/>
+              <a:ext cx="9052563" cy="2453639"/>
+            </a:xfrm>
+            <a:prstGeom prst="rect">
+              <a:avLst/>
+            </a:prstGeom>
+            <a:noFill/>
+            <a:ln w="12700" cap="flat">
+              <a:noFill/>
+              <a:miter lim="400000"/>
+            </a:ln>
+            <a:effectLst/>
+            <a:extLst>
+              <a:ext uri="{C572A759-6A51-4108-AA02-DFA0A04FC94B}">
+                <ma14:wrappingTextBoxFlag xmlns:ma14="http://schemas.microsoft.com/office/mac/drawingml/2011/main" val="1"/>
+              </a:ext>
+            </a:extLst>
+          </p:spPr>
+          <p:txBody>
+            <a:bodyPr wrap="square" lIns="45718" tIns="45718" rIns="45718" bIns="45718" numCol="1" anchor="t">
+              <a:spAutoFit/>
+            </a:bodyPr>
+            <a:lstStyle/>
+            <a:p>
+              <a:pPr>
+                <a:defRPr b="1" sz="4200">
+                  <a:latin typeface="Aptos"/>
+                  <a:ea typeface="Aptos"/>
+                  <a:cs typeface="Aptos"/>
+                  <a:sym typeface="Aptos"/>
+                </a:defRPr>
+              </a:pPr>
+              <a:r>
+                <a:t>Header</a:t>
+              </a:r>
+            </a:p>
+            <a:p>
+              <a:pPr>
+                <a:defRPr sz="2800">
+                  <a:latin typeface="Aptos"/>
+                  <a:ea typeface="Aptos"/>
+                  <a:cs typeface="Aptos"/>
+                  <a:sym typeface="Aptos"/>
+                </a:defRPr>
               </a:pPr>
               <a:r>
                 <a:t>Content goes here: Totat ullaborernam harci cus, cuscidendit lat et as eum explit apicaboria am que vendent inullup tatur? Quia voluptat ut prae. Qui blatibu saecture, ut volor as a audae es elenti quis. </a:t>
@@ -3458,16 +3890,16 @@
       </p:grpSpPr>
       <p:sp>
         <p:nvSpPr>
-          <p:cNvPr id="81" name="Text Placeholder 53"/>
-          <p:cNvSpPr/>
+          <p:cNvPr id="84" name="Text Placeholder 53"/>
+          <p:cNvSpPr txBox="1"/>
           <p:nvPr>
-            <p:ph type="body" idx="21"/>
+            <p:ph type="body" sz="quarter" idx="1"/>
           </p:nvPr>
         </p:nvSpPr>
         <p:spPr>
           <a:xfrm>
-            <a:off x="24516607" y="27466018"/>
-            <a:ext cx="3254829" cy="4114801"/>
+            <a:off x="747700" y="30276675"/>
+            <a:ext cx="9328145" cy="2328514"/>
           </a:xfrm>
           <a:prstGeom prst="rect">
             <a:avLst/>
@@ -3483,7 +3915,7 @@
       </p:sp>
       <p:sp>
         <p:nvSpPr>
-          <p:cNvPr id="82" name="Text Placeholder 34"/>
+          <p:cNvPr id="85" name="Text Placeholder 34"/>
           <p:cNvSpPr/>
           <p:nvPr>
             <p:ph type="body" idx="22"/>
@@ -3491,8 +3923,8 @@
         </p:nvSpPr>
         <p:spPr>
           <a:xfrm>
-            <a:off x="18470092" y="17101083"/>
-            <a:ext cx="3254829" cy="4114801"/>
+            <a:off x="19146236" y="28150818"/>
+            <a:ext cx="3254829" cy="4114802"/>
           </a:xfrm>
           <a:prstGeom prst="rect">
             <a:avLst/>
@@ -3508,7 +3940,7 @@
       </p:sp>
       <p:sp>
         <p:nvSpPr>
-          <p:cNvPr id="83" name="Text Placeholder 33"/>
+          <p:cNvPr id="86" name="Text Placeholder 33"/>
           <p:cNvSpPr/>
           <p:nvPr>
             <p:ph type="body" idx="23"/>
@@ -3516,8 +3948,8 @@
         </p:nvSpPr>
         <p:spPr>
           <a:xfrm>
-            <a:off x="23255572" y="24676203"/>
-            <a:ext cx="10058401" cy="1812245"/>
+            <a:off x="24134741" y="17215215"/>
+            <a:ext cx="9144002" cy="1812246"/>
           </a:xfrm>
           <a:prstGeom prst="rect">
             <a:avLst/>
@@ -3533,7 +3965,7 @@
       </p:sp>
       <p:sp>
         <p:nvSpPr>
-          <p:cNvPr id="84" name="Text Placeholder 32"/>
+          <p:cNvPr id="87" name="Text Placeholder 32"/>
           <p:cNvSpPr/>
           <p:nvPr>
             <p:ph type="body" idx="24"/>
@@ -3541,8 +3973,8 @@
         </p:nvSpPr>
         <p:spPr>
           <a:xfrm>
-            <a:off x="10611712" y="27792912"/>
-            <a:ext cx="3254829" cy="4114801"/>
+            <a:off x="30030317" y="28538510"/>
+            <a:ext cx="3254829" cy="4114802"/>
           </a:xfrm>
           <a:prstGeom prst="rect">
             <a:avLst/>
@@ -3566,7 +3998,7 @@
       </p:sp>
       <p:sp>
         <p:nvSpPr>
-          <p:cNvPr id="85" name="Text Placeholder 31"/>
+          <p:cNvPr id="88" name="Text Placeholder 31"/>
           <p:cNvSpPr/>
           <p:nvPr>
             <p:ph type="body" idx="25"/>
@@ -3574,8 +4006,8 @@
         </p:nvSpPr>
         <p:spPr>
           <a:xfrm>
-            <a:off x="18470092" y="22821726"/>
-            <a:ext cx="3254829" cy="4114801"/>
+            <a:off x="10126079" y="24208312"/>
+            <a:ext cx="8996711" cy="2527060"/>
           </a:xfrm>
           <a:prstGeom prst="rect">
             <a:avLst/>
@@ -3591,7 +4023,7 @@
       </p:sp>
       <p:sp>
         <p:nvSpPr>
-          <p:cNvPr id="86" name="Text Placeholder 30"/>
+          <p:cNvPr id="89" name="Text Placeholder 30"/>
           <p:cNvSpPr/>
           <p:nvPr>
             <p:ph type="body" idx="26"/>
@@ -3620,7 +4052,7 @@
       </p:sp>
       <p:sp>
         <p:nvSpPr>
-          <p:cNvPr id="87" name="Text Placeholder 29"/>
+          <p:cNvPr id="90" name="Text Placeholder 29"/>
           <p:cNvSpPr/>
           <p:nvPr>
             <p:ph type="body" idx="27"/>
@@ -3649,7 +4081,7 @@
       </p:sp>
       <p:sp>
         <p:nvSpPr>
-          <p:cNvPr id="88" name="Title 1"/>
+          <p:cNvPr id="91" name="Title 1"/>
           <p:cNvSpPr txBox="1"/>
           <p:nvPr>
             <p:ph type="title"/>
@@ -3658,7 +4090,7 @@
         <p:spPr>
           <a:xfrm>
             <a:off x="914400" y="914400"/>
-            <a:ext cx="42062400" cy="1741711"/>
+            <a:ext cx="42062400" cy="1741710"/>
           </a:xfrm>
           <a:prstGeom prst="rect">
             <a:avLst/>
@@ -3668,7 +4100,7 @@
           <a:bodyPr/>
           <a:lstStyle>
             <a:lvl1pPr defTabSz="4169664">
-              <a:defRPr sz="9880"/>
+              <a:defRPr sz="9800"/>
             </a:lvl1pPr>
           </a:lstStyle>
           <a:p>
@@ -3681,28 +4113,28 @@
       </p:sp>
       <p:grpSp>
         <p:nvGrpSpPr>
-          <p:cNvPr id="91" name="TextBox 4"/>
+          <p:cNvPr id="94" name="TextBox 4"/>
           <p:cNvGrpSpPr/>
           <p:nvPr/>
         </p:nvGrpSpPr>
         <p:grpSpPr>
           <a:xfrm>
-            <a:off x="1391477" y="5923720"/>
-            <a:ext cx="9144001" cy="10472634"/>
+            <a:off x="839771" y="5650319"/>
+            <a:ext cx="9144003" cy="10472636"/>
             <a:chOff x="0" y="0"/>
-            <a:chExt cx="9144000" cy="10472632"/>
+            <a:chExt cx="9144002" cy="10472635"/>
           </a:xfrm>
         </p:grpSpPr>
         <p:sp>
           <p:nvSpPr>
-            <p:cNvPr id="89" name="Rectangle"/>
+            <p:cNvPr id="92" name="Rectangle"/>
             <p:cNvSpPr/>
             <p:nvPr/>
           </p:nvSpPr>
           <p:spPr>
             <a:xfrm>
-              <a:off x="0" y="0"/>
-              <a:ext cx="9144001" cy="10472633"/>
+              <a:off x="-1" y="-1"/>
+              <a:ext cx="9144003" cy="10472636"/>
             </a:xfrm>
             <a:prstGeom prst="rect">
               <a:avLst/>
@@ -3717,25 +4149,186 @@
             <a:effectLst/>
           </p:spPr>
           <p:txBody>
-            <a:bodyPr wrap="square" lIns="45719" tIns="45719" rIns="45719" bIns="45719" numCol="1" anchor="t">
+            <a:bodyPr wrap="square" lIns="45718" tIns="45718" rIns="45718" bIns="45718" numCol="1" anchor="t">
               <a:noAutofit/>
             </a:bodyPr>
             <a:lstStyle/>
             <a:p>
-              <a:pPr/>
+              <a:pPr>
+                <a:defRPr>
+                  <a:latin typeface="Aptos"/>
+                  <a:ea typeface="Aptos"/>
+                  <a:cs typeface="Aptos"/>
+                  <a:sym typeface="Aptos"/>
+                </a:defRPr>
+              </a:pPr>
             </a:p>
           </p:txBody>
         </p:sp>
         <p:sp>
           <p:nvSpPr>
-            <p:cNvPr id="90" name="Problem Statement…"/>
+            <p:cNvPr id="93" name="Problem Statement…"/>
+            <p:cNvSpPr txBox="1"/>
+            <p:nvPr/>
+          </p:nvSpPr>
+          <p:spPr>
+            <a:xfrm>
+              <a:off x="45718" y="-1"/>
+              <a:ext cx="9052563" cy="10010139"/>
+            </a:xfrm>
+            <a:prstGeom prst="rect">
+              <a:avLst/>
+            </a:prstGeom>
+            <a:noFill/>
+            <a:ln w="12700" cap="flat">
+              <a:noFill/>
+              <a:miter lim="400000"/>
+            </a:ln>
+            <a:effectLst/>
+            <a:extLst>
+              <a:ext uri="{C572A759-6A51-4108-AA02-DFA0A04FC94B}">
+                <ma14:wrappingTextBoxFlag xmlns:ma14="http://schemas.microsoft.com/office/mac/drawingml/2011/main" val="1"/>
+              </a:ext>
+            </a:extLst>
+          </p:spPr>
+          <p:txBody>
+            <a:bodyPr wrap="square" lIns="45718" tIns="45718" rIns="45718" bIns="45718" numCol="1" anchor="t">
+              <a:spAutoFit/>
+            </a:bodyPr>
+            <a:lstStyle/>
+            <a:p>
+              <a:pPr>
+                <a:defRPr b="1" sz="4200">
+                  <a:latin typeface="Aptos"/>
+                  <a:ea typeface="Aptos"/>
+                  <a:cs typeface="Aptos"/>
+                  <a:sym typeface="Aptos"/>
+                </a:defRPr>
+              </a:pPr>
+              <a:r>
+                <a:t>Problem Statement</a:t>
+              </a:r>
+            </a:p>
+            <a:p>
+              <a:pPr>
+                <a:defRPr sz="2800">
+                  <a:latin typeface="Aptos"/>
+                  <a:ea typeface="Aptos"/>
+                  <a:cs typeface="Aptos"/>
+                  <a:sym typeface="Aptos"/>
+                </a:defRPr>
+              </a:pPr>
+            </a:p>
+            <a:p>
+              <a:pPr>
+                <a:defRPr sz="2800">
+                  <a:latin typeface="Aptos"/>
+                  <a:ea typeface="Aptos"/>
+                  <a:cs typeface="Aptos"/>
+                  <a:sym typeface="Aptos"/>
+                </a:defRPr>
+              </a:pPr>
+              <a:r>
+                <a:t>As Texas State University pursues Research 1 (R1) classification and works to elevate its academic prestige, attracting high-performing students becomes increasingly critical to institutional advancement. TXST faces intensifying competition from established peer institutions such as UT Austin, Texas A&amp;M, and Texas Tech for top-tier students across Texas. This project analyzes the spatial distribution of college-ready students using county-level SAT/ACT data to identify strategic recruitment opportunities. By mapping TXST's competitive positioning and market share across Texas regions, we reveal high-opportunity counties with strong student performance but limited TXST presence, providing data-driven recommendations to support strategic enrollment growth.</a:t>
+              </a:r>
+              <a:endParaRPr b="1"/>
+            </a:p>
+            <a:p>
+              <a:pPr>
+                <a:lnSpc>
+                  <a:spcPct val="150000"/>
+                </a:lnSpc>
+                <a:defRPr b="1" sz="2800">
+                  <a:latin typeface="Aptos"/>
+                  <a:ea typeface="Aptos"/>
+                  <a:cs typeface="Aptos"/>
+                  <a:sym typeface="Aptos"/>
+                </a:defRPr>
+              </a:pPr>
+              <a:r>
+                <a:t>Research Statement</a:t>
+              </a:r>
+            </a:p>
+            <a:p>
+              <a:pPr>
+                <a:defRPr sz="2800">
+                  <a:latin typeface="Aptos"/>
+                  <a:ea typeface="Aptos"/>
+                  <a:cs typeface="Aptos"/>
+                  <a:sym typeface="Aptos"/>
+                </a:defRPr>
+              </a:pPr>
+              <a:r>
+                <a:t>What is the spatial distribution of college ready students across Texas, and which counties represent the highest-opportunity markets for TXST recruitment given competitive enrollment patterns?</a:t>
+              </a:r>
+            </a:p>
+          </p:txBody>
+        </p:sp>
+      </p:grpSp>
+      <p:grpSp>
+        <p:nvGrpSpPr>
+          <p:cNvPr id="98" name="TextBox 5"/>
+          <p:cNvGrpSpPr/>
+          <p:nvPr/>
+        </p:nvGrpSpPr>
+        <p:grpSpPr>
+          <a:xfrm>
+            <a:off x="812984" y="16493013"/>
+            <a:ext cx="9144002" cy="13413603"/>
+            <a:chOff x="0" y="0"/>
+            <a:chExt cx="9144000" cy="13413601"/>
+          </a:xfrm>
+        </p:grpSpPr>
+        <p:sp>
+          <p:nvSpPr>
+            <p:cNvPr id="95" name="Rectangle"/>
             <p:cNvSpPr/>
             <p:nvPr/>
           </p:nvSpPr>
           <p:spPr>
             <a:xfrm>
-              <a:off x="45719" y="0"/>
-              <a:ext cx="9052561" cy="0"/>
+              <a:off x="0" y="-1"/>
+              <a:ext cx="9144001" cy="8179001"/>
+            </a:xfrm>
+            <a:prstGeom prst="rect">
+              <a:avLst/>
+            </a:prstGeom>
+            <a:solidFill>
+              <a:srgbClr val="FFFFFF"/>
+            </a:solidFill>
+            <a:ln w="12700" cap="flat">
+              <a:noFill/>
+              <a:miter lim="400000"/>
+            </a:ln>
+            <a:effectLst/>
+          </p:spPr>
+          <p:txBody>
+            <a:bodyPr wrap="square" lIns="45718" tIns="45718" rIns="45718" bIns="45718" numCol="1" anchor="t">
+              <a:noAutofit/>
+            </a:bodyPr>
+            <a:lstStyle/>
+            <a:p>
+              <a:pPr>
+                <a:defRPr>
+                  <a:latin typeface="Aptos"/>
+                  <a:ea typeface="Aptos"/>
+                  <a:cs typeface="Aptos"/>
+                  <a:sym typeface="Aptos"/>
+                </a:defRPr>
+              </a:pPr>
+            </a:p>
+          </p:txBody>
+        </p:sp>
+        <p:sp>
+          <p:nvSpPr>
+            <p:cNvPr id="96" name="Data Sources…"/>
+            <p:cNvSpPr/>
+            <p:nvPr/>
+          </p:nvSpPr>
+          <p:spPr>
+            <a:xfrm>
+              <a:off x="45718" y="-1"/>
+              <a:ext cx="9052563" cy="1"/>
             </a:xfrm>
             <a:custGeom>
               <a:avLst/>
@@ -3787,78 +4380,155 @@
             </a:extLst>
           </p:spPr>
           <p:txBody>
-            <a:bodyPr wrap="square" lIns="45719" tIns="45719" rIns="45719" bIns="45719" numCol="1" anchor="t">
+            <a:bodyPr wrap="square" lIns="45718" tIns="45718" rIns="45718" bIns="45718" numCol="1" anchor="t">
               <a:spAutoFit/>
             </a:bodyPr>
             <a:lstStyle/>
             <a:p>
               <a:pPr>
-                <a:defRPr b="1" sz="4200"/>
-              </a:pPr>
-              <a:r>
-                <a:t>Problem Statement</a:t>
-              </a:r>
-            </a:p>
-            <a:p>
-              <a:pPr>
-                <a:defRPr sz="2800"/>
-              </a:pPr>
-            </a:p>
-            <a:p>
-              <a:pPr>
-                <a:defRPr sz="2800"/>
-              </a:pPr>
-              <a:r>
-                <a:t>As Texas State University pursues Research 1 (R1) classification and works to elevate its academic prestige, attracting high-performing students becomes increasingly critical to institutional advancement. TXST faces intensifying competition from established peer institutions such as UT Austin, Texas A&amp;M, and Texas Tech for top-tier students across Texas. This project analyzes the spatial distribution of college-ready students using county-level SAT/ACT data to identify strategic recruitment opportunities. By mapping TXST's competitive positioning and market share across Texas regions, we reveal high-opportunity counties with strong student performance but limited TXST presence, providing data-driven recommendations to support strategic enrollment growth.</a:t>
-              </a:r>
-              <a:endParaRPr b="1"/>
+                <a:defRPr b="1" sz="4200">
+                  <a:latin typeface="Aptos"/>
+                  <a:ea typeface="Aptos"/>
+                  <a:cs typeface="Aptos"/>
+                  <a:sym typeface="Aptos"/>
+                </a:defRPr>
+              </a:pPr>
+              <a:r>
+                <a:t>Data Sources </a:t>
+              </a:r>
             </a:p>
             <a:p>
               <a:pPr>
                 <a:lnSpc>
                   <a:spcPct val="150000"/>
                 </a:lnSpc>
-                <a:defRPr b="1" sz="2800"/>
-              </a:pPr>
-              <a:r>
-                <a:t>Research Statement</a:t>
-              </a:r>
-            </a:p>
-            <a:p>
-              <a:pPr>
-                <a:defRPr sz="2800"/>
-              </a:pPr>
-              <a:r>
-                <a:t>What is the spatial distribution of college ready students across Texas, and which counties represent the highest-opportunity markets for TXST recruitment given competitive enrollment patterns?</a:t>
+                <a:defRPr b="1" sz="2800">
+                  <a:latin typeface="Aptos"/>
+                  <a:ea typeface="Aptos"/>
+                  <a:cs typeface="Aptos"/>
+                  <a:sym typeface="Aptos"/>
+                </a:defRPr>
+              </a:pPr>
+              <a:r>
+                <a:t>THECB High School Graduate Enrollment Data</a:t>
+              </a:r>
+            </a:p>
+            <a:p>
+              <a:pPr>
+                <a:defRPr sz="2800">
+                  <a:latin typeface="Aptos"/>
+                  <a:ea typeface="Aptos"/>
+                  <a:cs typeface="Aptos"/>
+                  <a:sym typeface="Aptos"/>
+                </a:defRPr>
+              </a:pPr>
+              <a:r>
+                <a:t>County-level enrollment data from the Texas Higher Education Coordinating Board tracking where 36,175 rows containing 951,423 Texas high school graduates enrolled across 325+ institutions and from 2019-2024. Includes enrollment counts by county, district, and institution.</a:t>
+              </a:r>
+            </a:p>
+            <a:p>
+              <a:pPr>
+                <a:spcBef>
+                  <a:spcPts val="1200"/>
+                </a:spcBef>
+                <a:defRPr sz="1200">
+                  <a:solidFill>
+                    <a:srgbClr val="000000"/>
+                  </a:solidFill>
+                  <a:latin typeface="Times Roman"/>
+                  <a:ea typeface="Times Roman"/>
+                  <a:cs typeface="Times Roman"/>
+                  <a:sym typeface="Times Roman"/>
+                </a:defRPr>
+              </a:pPr>
+            </a:p>
+            <a:p>
+              <a:pPr>
+                <a:lnSpc>
+                  <a:spcPct val="150000"/>
+                </a:lnSpc>
+                <a:defRPr b="1" sz="2800">
+                  <a:latin typeface="Aptos"/>
+                  <a:ea typeface="Aptos"/>
+                  <a:cs typeface="Aptos"/>
+                  <a:sym typeface="Aptos"/>
+                </a:defRPr>
+              </a:pPr>
+              <a:r>
+                <a:t>TEA College Readiness Data</a:t>
+              </a:r>
+            </a:p>
+            <a:p>
+              <a:pPr>
+                <a:defRPr sz="2800">
+                  <a:latin typeface="Aptos"/>
+                  <a:ea typeface="Aptos"/>
+                  <a:cs typeface="Aptos"/>
+                  <a:sym typeface="Aptos"/>
+                </a:defRPr>
+              </a:pPr>
+              <a:r>
+                <a:t>District-level standardized test performance data from the Texas Education Agency tracking 6,455 district-year records across 1,166 school districts in 252 Texas counties from 2019-2024. Includes SAT/ACT participation rates, college readiness benchmark achievement, and Texas Success Initiative (TSI) standard performance percentages.</a:t>
               </a:r>
             </a:p>
           </p:txBody>
         </p:sp>
+        <p:pic>
+          <p:nvPicPr>
+            <p:cNvPr id="97" name="Screenshot 2026-02-10 at 12.32.03 AM.png" descr="Screenshot 2026-02-10 at 12.32.03 AM.png"/>
+            <p:cNvPicPr>
+              <a:picLocks noChangeAspect="1"/>
+            </p:cNvPicPr>
+            <p:nvPr/>
+          </p:nvPicPr>
+          <p:blipFill>
+            <a:blip r:embed="rId2">
+              <a:extLst/>
+            </a:blip>
+            <a:stretch>
+              <a:fillRect/>
+            </a:stretch>
+          </p:blipFill>
+          <p:spPr>
+            <a:xfrm>
+              <a:off x="848971" y="8644768"/>
+              <a:ext cx="6719112" cy="4768834"/>
+            </a:xfrm>
+            <a:prstGeom prst="rect">
+              <a:avLst/>
+            </a:prstGeom>
+            <a:ln w="12700" cap="flat">
+              <a:noFill/>
+              <a:miter lim="400000"/>
+            </a:ln>
+            <a:effectLst/>
+          </p:spPr>
+        </p:pic>
       </p:grpSp>
       <p:grpSp>
         <p:nvGrpSpPr>
-          <p:cNvPr id="95" name="TextBox 5"/>
+          <p:cNvPr id="101" name="TextBox 6"/>
           <p:cNvGrpSpPr/>
           <p:nvPr/>
         </p:nvGrpSpPr>
         <p:grpSpPr>
           <a:xfrm>
-            <a:off x="1290864" y="16933909"/>
-            <a:ext cx="9144001" cy="14694743"/>
+            <a:off x="10220602" y="5650319"/>
+            <a:ext cx="12798142" cy="13787086"/>
             <a:chOff x="0" y="0"/>
-            <a:chExt cx="9144000" cy="14694742"/>
+            <a:chExt cx="12798141" cy="13787085"/>
           </a:xfrm>
         </p:grpSpPr>
         <p:sp>
           <p:nvSpPr>
-            <p:cNvPr id="92" name="Rectangle"/>
+            <p:cNvPr id="99" name="Rectangle"/>
             <p:cNvSpPr/>
             <p:nvPr/>
           </p:nvSpPr>
           <p:spPr>
             <a:xfrm>
-              <a:off x="0" y="0"/>
-              <a:ext cx="9144000" cy="8178999"/>
+              <a:off x="0" y="31219"/>
+              <a:ext cx="12798142" cy="13089010"/>
             </a:xfrm>
             <a:prstGeom prst="rect">
               <a:avLst/>
@@ -3873,25 +4543,544 @@
             <a:effectLst/>
           </p:spPr>
           <p:txBody>
-            <a:bodyPr wrap="square" lIns="45719" tIns="45719" rIns="45719" bIns="45719" numCol="1" anchor="t">
+            <a:bodyPr wrap="square" lIns="45718" tIns="45718" rIns="45718" bIns="45718" numCol="1" anchor="t">
               <a:noAutofit/>
             </a:bodyPr>
             <a:lstStyle/>
             <a:p>
-              <a:pPr/>
+              <a:pPr>
+                <a:defRPr>
+                  <a:latin typeface="Aptos"/>
+                  <a:ea typeface="Aptos"/>
+                  <a:cs typeface="Aptos"/>
+                  <a:sym typeface="Aptos"/>
+                </a:defRPr>
+              </a:pPr>
             </a:p>
           </p:txBody>
         </p:sp>
         <p:sp>
           <p:nvSpPr>
-            <p:cNvPr id="93" name="Data Sources…"/>
+            <p:cNvPr id="100" name="Methods…"/>
+            <p:cNvSpPr txBox="1"/>
+            <p:nvPr/>
+          </p:nvSpPr>
+          <p:spPr>
+            <a:xfrm>
+              <a:off x="58172" y="0"/>
+              <a:ext cx="12681797" cy="13787086"/>
+            </a:xfrm>
+            <a:prstGeom prst="rect">
+              <a:avLst/>
+            </a:prstGeom>
+            <a:noFill/>
+            <a:ln w="12700" cap="flat">
+              <a:noFill/>
+              <a:miter lim="400000"/>
+            </a:ln>
+            <a:effectLst/>
+            <a:extLst>
+              <a:ext uri="{C572A759-6A51-4108-AA02-DFA0A04FC94B}">
+                <ma14:wrappingTextBoxFlag xmlns:ma14="http://schemas.microsoft.com/office/mac/drawingml/2011/main" val="1"/>
+              </a:ext>
+            </a:extLst>
+          </p:spPr>
+          <p:txBody>
+            <a:bodyPr wrap="square" lIns="45718" tIns="45718" rIns="45718" bIns="45718" numCol="1" anchor="t">
+              <a:noAutofit/>
+            </a:bodyPr>
+            <a:lstStyle/>
+            <a:p>
+              <a:pPr>
+                <a:defRPr b="1" sz="4200">
+                  <a:latin typeface="Aptos"/>
+                  <a:ea typeface="Aptos"/>
+                  <a:cs typeface="Aptos"/>
+                  <a:sym typeface="Aptos"/>
+                </a:defRPr>
+              </a:pPr>
+              <a:r>
+                <a:t>Methods</a:t>
+              </a:r>
+            </a:p>
+            <a:p>
+              <a:pPr>
+                <a:lnSpc>
+                  <a:spcPct val="150000"/>
+                </a:lnSpc>
+                <a:defRPr b="1" sz="2800">
+                  <a:latin typeface="Aptos"/>
+                  <a:ea typeface="Aptos"/>
+                  <a:cs typeface="Aptos"/>
+                  <a:sym typeface="Aptos"/>
+                </a:defRPr>
+              </a:pPr>
+              <a:r>
+                <a:t>Data Sources</a:t>
+              </a:r>
+            </a:p>
+            <a:p>
+              <a:pPr>
+                <a:defRPr sz="2800">
+                  <a:latin typeface="Aptos"/>
+                  <a:ea typeface="Aptos"/>
+                  <a:cs typeface="Aptos"/>
+                  <a:sym typeface="Aptos"/>
+                </a:defRPr>
+              </a:pPr>
+              <a:r>
+                <a:t> THECB enrollment data (36,175 records, 265 counties, 2019-2024) and TEA SAT/ACT performance data (6,455 district-year records, 252 counties, 2019-2024).</a:t>
+              </a:r>
+            </a:p>
+            <a:p>
+              <a:pPr>
+                <a:defRPr sz="2800">
+                  <a:latin typeface="Aptos"/>
+                  <a:ea typeface="Aptos"/>
+                  <a:cs typeface="Aptos"/>
+                  <a:sym typeface="Aptos"/>
+                </a:defRPr>
+              </a:pPr>
+            </a:p>
+            <a:p>
+              <a:pPr>
+                <a:lnSpc>
+                  <a:spcPct val="150000"/>
+                </a:lnSpc>
+                <a:defRPr b="1" sz="2800">
+                  <a:latin typeface="Aptos"/>
+                  <a:ea typeface="Aptos"/>
+                  <a:cs typeface="Aptos"/>
+                  <a:sym typeface="Aptos"/>
+                </a:defRPr>
+              </a:pPr>
+              <a:r>
+                <a:t>Processing</a:t>
+              </a:r>
+            </a:p>
+            <a:p>
+              <a:pPr>
+                <a:defRPr sz="2800">
+                  <a:latin typeface="Aptos"/>
+                  <a:ea typeface="Aptos"/>
+                  <a:cs typeface="Aptos"/>
+                  <a:sym typeface="Aptos"/>
+                </a:defRPr>
+              </a:pPr>
+              <a:r>
+                <a:t> Cleaned and standardized county names, aggregated district-level data to county level, calculated market share for TXST and seven competitor institutions (UT Austin, Texas A&amp;M, Texas Tech, SFA, UTSA, UNT, UH). Used most recent year data for each county.</a:t>
+              </a:r>
+            </a:p>
+            <a:p>
+              <a:pPr>
+                <a:defRPr sz="2800">
+                  <a:latin typeface="Aptos"/>
+                  <a:ea typeface="Aptos"/>
+                  <a:cs typeface="Aptos"/>
+                  <a:sym typeface="Aptos"/>
+                </a:defRPr>
+              </a:pPr>
+            </a:p>
+            <a:p>
+              <a:pPr>
+                <a:lnSpc>
+                  <a:spcPct val="150000"/>
+                </a:lnSpc>
+                <a:defRPr b="1" sz="2800">
+                  <a:latin typeface="Aptos"/>
+                  <a:ea typeface="Aptos"/>
+                  <a:cs typeface="Aptos"/>
+                  <a:sym typeface="Aptos"/>
+                </a:defRPr>
+              </a:pPr>
+              <a:r>
+                <a:t>Opportunity Scoring</a:t>
+              </a:r>
+            </a:p>
+            <a:p>
+              <a:pPr>
+                <a:defRPr sz="2800">
+                  <a:latin typeface="Aptos"/>
+                  <a:ea typeface="Aptos"/>
+                  <a:cs typeface="Aptos"/>
+                  <a:sym typeface="Aptos"/>
+                </a:defRPr>
+              </a:pPr>
+              <a:r>
+                <a:t>Developed composite 0-100 score based on: Academic Performance (40%), Market Size (30%), TXST Growth Headroom (20%), and Test Participation (10%).</a:t>
+              </a:r>
+            </a:p>
+            <a:p>
+              <a:pPr>
+                <a:defRPr sz="2800">
+                  <a:latin typeface="Aptos"/>
+                  <a:ea typeface="Aptos"/>
+                  <a:cs typeface="Aptos"/>
+                  <a:sym typeface="Aptos"/>
+                </a:defRPr>
+              </a:pPr>
+            </a:p>
+            <a:p>
+              <a:pPr>
+                <a:lnSpc>
+                  <a:spcPct val="150000"/>
+                </a:lnSpc>
+                <a:defRPr b="1" sz="2800">
+                  <a:latin typeface="Aptos"/>
+                  <a:ea typeface="Aptos"/>
+                  <a:cs typeface="Aptos"/>
+                  <a:sym typeface="Aptos"/>
+                </a:defRPr>
+              </a:pPr>
+              <a:r>
+                <a:t>Tier Classification</a:t>
+              </a:r>
+            </a:p>
+            <a:p>
+              <a:pPr>
+                <a:defRPr sz="2800">
+                  <a:latin typeface="Aptos"/>
+                  <a:ea typeface="Aptos"/>
+                  <a:cs typeface="Aptos"/>
+                  <a:sym typeface="Aptos"/>
+                </a:defRPr>
+              </a:pPr>
+              <a:r>
+                <a:t> Counties classified into five strategic tiers based on college readiness (≥25% threshold), market size (&gt;2,000 students), and TXST market share (&lt;10%). Tier 1 represents highest opportunity (high performance + large market + low TXST presence).</a:t>
+              </a:r>
+            </a:p>
+            <a:p>
+              <a:pPr>
+                <a:defRPr sz="2800">
+                  <a:latin typeface="Aptos"/>
+                  <a:ea typeface="Aptos"/>
+                  <a:cs typeface="Aptos"/>
+                  <a:sym typeface="Aptos"/>
+                </a:defRPr>
+              </a:pPr>
+            </a:p>
+            <a:p>
+              <a:pPr>
+                <a:lnSpc>
+                  <a:spcPct val="150000"/>
+                </a:lnSpc>
+                <a:defRPr b="1" sz="2800">
+                  <a:latin typeface="Aptos"/>
+                  <a:ea typeface="Aptos"/>
+                  <a:cs typeface="Aptos"/>
+                  <a:sym typeface="Aptos"/>
+                </a:defRPr>
+              </a:pPr>
+              <a:r>
+                <a:t>Visualization</a:t>
+              </a:r>
+            </a:p>
+            <a:p>
+              <a:pPr>
+                <a:defRPr sz="2800">
+                  <a:latin typeface="Aptos"/>
+                  <a:ea typeface="Aptos"/>
+                  <a:cs typeface="Aptos"/>
+                  <a:sym typeface="Aptos"/>
+                </a:defRPr>
+              </a:pPr>
+              <a:r>
+                <a:t>Interactive choropleth maps created using Plotly and Census TIGER/Line shapefiles showing county-level dominance, academic performance, and strategic opportunities.</a:t>
+              </a:r>
+            </a:p>
+          </p:txBody>
+        </p:sp>
+      </p:grpSp>
+      <p:grpSp>
+        <p:nvGrpSpPr>
+          <p:cNvPr id="104" name="TextBox 7"/>
+          <p:cNvGrpSpPr/>
+          <p:nvPr/>
+        </p:nvGrpSpPr>
+        <p:grpSpPr>
+          <a:xfrm>
+            <a:off x="33003480" y="5650319"/>
+            <a:ext cx="9903701" cy="10128786"/>
+            <a:chOff x="0" y="0"/>
+            <a:chExt cx="9903700" cy="10128784"/>
+          </a:xfrm>
+        </p:grpSpPr>
+        <p:sp>
+          <p:nvSpPr>
+            <p:cNvPr id="102" name="Rectangle"/>
             <p:cNvSpPr/>
             <p:nvPr/>
           </p:nvSpPr>
           <p:spPr>
             <a:xfrm>
-              <a:off x="45719" y="0"/>
-              <a:ext cx="9052561" cy="0"/>
+              <a:off x="0" y="0"/>
+              <a:ext cx="9903701" cy="10128785"/>
+            </a:xfrm>
+            <a:prstGeom prst="rect">
+              <a:avLst/>
+            </a:prstGeom>
+            <a:solidFill>
+              <a:srgbClr val="FFFFFF"/>
+            </a:solidFill>
+            <a:ln w="12700" cap="flat">
+              <a:noFill/>
+              <a:miter lim="400000"/>
+            </a:ln>
+            <a:effectLst/>
+          </p:spPr>
+          <p:txBody>
+            <a:bodyPr wrap="square" lIns="45718" tIns="45718" rIns="45718" bIns="45718" numCol="1" anchor="t">
+              <a:noAutofit/>
+            </a:bodyPr>
+            <a:lstStyle/>
+            <a:p>
+              <a:pPr>
+                <a:defRPr>
+                  <a:latin typeface="Aptos"/>
+                  <a:ea typeface="Aptos"/>
+                  <a:cs typeface="Aptos"/>
+                  <a:sym typeface="Aptos"/>
+                </a:defRPr>
+              </a:pPr>
+            </a:p>
+          </p:txBody>
+        </p:sp>
+        <p:sp>
+          <p:nvSpPr>
+            <p:cNvPr id="103" name="Results…"/>
+            <p:cNvSpPr txBox="1"/>
+            <p:nvPr/>
+          </p:nvSpPr>
+          <p:spPr>
+            <a:xfrm>
+              <a:off x="45015" y="-1"/>
+              <a:ext cx="9813669" cy="9643602"/>
+            </a:xfrm>
+            <a:prstGeom prst="rect">
+              <a:avLst/>
+            </a:prstGeom>
+            <a:noFill/>
+            <a:ln w="12700" cap="flat">
+              <a:noFill/>
+              <a:miter lim="400000"/>
+            </a:ln>
+            <a:effectLst/>
+            <a:extLst>
+              <a:ext uri="{C572A759-6A51-4108-AA02-DFA0A04FC94B}">
+                <ma14:wrappingTextBoxFlag xmlns:ma14="http://schemas.microsoft.com/office/mac/drawingml/2011/main" val="1"/>
+              </a:ext>
+            </a:extLst>
+          </p:spPr>
+          <p:txBody>
+            <a:bodyPr wrap="square" lIns="45718" tIns="45718" rIns="45718" bIns="45718" numCol="1" anchor="t">
+              <a:noAutofit/>
+            </a:bodyPr>
+            <a:lstStyle/>
+            <a:p>
+              <a:pPr>
+                <a:defRPr b="1" sz="4200">
+                  <a:latin typeface="Aptos"/>
+                  <a:ea typeface="Aptos"/>
+                  <a:cs typeface="Aptos"/>
+                  <a:sym typeface="Aptos"/>
+                </a:defRPr>
+              </a:pPr>
+              <a:r>
+                <a:t>Results </a:t>
+              </a:r>
+            </a:p>
+            <a:p>
+              <a:pPr marL="228600" indent="-228600">
+                <a:buSzPct val="100000"/>
+                <a:buChar char="•"/>
+                <a:defRPr sz="2800">
+                  <a:latin typeface="Aptos"/>
+                  <a:ea typeface="Aptos"/>
+                  <a:cs typeface="Aptos"/>
+                  <a:sym typeface="Aptos"/>
+                </a:defRPr>
+              </a:pPr>
+              <a:r>
+                <a:t>THECB enrollment data and SAT/ACT readiness data were merged to create a combined dataset covering 265 Texas counties, with 229 counties containing both enrollment and academic readiness metrics.</a:t>
+              </a:r>
+            </a:p>
+            <a:p>
+              <a:pPr marL="228600" indent="-228600">
+                <a:buSzPct val="100000"/>
+                <a:buChar char="•"/>
+                <a:defRPr sz="2800">
+                  <a:latin typeface="Aptos"/>
+                  <a:ea typeface="Aptos"/>
+                  <a:cs typeface="Aptos"/>
+                  <a:sym typeface="Aptos"/>
+                </a:defRPr>
+              </a:pPr>
+              <a:r>
+                <a:t>Counties were classified into five strategic recruitment tiers based on college readiness, total student market, and Texas State (TXST) market share.</a:t>
+              </a:r>
+            </a:p>
+            <a:p>
+              <a:pPr marL="228600" indent="-228600">
+                <a:buSzPct val="100000"/>
+                <a:buChar char="•"/>
+                <a:defRPr sz="2800">
+                  <a:latin typeface="Aptos"/>
+                  <a:ea typeface="Aptos"/>
+                  <a:cs typeface="Aptos"/>
+                  <a:sym typeface="Aptos"/>
+                </a:defRPr>
+              </a:pPr>
+              <a:r>
+                <a:t>6 Tier 1 (prime target) and 20 Tier 2 (strong opportunity) counties were identified as high-growth regions where academic performance is strong but TXST presence is low.</a:t>
+              </a:r>
+            </a:p>
+            <a:p>
+              <a:pPr marL="228600" indent="-228600">
+                <a:buSzPct val="100000"/>
+                <a:buChar char="•"/>
+                <a:defRPr sz="2800">
+                  <a:latin typeface="Aptos"/>
+                  <a:ea typeface="Aptos"/>
+                  <a:cs typeface="Aptos"/>
+                  <a:sym typeface="Aptos"/>
+                </a:defRPr>
+              </a:pPr>
+              <a:r>
+                <a:t>Tier 1 counties alone represent a potential market of 85,560 students, with projected growth of +11,017 TXST students if market share increased to 15%.</a:t>
+              </a:r>
+            </a:p>
+            <a:p>
+              <a:pPr marL="228600" indent="-228600">
+                <a:buSzPct val="100000"/>
+                <a:buChar char="•"/>
+                <a:defRPr sz="2800">
+                  <a:latin typeface="Aptos"/>
+                  <a:ea typeface="Aptos"/>
+                  <a:cs typeface="Aptos"/>
+                  <a:sym typeface="Aptos"/>
+                </a:defRPr>
+              </a:pPr>
+              <a:r>
+                <a:t>Prime target counties show significantly higher academic readiness (~29.9%) compared to the statewide average (15.6%), indicating strong recruitment alignment.</a:t>
+              </a:r>
+            </a:p>
+            <a:p>
+              <a:pPr marL="228600" indent="-228600">
+                <a:buSzPct val="100000"/>
+                <a:buChar char="•"/>
+                <a:defRPr sz="2800">
+                  <a:latin typeface="Aptos"/>
+                  <a:ea typeface="Aptos"/>
+                  <a:cs typeface="Aptos"/>
+                  <a:sym typeface="Aptos"/>
+                </a:defRPr>
+              </a:pPr>
+              <a:r>
+                <a:t>Overall, results highlight geographically concentrated regions where targeted recruitment could substantially increase TXST enrollment.</a:t>
+              </a:r>
+            </a:p>
+            <a:p>
+              <a:pPr>
+                <a:defRPr sz="2800">
+                  <a:latin typeface="Aptos"/>
+                  <a:ea typeface="Aptos"/>
+                  <a:cs typeface="Aptos"/>
+                  <a:sym typeface="Aptos"/>
+                </a:defRPr>
+              </a:pPr>
+            </a:p>
+            <a:p>
+              <a:pPr marL="228600" indent="-228600">
+                <a:buSzPct val="100000"/>
+                <a:buChar char="•"/>
+                <a:defRPr sz="2800">
+                  <a:latin typeface="Aptos"/>
+                  <a:ea typeface="Aptos"/>
+                  <a:cs typeface="Aptos"/>
+                  <a:sym typeface="Aptos"/>
+                </a:defRPr>
+              </a:pPr>
+            </a:p>
+            <a:p>
+              <a:pPr>
+                <a:defRPr sz="1200">
+                  <a:solidFill>
+                    <a:srgbClr val="000000"/>
+                  </a:solidFill>
+                  <a:latin typeface="Times Roman"/>
+                  <a:ea typeface="Times Roman"/>
+                  <a:cs typeface="Times Roman"/>
+                  <a:sym typeface="Times Roman"/>
+                </a:defRPr>
+              </a:pPr>
+            </a:p>
+          </p:txBody>
+        </p:sp>
+      </p:grpSp>
+      <p:grpSp>
+        <p:nvGrpSpPr>
+          <p:cNvPr id="107" name="TextBox 8"/>
+          <p:cNvGrpSpPr/>
+          <p:nvPr/>
+        </p:nvGrpSpPr>
+        <p:grpSpPr>
+          <a:xfrm>
+            <a:off x="23257715" y="5650319"/>
+            <a:ext cx="9144001" cy="10886283"/>
+            <a:chOff x="0" y="0"/>
+            <a:chExt cx="9144000" cy="10886282"/>
+          </a:xfrm>
+        </p:grpSpPr>
+        <p:sp>
+          <p:nvSpPr>
+            <p:cNvPr id="105" name="Rectangle"/>
+            <p:cNvSpPr/>
+            <p:nvPr/>
+          </p:nvSpPr>
+          <p:spPr>
+            <a:xfrm>
+              <a:off x="0" y="0"/>
+              <a:ext cx="9144001" cy="10886283"/>
+            </a:xfrm>
+            <a:prstGeom prst="rect">
+              <a:avLst/>
+            </a:prstGeom>
+            <a:solidFill>
+              <a:srgbClr val="FFFFFF"/>
+            </a:solidFill>
+            <a:ln w="12700" cap="flat">
+              <a:noFill/>
+              <a:miter lim="400000"/>
+            </a:ln>
+            <a:effectLst/>
+          </p:spPr>
+          <p:txBody>
+            <a:bodyPr wrap="square" lIns="45718" tIns="45718" rIns="45718" bIns="45718" numCol="1" anchor="t">
+              <a:noAutofit/>
+            </a:bodyPr>
+            <a:lstStyle/>
+            <a:p>
+              <a:pPr>
+                <a:defRPr>
+                  <a:latin typeface="Aptos"/>
+                  <a:ea typeface="Aptos"/>
+                  <a:cs typeface="Aptos"/>
+                  <a:sym typeface="Aptos"/>
+                </a:defRPr>
+              </a:pPr>
+            </a:p>
+          </p:txBody>
+        </p:sp>
+        <p:sp>
+          <p:nvSpPr>
+            <p:cNvPr id="106" name="Findings…"/>
+            <p:cNvSpPr/>
+            <p:nvPr/>
+          </p:nvSpPr>
+          <p:spPr>
+            <a:xfrm>
+              <a:off x="45718" y="-1"/>
+              <a:ext cx="9052563" cy="1"/>
             </a:xfrm>
             <a:custGeom>
               <a:avLst/>
@@ -3943,755 +5132,146 @@
             </a:extLst>
           </p:spPr>
           <p:txBody>
-            <a:bodyPr wrap="square" lIns="45719" tIns="45719" rIns="45719" bIns="45719" numCol="1" anchor="t">
+            <a:bodyPr wrap="square" lIns="45718" tIns="45718" rIns="45718" bIns="45718" numCol="1" anchor="t">
               <a:spAutoFit/>
             </a:bodyPr>
             <a:lstStyle/>
             <a:p>
               <a:pPr>
-                <a:defRPr b="1" sz="4200"/>
-              </a:pPr>
-              <a:r>
-                <a:t>Data Sources </a:t>
-              </a:r>
-            </a:p>
-            <a:p>
-              <a:pPr>
-                <a:lnSpc>
-                  <a:spcPct val="150000"/>
-                </a:lnSpc>
-                <a:defRPr b="1" sz="2800"/>
-              </a:pPr>
-              <a:r>
-                <a:t>THECB High School Graduate Enrollment Data</a:t>
-              </a:r>
-            </a:p>
-            <a:p>
-              <a:pPr>
-                <a:defRPr sz="2800"/>
-              </a:pPr>
-              <a:r>
-                <a:t>Coun</a:t>
-              </a:r>
-              <a:r>
-                <a:t>ty-level enrollment data from the Texas Higher Education Coordinating Board tracking where 36,175 rows containing 951,423 Texas high school graduates enrolled across 325+ institutions and from 2019-2024. Includes enrollment counts by county, district, and institution.</a:t>
-              </a:r>
-            </a:p>
-            <a:p>
-              <a:pPr>
+                <a:defRPr b="1" sz="4200">
+                  <a:latin typeface="Aptos"/>
+                  <a:ea typeface="Aptos"/>
+                  <a:cs typeface="Aptos"/>
+                  <a:sym typeface="Aptos"/>
+                </a:defRPr>
+              </a:pPr>
+              <a:r>
+                <a:t>Findings</a:t>
+              </a:r>
+            </a:p>
+            <a:p>
+              <a:pPr marL="280736" indent="-280736">
                 <a:spcBef>
                   <a:spcPts val="1200"/>
                 </a:spcBef>
-                <a:defRPr sz="1200">
-                  <a:solidFill>
-                    <a:srgbClr val="000000"/>
-                  </a:solidFill>
-                  <a:latin typeface="Times Roman"/>
-                  <a:ea typeface="Times Roman"/>
-                  <a:cs typeface="Times Roman"/>
-                  <a:sym typeface="Times Roman"/>
-                </a:defRPr>
-              </a:pPr>
-            </a:p>
-            <a:p>
-              <a:pPr>
-                <a:lnSpc>
-                  <a:spcPct val="150000"/>
-                </a:lnSpc>
-                <a:defRPr b="1" sz="2800"/>
-              </a:pPr>
-              <a:r>
-                <a:t>TEA College Readiness Data</a:t>
-              </a:r>
-            </a:p>
-            <a:p>
-              <a:pPr>
-                <a:defRPr sz="2800"/>
-              </a:pPr>
-              <a:r>
-                <a:t>Dist</a:t>
-              </a:r>
-              <a:r>
-                <a:t>rict-level standardized test performance data from the Texas Education Agency tracking 6,455 district-year records across 1,166 school districts in 252 Texas counties from 2019-2024. Includes SAT/ACT participation rates, college readiness benchmark achievement, and Texas Success Initiative (TSI) standard performance percentages.</a:t>
+                <a:buSzPct val="100000"/>
+                <a:buChar char="•"/>
+                <a:defRPr sz="2800">
+                  <a:latin typeface="Aptos"/>
+                  <a:ea typeface="Aptos"/>
+                  <a:cs typeface="Aptos"/>
+                  <a:sym typeface="Aptos"/>
+                </a:defRPr>
+              </a:pPr>
+              <a:r>
+                <a:t>TXST currently has strong representation in Central Texas but remains underrepresented in several high-performing, high-volume counties across North and West Texas.</a:t>
+              </a:r>
+            </a:p>
+            <a:p>
+              <a:pPr marL="280736" indent="-280736">
+                <a:spcBef>
+                  <a:spcPts val="1200"/>
+                </a:spcBef>
+                <a:buSzPct val="100000"/>
+                <a:buChar char="•"/>
+                <a:defRPr sz="2800">
+                  <a:latin typeface="Aptos"/>
+                  <a:ea typeface="Aptos"/>
+                  <a:cs typeface="Aptos"/>
+                  <a:sym typeface="Aptos"/>
+                </a:defRPr>
+              </a:pPr>
+              <a:r>
+                <a:t>Prime and strong-opportunity counties demonstrate significantly higher college readiness rates than TXST-dominant regions, suggesting missed recruitment potential among academically prepared students.</a:t>
+              </a:r>
+            </a:p>
+            <a:p>
+              <a:pPr marL="280736" indent="-280736">
+                <a:spcBef>
+                  <a:spcPts val="1200"/>
+                </a:spcBef>
+                <a:buSzPct val="100000"/>
+                <a:buChar char="•"/>
+                <a:defRPr sz="2800">
+                  <a:latin typeface="Aptos"/>
+                  <a:ea typeface="Aptos"/>
+                  <a:cs typeface="Aptos"/>
+                  <a:sym typeface="Aptos"/>
+                </a:defRPr>
+              </a:pPr>
+              <a:r>
+                <a:t>Large suburban counties such as Collin and Denton contain substantial student markets with low TXST market share, representing the greatest potential enrollment growth.</a:t>
+              </a:r>
+            </a:p>
+            <a:p>
+              <a:pPr marL="280736" indent="-280736">
+                <a:spcBef>
+                  <a:spcPts val="1200"/>
+                </a:spcBef>
+                <a:buSzPct val="100000"/>
+                <a:buChar char="•"/>
+                <a:defRPr sz="2800">
+                  <a:latin typeface="Aptos"/>
+                  <a:ea typeface="Aptos"/>
+                  <a:cs typeface="Aptos"/>
+                  <a:sym typeface="Aptos"/>
+                </a:defRPr>
+              </a:pPr>
+              <a:r>
+                <a:t>Many high-readiness counties with low TXST presence are currently dominated by competing institutions, indicating strong but penetrable recruitment pipelines.</a:t>
+              </a:r>
+            </a:p>
+            <a:p>
+              <a:pPr marL="280736" indent="-280736">
+                <a:spcBef>
+                  <a:spcPts val="1200"/>
+                </a:spcBef>
+                <a:buSzPct val="100000"/>
+                <a:buChar char="•"/>
+                <a:defRPr sz="2800">
+                  <a:latin typeface="Aptos"/>
+                  <a:ea typeface="Aptos"/>
+                  <a:cs typeface="Aptos"/>
+                  <a:sym typeface="Aptos"/>
+                </a:defRPr>
+              </a:pPr>
+              <a:r>
+                <a:t>Rural counties with smaller markets but high readiness rates provide targeted niche recruitment opportunities with relatively low competition.</a:t>
+              </a:r>
+            </a:p>
+            <a:p>
+              <a:pPr marL="280736" indent="-280736">
+                <a:spcBef>
+                  <a:spcPts val="1200"/>
+                </a:spcBef>
+                <a:buSzPct val="100000"/>
+                <a:buChar char="•"/>
+                <a:defRPr sz="2800">
+                  <a:latin typeface="Aptos"/>
+                  <a:ea typeface="Aptos"/>
+                  <a:cs typeface="Aptos"/>
+                  <a:sym typeface="Aptos"/>
+                </a:defRPr>
+              </a:pPr>
+              <a:r>
+                <a:t>Overall, recruitment opportunities are not evenly distributed, with the highest-impact gains concentrated in a small number of strategically important counties.</a:t>
               </a:r>
             </a:p>
           </p:txBody>
         </p:sp>
-        <p:pic>
-          <p:nvPicPr>
-            <p:cNvPr id="94" name="Screenshot 2026-02-10 at 12.32.03 AM.png" descr="Screenshot 2026-02-10 at 12.32.03 AM.png"/>
-            <p:cNvPicPr>
-              <a:picLocks noChangeAspect="1"/>
-            </p:cNvPicPr>
-            <p:nvPr/>
-          </p:nvPicPr>
-          <p:blipFill>
-            <a:blip r:embed="rId2">
-              <a:extLst/>
-            </a:blip>
-            <a:stretch>
-              <a:fillRect/>
-            </a:stretch>
-          </p:blipFill>
-          <p:spPr>
-            <a:xfrm>
-              <a:off x="11810" y="8727027"/>
-              <a:ext cx="8408294" cy="5967716"/>
-            </a:xfrm>
-            <a:prstGeom prst="rect">
-              <a:avLst/>
-            </a:prstGeom>
-            <a:ln w="12700" cap="flat">
-              <a:noFill/>
-              <a:miter lim="400000"/>
-            </a:ln>
-            <a:effectLst/>
-          </p:spPr>
-        </p:pic>
       </p:grpSp>
       <p:grpSp>
         <p:nvGrpSpPr>
-          <p:cNvPr id="98" name="TextBox 6"/>
+          <p:cNvPr id="110" name="TextBox 9"/>
           <p:cNvGrpSpPr/>
           <p:nvPr/>
         </p:nvGrpSpPr>
         <p:grpSpPr>
           <a:xfrm>
-            <a:off x="11424036" y="5923720"/>
-            <a:ext cx="10058401" cy="10287001"/>
+            <a:off x="33934214" y="16161528"/>
+            <a:ext cx="9144002" cy="14855223"/>
             <a:chOff x="0" y="0"/>
-            <a:chExt cx="10058400" cy="10287000"/>
-          </a:xfrm>
-        </p:grpSpPr>
-        <p:sp>
-          <p:nvSpPr>
-            <p:cNvPr id="96" name="Rectangle"/>
-            <p:cNvSpPr/>
-            <p:nvPr/>
-          </p:nvSpPr>
-          <p:spPr>
-            <a:xfrm>
-              <a:off x="0" y="0"/>
-              <a:ext cx="10058400" cy="10287000"/>
-            </a:xfrm>
-            <a:prstGeom prst="rect">
-              <a:avLst/>
-            </a:prstGeom>
-            <a:solidFill>
-              <a:srgbClr val="FFFFFF"/>
-            </a:solidFill>
-            <a:ln w="12700" cap="flat">
-              <a:noFill/>
-              <a:miter lim="400000"/>
-            </a:ln>
-            <a:effectLst/>
-          </p:spPr>
-          <p:txBody>
-            <a:bodyPr wrap="square" lIns="45719" tIns="45719" rIns="45719" bIns="45719" numCol="1" anchor="t">
-              <a:noAutofit/>
-            </a:bodyPr>
-            <a:lstStyle/>
-            <a:p>
-              <a:pPr/>
-            </a:p>
-          </p:txBody>
-        </p:sp>
-        <p:sp>
-          <p:nvSpPr>
-            <p:cNvPr id="97" name="Methods…"/>
-            <p:cNvSpPr txBox="1"/>
-            <p:nvPr/>
-          </p:nvSpPr>
-          <p:spPr>
-            <a:xfrm>
-              <a:off x="45719" y="0"/>
-              <a:ext cx="9966961" cy="9146540"/>
-            </a:xfrm>
-            <a:prstGeom prst="rect">
-              <a:avLst/>
-            </a:prstGeom>
-            <a:noFill/>
-            <a:ln w="12700" cap="flat">
-              <a:noFill/>
-              <a:miter lim="400000"/>
-            </a:ln>
-            <a:effectLst/>
-            <a:extLst>
-              <a:ext uri="{C572A759-6A51-4108-AA02-DFA0A04FC94B}">
-                <ma14:wrappingTextBoxFlag xmlns:ma14="http://schemas.microsoft.com/office/mac/drawingml/2011/main" val="1"/>
-              </a:ext>
-            </a:extLst>
-          </p:spPr>
-          <p:txBody>
-            <a:bodyPr wrap="square" lIns="45719" tIns="45719" rIns="45719" bIns="45719" numCol="1" anchor="t">
-              <a:spAutoFit/>
-            </a:bodyPr>
-            <a:lstStyle/>
-            <a:p>
-              <a:pPr>
-                <a:defRPr b="1" sz="4200"/>
-              </a:pPr>
-              <a:r>
-                <a:t>Methods</a:t>
-              </a:r>
-            </a:p>
-            <a:p>
-              <a:pPr>
-                <a:lnSpc>
-                  <a:spcPct val="150000"/>
-                </a:lnSpc>
-                <a:defRPr b="1" sz="2800"/>
-              </a:pPr>
-              <a:r>
-                <a:t>Subheader</a:t>
-              </a:r>
-            </a:p>
-            <a:p>
-              <a:pPr>
-                <a:defRPr sz="2800"/>
-              </a:pPr>
-              <a:r>
-                <a:t>Content goes here: Totat ullaborernam harci cus, cuscidendit lat et as eum explit apicaboria am que vendent inullup tatur? Quia voluptat ut prae. Qui blatibu saecture, ut volor as a audae es elenti quis qui tessum faccuptatet odignisim eatur, sincia nusdantent estem haruntiatint idit rem ulpa et exped que provitatatur seque pro idi nos quid quo vent.</a:t>
-              </a:r>
-            </a:p>
-            <a:p>
-              <a:pPr>
-                <a:defRPr sz="2800"/>
-              </a:pPr>
-            </a:p>
-            <a:p>
-              <a:pPr>
-                <a:defRPr sz="2800"/>
-              </a:pPr>
-              <a:r>
-                <a:t>This is the suggested format for bullets</a:t>
-              </a:r>
-            </a:p>
-            <a:p>
-              <a:pPr marL="457200" indent="-457200">
-                <a:lnSpc>
-                  <a:spcPct val="150000"/>
-                </a:lnSpc>
-                <a:buSzPct val="100000"/>
-                <a:buFont typeface="Arial"/>
-                <a:buChar char="•"/>
-                <a:defRPr sz="2800"/>
-              </a:pPr>
-              <a:r>
-                <a:t>Ossus volupicabore et iminciae nitati</a:t>
-              </a:r>
-            </a:p>
-            <a:p>
-              <a:pPr marL="457200" indent="-457200">
-                <a:lnSpc>
-                  <a:spcPct val="150000"/>
-                </a:lnSpc>
-                <a:buSzPct val="100000"/>
-                <a:buFont typeface="Arial"/>
-                <a:buChar char="•"/>
-                <a:defRPr sz="2800"/>
-              </a:pPr>
-              <a:r>
-                <a:t>Omnihil et, occulpa venient ab ilibusam volectes</a:t>
-              </a:r>
-            </a:p>
-            <a:p>
-              <a:pPr marL="457200" indent="-457200">
-                <a:lnSpc>
-                  <a:spcPct val="150000"/>
-                </a:lnSpc>
-                <a:buSzPct val="100000"/>
-                <a:buFont typeface="Arial"/>
-                <a:buChar char="•"/>
-                <a:defRPr sz="2800"/>
-              </a:pPr>
-              <a:r>
-                <a:t>Tori sitius inciis net voluptatiis auditius dem venimus </a:t>
-              </a:r>
-            </a:p>
-            <a:p>
-              <a:pPr marL="457200" indent="-457200">
-                <a:lnSpc>
-                  <a:spcPct val="150000"/>
-                </a:lnSpc>
-                <a:buSzPct val="100000"/>
-                <a:buFont typeface="Arial"/>
-                <a:buChar char="•"/>
-                <a:defRPr sz="2800"/>
-              </a:pPr>
-              <a:r>
-                <a:t>Ium eatius dolupta</a:t>
-              </a:r>
-            </a:p>
-            <a:p>
-              <a:pPr>
-                <a:defRPr sz="2800"/>
-              </a:pPr>
-            </a:p>
-            <a:p>
-              <a:pPr>
-                <a:defRPr sz="2800"/>
-              </a:pPr>
-              <a:r>
-                <a:t>Ossus volupicabore et iminciae nitati diaeculpa cumquo omnihil et, occulpa venient ab ilibusam volectes vellic tori sitiusam inciis net voluptatiis auditius dem venimus.</a:t>
-              </a:r>
-            </a:p>
-          </p:txBody>
-        </p:sp>
-      </p:grpSp>
-      <p:grpSp>
-        <p:nvGrpSpPr>
-          <p:cNvPr id="101" name="TextBox 7"/>
-          <p:cNvGrpSpPr/>
-          <p:nvPr/>
-        </p:nvGrpSpPr>
-        <p:grpSpPr>
-          <a:xfrm>
-            <a:off x="22370995" y="5923719"/>
-            <a:ext cx="10058401" cy="10287001"/>
-            <a:chOff x="0" y="0"/>
-            <a:chExt cx="10058400" cy="10287000"/>
-          </a:xfrm>
-        </p:grpSpPr>
-        <p:sp>
-          <p:nvSpPr>
-            <p:cNvPr id="99" name="Rectangle"/>
-            <p:cNvSpPr/>
-            <p:nvPr/>
-          </p:nvSpPr>
-          <p:spPr>
-            <a:xfrm>
-              <a:off x="0" y="0"/>
-              <a:ext cx="10058400" cy="10287000"/>
-            </a:xfrm>
-            <a:prstGeom prst="rect">
-              <a:avLst/>
-            </a:prstGeom>
-            <a:solidFill>
-              <a:srgbClr val="FFFFFF"/>
-            </a:solidFill>
-            <a:ln w="12700" cap="flat">
-              <a:noFill/>
-              <a:miter lim="400000"/>
-            </a:ln>
-            <a:effectLst/>
-          </p:spPr>
-          <p:txBody>
-            <a:bodyPr wrap="square" lIns="45719" tIns="45719" rIns="45719" bIns="45719" numCol="1" anchor="t">
-              <a:noAutofit/>
-            </a:bodyPr>
-            <a:lstStyle/>
-            <a:p>
-              <a:pPr/>
-            </a:p>
-          </p:txBody>
-        </p:sp>
-        <p:sp>
-          <p:nvSpPr>
-            <p:cNvPr id="100" name="Results…"/>
-            <p:cNvSpPr txBox="1"/>
-            <p:nvPr/>
-          </p:nvSpPr>
-          <p:spPr>
-            <a:xfrm>
-              <a:off x="45719" y="0"/>
-              <a:ext cx="9966961" cy="9794240"/>
-            </a:xfrm>
-            <a:prstGeom prst="rect">
-              <a:avLst/>
-            </a:prstGeom>
-            <a:noFill/>
-            <a:ln w="12700" cap="flat">
-              <a:noFill/>
-              <a:miter lim="400000"/>
-            </a:ln>
-            <a:effectLst/>
-            <a:extLst>
-              <a:ext uri="{C572A759-6A51-4108-AA02-DFA0A04FC94B}">
-                <ma14:wrappingTextBoxFlag xmlns:ma14="http://schemas.microsoft.com/office/mac/drawingml/2011/main" val="1"/>
-              </a:ext>
-            </a:extLst>
-          </p:spPr>
-          <p:txBody>
-            <a:bodyPr wrap="square" lIns="45719" tIns="45719" rIns="45719" bIns="45719" numCol="1" anchor="t">
-              <a:spAutoFit/>
-            </a:bodyPr>
-            <a:lstStyle/>
-            <a:p>
-              <a:pPr>
-                <a:defRPr b="1" sz="4200"/>
-              </a:pPr>
-              <a:r>
-                <a:t>Results </a:t>
-              </a:r>
-            </a:p>
-            <a:p>
-              <a:pPr>
-                <a:lnSpc>
-                  <a:spcPct val="150000"/>
-                </a:lnSpc>
-                <a:defRPr b="1" sz="2800"/>
-              </a:pPr>
-              <a:r>
-                <a:t>Subheader</a:t>
-              </a:r>
-            </a:p>
-            <a:p>
-              <a:pPr>
-                <a:defRPr sz="2800"/>
-              </a:pPr>
-              <a:r>
-                <a:t>Content goes here: Totat ullaborernam harci cus, cuscidendit lat et as eum explit apicaboria am que vendent inullup tatur? Quia voluptat ut prae. Qui blatibu saecture, ut volor as a audae es elenti quis qui tessum faccuptatet odignisim eatur, sincia nusdantent estem haruntiatint idit rem ulpa et exped que provitatatur seque pro idi nos quid quo vent.</a:t>
-              </a:r>
-            </a:p>
-            <a:p>
-              <a:pPr>
-                <a:defRPr sz="2800"/>
-              </a:pPr>
-            </a:p>
-            <a:p>
-              <a:pPr>
-                <a:defRPr sz="2800"/>
-              </a:pPr>
-              <a:r>
-                <a:t>Suggested format for numbered list:</a:t>
-              </a:r>
-            </a:p>
-            <a:p>
-              <a:pPr marL="514350" indent="-514350">
-                <a:lnSpc>
-                  <a:spcPct val="150000"/>
-                </a:lnSpc>
-                <a:buSzPct val="100000"/>
-                <a:buAutoNum type="arabicPeriod" startAt="1"/>
-                <a:defRPr sz="2800"/>
-              </a:pPr>
-              <a:r>
-                <a:t>Ossus volupicabore et iminciae nitati</a:t>
-              </a:r>
-            </a:p>
-            <a:p>
-              <a:pPr marL="514350" indent="-514350">
-                <a:lnSpc>
-                  <a:spcPct val="150000"/>
-                </a:lnSpc>
-                <a:buSzPct val="100000"/>
-                <a:buAutoNum type="arabicPeriod" startAt="1"/>
-                <a:defRPr sz="2800"/>
-              </a:pPr>
-              <a:r>
-                <a:t>Omnihil et, occulpa venient ab ilibusam volectes</a:t>
-              </a:r>
-            </a:p>
-            <a:p>
-              <a:pPr marL="514350" indent="-514350">
-                <a:lnSpc>
-                  <a:spcPct val="150000"/>
-                </a:lnSpc>
-                <a:buSzPct val="100000"/>
-                <a:buAutoNum type="arabicPeriod" startAt="1"/>
-                <a:defRPr sz="2800"/>
-              </a:pPr>
-              <a:r>
-                <a:t>Tori sitius inciis net voluptatiis </a:t>
-              </a:r>
-            </a:p>
-            <a:p>
-              <a:pPr marL="514350" indent="-514350">
-                <a:lnSpc>
-                  <a:spcPct val="150000"/>
-                </a:lnSpc>
-                <a:buSzPct val="100000"/>
-                <a:buAutoNum type="arabicPeriod" startAt="1"/>
-                <a:defRPr sz="2800"/>
-              </a:pPr>
-              <a:r>
-                <a:t>Auditius dem venimus </a:t>
-              </a:r>
-            </a:p>
-            <a:p>
-              <a:pPr marL="514350" indent="-514350">
-                <a:lnSpc>
-                  <a:spcPct val="150000"/>
-                </a:lnSpc>
-                <a:buSzPct val="100000"/>
-                <a:buAutoNum type="arabicPeriod" startAt="1"/>
-                <a:defRPr sz="2800"/>
-              </a:pPr>
-              <a:r>
-                <a:t>Ium eatius dolupta</a:t>
-              </a:r>
-            </a:p>
-            <a:p>
-              <a:pPr>
-                <a:defRPr sz="2800"/>
-              </a:pPr>
-            </a:p>
-            <a:p>
-              <a:pPr>
-                <a:defRPr sz="2800"/>
-              </a:pPr>
-              <a:r>
-                <a:t>Ossus volupicabore et iminciae nitati diaeculpa cumquo omnihil et, occulpa venient ab ilibusam volectes vellic tori sitiusam inciis net voluptatiis auditius dem venimus.</a:t>
-              </a:r>
-            </a:p>
-          </p:txBody>
-        </p:sp>
-      </p:grpSp>
-      <p:grpSp>
-        <p:nvGrpSpPr>
-          <p:cNvPr id="104" name="TextBox 8"/>
-          <p:cNvGrpSpPr/>
-          <p:nvPr/>
-        </p:nvGrpSpPr>
-        <p:grpSpPr>
-          <a:xfrm>
-            <a:off x="33355722" y="5923719"/>
-            <a:ext cx="9144001" cy="12344401"/>
-            <a:chOff x="0" y="0"/>
-            <a:chExt cx="9144000" cy="12344400"/>
-          </a:xfrm>
-        </p:grpSpPr>
-        <p:sp>
-          <p:nvSpPr>
-            <p:cNvPr id="102" name="Rectangle"/>
-            <p:cNvSpPr/>
-            <p:nvPr/>
-          </p:nvSpPr>
-          <p:spPr>
-            <a:xfrm>
-              <a:off x="0" y="0"/>
-              <a:ext cx="9144000" cy="12344400"/>
-            </a:xfrm>
-            <a:prstGeom prst="rect">
-              <a:avLst/>
-            </a:prstGeom>
-            <a:solidFill>
-              <a:srgbClr val="FFFFFF"/>
-            </a:solidFill>
-            <a:ln w="12700" cap="flat">
-              <a:noFill/>
-              <a:miter lim="400000"/>
-            </a:ln>
-            <a:effectLst/>
-          </p:spPr>
-          <p:txBody>
-            <a:bodyPr wrap="square" lIns="45719" tIns="45719" rIns="45719" bIns="45719" numCol="1" anchor="t">
-              <a:noAutofit/>
-            </a:bodyPr>
-            <a:lstStyle/>
-            <a:p>
-              <a:pPr/>
-            </a:p>
-          </p:txBody>
-        </p:sp>
-        <p:sp>
-          <p:nvSpPr>
-            <p:cNvPr id="103" name="Findings…"/>
-            <p:cNvSpPr txBox="1"/>
-            <p:nvPr/>
-          </p:nvSpPr>
-          <p:spPr>
-            <a:xfrm>
-              <a:off x="45719" y="0"/>
-              <a:ext cx="9052561" cy="10657840"/>
-            </a:xfrm>
-            <a:prstGeom prst="rect">
-              <a:avLst/>
-            </a:prstGeom>
-            <a:noFill/>
-            <a:ln w="12700" cap="flat">
-              <a:noFill/>
-              <a:miter lim="400000"/>
-            </a:ln>
-            <a:effectLst/>
-            <a:extLst>
-              <a:ext uri="{C572A759-6A51-4108-AA02-DFA0A04FC94B}">
-                <ma14:wrappingTextBoxFlag xmlns:ma14="http://schemas.microsoft.com/office/mac/drawingml/2011/main" val="1"/>
-              </a:ext>
-            </a:extLst>
-          </p:spPr>
-          <p:txBody>
-            <a:bodyPr wrap="square" lIns="45719" tIns="45719" rIns="45719" bIns="45719" numCol="1" anchor="t">
-              <a:spAutoFit/>
-            </a:bodyPr>
-            <a:lstStyle/>
-            <a:p>
-              <a:pPr>
-                <a:defRPr b="1" sz="4200"/>
-              </a:pPr>
-              <a:r>
-                <a:t>Findings</a:t>
-              </a:r>
-            </a:p>
-            <a:p>
-              <a:pPr>
-                <a:lnSpc>
-                  <a:spcPct val="150000"/>
-                </a:lnSpc>
-                <a:defRPr b="1" sz="2800"/>
-              </a:pPr>
-              <a:r>
-                <a:t>Subheader</a:t>
-              </a:r>
-            </a:p>
-            <a:p>
-              <a:pPr>
-                <a:defRPr sz="2800"/>
-              </a:pPr>
-              <a:r>
-                <a:t>Content goes here: Totat ullaborernam harci cus, cuscidendit lat et as eum explit apicaboria am que vendent inullup tatur? Quia voluptat ut prae. Qui blatibu saecture, ut volor as a audae es elenti quis qui tessum faccuptatet odignisim eatur, sincia nusdantent estem haruntiatint idit rem ulpa et exped que provitatatur seque pro idi nos quid quo vent.</a:t>
-              </a:r>
-            </a:p>
-            <a:p>
-              <a:pPr>
-                <a:defRPr sz="2800"/>
-              </a:pPr>
-            </a:p>
-            <a:p>
-              <a:pPr>
-                <a:defRPr sz="2800"/>
-              </a:pPr>
-              <a:r>
-                <a:t>Ossus volupicabore et iminciae nitati diaeculpa cumquo omnihil et, occulpa venient ab ilibusam volectes vellic tori sitius inciis net voluptatiis auditius dem venimus, ium eatius dolupta</a:t>
-              </a:r>
-            </a:p>
-            <a:p>
-              <a:pPr>
-                <a:defRPr sz="2800"/>
-              </a:pPr>
-            </a:p>
-            <a:p>
-              <a:pPr>
-                <a:lnSpc>
-                  <a:spcPct val="150000"/>
-                </a:lnSpc>
-                <a:defRPr b="1" sz="2800"/>
-              </a:pPr>
-              <a:r>
-                <a:t>Subheader</a:t>
-              </a:r>
-            </a:p>
-            <a:p>
-              <a:pPr>
-                <a:defRPr sz="2800"/>
-              </a:pPr>
-              <a:r>
-                <a:t>Ossus volupicabore et iminciae nitati diaeculpa cumquo omnihil et, occulpa venient ab ilibusam volectes vellic tori sitiusam inciis net voluptatiis auditius dem venimus, ium eatius dolupta tatumquae num eos im fugitis ipienimet estisit, que con nonsequi culluptia as dis consequatem qui aliqui doluptatum est, od quo blab ilias eum exeres delitem qui ipiti omnisquam harchic empere.</a:t>
-              </a:r>
-            </a:p>
-          </p:txBody>
-        </p:sp>
-      </p:grpSp>
-      <p:grpSp>
-        <p:nvGrpSpPr>
-          <p:cNvPr id="107" name="TextBox 9"/>
-          <p:cNvGrpSpPr/>
-          <p:nvPr/>
-        </p:nvGrpSpPr>
-        <p:grpSpPr>
-          <a:xfrm>
-            <a:off x="33355722" y="18812405"/>
-            <a:ext cx="9144001" cy="4114801"/>
-            <a:chOff x="0" y="0"/>
-            <a:chExt cx="9144000" cy="4114800"/>
-          </a:xfrm>
-        </p:grpSpPr>
-        <p:sp>
-          <p:nvSpPr>
-            <p:cNvPr id="105" name="Rectangle"/>
-            <p:cNvSpPr/>
-            <p:nvPr/>
-          </p:nvSpPr>
-          <p:spPr>
-            <a:xfrm>
-              <a:off x="0" y="0"/>
-              <a:ext cx="9144000" cy="4114800"/>
-            </a:xfrm>
-            <a:prstGeom prst="rect">
-              <a:avLst/>
-            </a:prstGeom>
-            <a:solidFill>
-              <a:srgbClr val="FFFFFF"/>
-            </a:solidFill>
-            <a:ln w="12700" cap="flat">
-              <a:noFill/>
-              <a:miter lim="400000"/>
-            </a:ln>
-            <a:effectLst/>
-          </p:spPr>
-          <p:txBody>
-            <a:bodyPr wrap="square" lIns="45719" tIns="45719" rIns="45719" bIns="45719" numCol="1" anchor="t">
-              <a:noAutofit/>
-            </a:bodyPr>
-            <a:lstStyle/>
-            <a:p>
-              <a:pPr/>
-            </a:p>
-          </p:txBody>
-        </p:sp>
-        <p:sp>
-          <p:nvSpPr>
-            <p:cNvPr id="106" name="Implications…"/>
-            <p:cNvSpPr txBox="1"/>
-            <p:nvPr/>
-          </p:nvSpPr>
-          <p:spPr>
-            <a:xfrm>
-              <a:off x="45719" y="0"/>
-              <a:ext cx="9052561" cy="3749040"/>
-            </a:xfrm>
-            <a:prstGeom prst="rect">
-              <a:avLst/>
-            </a:prstGeom>
-            <a:noFill/>
-            <a:ln w="12700" cap="flat">
-              <a:noFill/>
-              <a:miter lim="400000"/>
-            </a:ln>
-            <a:effectLst/>
-            <a:extLst>
-              <a:ext uri="{C572A759-6A51-4108-AA02-DFA0A04FC94B}">
-                <ma14:wrappingTextBoxFlag xmlns:ma14="http://schemas.microsoft.com/office/mac/drawingml/2011/main" val="1"/>
-              </a:ext>
-            </a:extLst>
-          </p:spPr>
-          <p:txBody>
-            <a:bodyPr wrap="square" lIns="45719" tIns="45719" rIns="45719" bIns="45719" numCol="1" anchor="t">
-              <a:spAutoFit/>
-            </a:bodyPr>
-            <a:lstStyle/>
-            <a:p>
-              <a:pPr>
-                <a:defRPr b="1" sz="4200"/>
-              </a:pPr>
-              <a:r>
-                <a:t>Implications </a:t>
-              </a:r>
-            </a:p>
-            <a:p>
-              <a:pPr>
-                <a:defRPr sz="2800"/>
-              </a:pPr>
-              <a:r>
-                <a:t>Content goes here: Totat ullaborernam harci cus, cuscidendit lat et as eum explit apicaboria am que vendent inullup tatur? Quia voluptat ut prae. Qui blatibu saecture, ut volor as a audae es elenti quis qui tessum faccuptatet odignisim eatur, sincia nusdantent estem haruntiatint idit rem ulpa et exped que provitatatur seque pro idi nos quid quo vent.</a:t>
-              </a:r>
-            </a:p>
-          </p:txBody>
-        </p:sp>
-      </p:grpSp>
-      <p:grpSp>
-        <p:nvGrpSpPr>
-          <p:cNvPr id="110" name="TextBox 10"/>
-          <p:cNvGrpSpPr/>
-          <p:nvPr/>
-        </p:nvGrpSpPr>
-        <p:grpSpPr>
-          <a:xfrm>
-            <a:off x="33355722" y="23471489"/>
-            <a:ext cx="9144001" cy="4114801"/>
-            <a:chOff x="0" y="0"/>
-            <a:chExt cx="9144000" cy="4114800"/>
+            <a:chExt cx="9144000" cy="14855222"/>
           </a:xfrm>
         </p:grpSpPr>
         <p:sp>
@@ -4702,8 +5282,8 @@
           </p:nvSpPr>
           <p:spPr>
             <a:xfrm>
-              <a:off x="0" y="0"/>
-              <a:ext cx="9144000" cy="4114800"/>
+              <a:off x="0" y="-1"/>
+              <a:ext cx="9144001" cy="7577291"/>
             </a:xfrm>
             <a:prstGeom prst="rect">
               <a:avLst/>
@@ -4718,25 +5298,32 @@
             <a:effectLst/>
           </p:spPr>
           <p:txBody>
-            <a:bodyPr wrap="square" lIns="45719" tIns="45719" rIns="45719" bIns="45719" numCol="1" anchor="t">
+            <a:bodyPr wrap="square" lIns="45718" tIns="45718" rIns="45718" bIns="45718" numCol="1" anchor="t">
               <a:noAutofit/>
             </a:bodyPr>
             <a:lstStyle/>
             <a:p>
-              <a:pPr/>
+              <a:pPr>
+                <a:defRPr>
+                  <a:latin typeface="Aptos"/>
+                  <a:ea typeface="Aptos"/>
+                  <a:cs typeface="Aptos"/>
+                  <a:sym typeface="Aptos"/>
+                </a:defRPr>
+              </a:pPr>
             </a:p>
           </p:txBody>
         </p:sp>
         <p:sp>
           <p:nvSpPr>
-            <p:cNvPr id="109" name="Reference/Data Cite…"/>
+            <p:cNvPr id="109" name="Implications…"/>
             <p:cNvSpPr txBox="1"/>
             <p:nvPr/>
           </p:nvSpPr>
           <p:spPr>
             <a:xfrm>
-              <a:off x="45719" y="0"/>
-              <a:ext cx="9052561" cy="2453640"/>
+              <a:off x="45718" y="0"/>
+              <a:ext cx="9052563" cy="14855222"/>
             </a:xfrm>
             <a:prstGeom prst="rect">
               <a:avLst/>
@@ -4754,13 +5341,194 @@
             </a:extLst>
           </p:spPr>
           <p:txBody>
-            <a:bodyPr wrap="square" lIns="45719" tIns="45719" rIns="45719" bIns="45719" numCol="1" anchor="t">
-              <a:spAutoFit/>
+            <a:bodyPr wrap="square" lIns="45718" tIns="45718" rIns="45718" bIns="45718" numCol="1" anchor="t">
+              <a:noAutofit/>
             </a:bodyPr>
             <a:lstStyle/>
             <a:p>
               <a:pPr>
-                <a:defRPr b="1" sz="4200"/>
+                <a:defRPr b="1" sz="4200">
+                  <a:latin typeface="Aptos"/>
+                  <a:ea typeface="Aptos"/>
+                  <a:cs typeface="Aptos"/>
+                  <a:sym typeface="Aptos"/>
+                </a:defRPr>
+              </a:pPr>
+              <a:r>
+                <a:t>Implications </a:t>
+              </a:r>
+            </a:p>
+            <a:p>
+              <a:pPr marL="280736" indent="-280736">
+                <a:buSzPct val="100000"/>
+                <a:buChar char="•"/>
+                <a:defRPr sz="2800">
+                  <a:latin typeface="Aptos"/>
+                  <a:ea typeface="Aptos"/>
+                  <a:cs typeface="Aptos"/>
+                  <a:sym typeface="Aptos"/>
+                </a:defRPr>
+              </a:pPr>
+              <a:r>
+                <a:t>Targeted recruitment in Tier 1 counties could significantly increase TXST enrollment, with potential growth of over 11,000 students if market share improves.</a:t>
+              </a:r>
+            </a:p>
+            <a:p>
+              <a:pPr marL="280736" indent="-280736">
+                <a:buSzPct val="100000"/>
+                <a:buChar char="•"/>
+                <a:defRPr sz="2800">
+                  <a:latin typeface="Aptos"/>
+                  <a:ea typeface="Aptos"/>
+                  <a:cs typeface="Aptos"/>
+                  <a:sym typeface="Aptos"/>
+                </a:defRPr>
+              </a:pPr>
+              <a:r>
+                <a:t>Expanding outreach in high-readiness counties may improve academic profile and incoming student preparedness.</a:t>
+              </a:r>
+            </a:p>
+            <a:p>
+              <a:pPr marL="280736" indent="-280736">
+                <a:buSzPct val="100000"/>
+                <a:buChar char="•"/>
+                <a:defRPr sz="2800">
+                  <a:latin typeface="Aptos"/>
+                  <a:ea typeface="Aptos"/>
+                  <a:cs typeface="Aptos"/>
+                  <a:sym typeface="Aptos"/>
+                </a:defRPr>
+              </a:pPr>
+              <a:r>
+                <a:t>Increased presence in large suburban counties (e.g., Collin, Denton) could strengthen TXST’s competitiveness against dominant institutions.</a:t>
+              </a:r>
+            </a:p>
+            <a:p>
+              <a:pPr marL="280736" indent="-280736">
+                <a:buSzPct val="100000"/>
+                <a:buChar char="•"/>
+                <a:defRPr sz="2800">
+                  <a:latin typeface="Aptos"/>
+                  <a:ea typeface="Aptos"/>
+                  <a:cs typeface="Aptos"/>
+                  <a:sym typeface="Aptos"/>
+                </a:defRPr>
+              </a:pPr>
+              <a:r>
+                <a:t>Data-driven geographic targeting allows recruitment resources to be focused on high-impact regions rather than evenly distributed statewide.</a:t>
+              </a:r>
+            </a:p>
+            <a:p>
+              <a:pPr marL="280736" indent="-280736">
+                <a:buSzPct val="100000"/>
+                <a:buChar char="•"/>
+                <a:defRPr sz="2800">
+                  <a:latin typeface="Aptos"/>
+                  <a:ea typeface="Aptos"/>
+                  <a:cs typeface="Aptos"/>
+                  <a:sym typeface="Aptos"/>
+                </a:defRPr>
+              </a:pPr>
+              <a:r>
+                <a:t>Strengthening pipelines in underrepresented but high-performing counties may support long-term enrollment growth and institutional visibility.</a:t>
+              </a:r>
+            </a:p>
+          </p:txBody>
+        </p:sp>
+      </p:grpSp>
+      <p:grpSp>
+        <p:nvGrpSpPr>
+          <p:cNvPr id="113" name="TextBox 10"/>
+          <p:cNvGrpSpPr/>
+          <p:nvPr/>
+        </p:nvGrpSpPr>
+        <p:grpSpPr>
+          <a:xfrm>
+            <a:off x="33881994" y="24218558"/>
+            <a:ext cx="9593470" cy="4317063"/>
+            <a:chOff x="0" y="0"/>
+            <a:chExt cx="9593468" cy="4317061"/>
+          </a:xfrm>
+        </p:grpSpPr>
+        <p:sp>
+          <p:nvSpPr>
+            <p:cNvPr id="111" name="Rectangle"/>
+            <p:cNvSpPr/>
+            <p:nvPr/>
+          </p:nvSpPr>
+          <p:spPr>
+            <a:xfrm>
+              <a:off x="0" y="-1"/>
+              <a:ext cx="9593469" cy="4317063"/>
+            </a:xfrm>
+            <a:prstGeom prst="rect">
+              <a:avLst/>
+            </a:prstGeom>
+            <a:solidFill>
+              <a:srgbClr val="FFFFFF"/>
+            </a:solidFill>
+            <a:ln w="12700" cap="flat">
+              <a:noFill/>
+              <a:miter lim="400000"/>
+            </a:ln>
+            <a:effectLst/>
+          </p:spPr>
+          <p:txBody>
+            <a:bodyPr wrap="square" lIns="45718" tIns="45718" rIns="45718" bIns="45718" numCol="1" anchor="t">
+              <a:noAutofit/>
+            </a:bodyPr>
+            <a:lstStyle/>
+            <a:p>
+              <a:pPr>
+                <a:defRPr>
+                  <a:latin typeface="Aptos"/>
+                  <a:ea typeface="Aptos"/>
+                  <a:cs typeface="Aptos"/>
+                  <a:sym typeface="Aptos"/>
+                </a:defRPr>
+              </a:pPr>
+            </a:p>
+          </p:txBody>
+        </p:sp>
+        <p:sp>
+          <p:nvSpPr>
+            <p:cNvPr id="112" name="Reference/Data Cite…"/>
+            <p:cNvSpPr txBox="1"/>
+            <p:nvPr/>
+          </p:nvSpPr>
+          <p:spPr>
+            <a:xfrm>
+              <a:off x="47965" y="-1"/>
+              <a:ext cx="9497537" cy="2574247"/>
+            </a:xfrm>
+            <a:prstGeom prst="rect">
+              <a:avLst/>
+            </a:prstGeom>
+            <a:noFill/>
+            <a:ln w="12700" cap="flat">
+              <a:noFill/>
+              <a:miter lim="400000"/>
+            </a:ln>
+            <a:effectLst/>
+            <a:extLst>
+              <a:ext uri="{C572A759-6A51-4108-AA02-DFA0A04FC94B}">
+                <ma14:wrappingTextBoxFlag xmlns:ma14="http://schemas.microsoft.com/office/mac/drawingml/2011/main" val="1"/>
+              </a:ext>
+            </a:extLst>
+          </p:spPr>
+          <p:txBody>
+            <a:bodyPr wrap="square" lIns="45718" tIns="45718" rIns="45718" bIns="45718" numCol="1" anchor="t">
+              <a:noAutofit/>
+            </a:bodyPr>
+            <a:lstStyle/>
+            <a:p>
+              <a:pPr>
+                <a:defRPr b="1" sz="4200">
+                  <a:latin typeface="Aptos"/>
+                  <a:ea typeface="Aptos"/>
+                  <a:cs typeface="Aptos"/>
+                  <a:sym typeface="Aptos"/>
+                </a:defRPr>
               </a:pPr>
               <a:r>
                 <a:t>Reference/Data Cite</a:t>
@@ -4768,7 +5536,12 @@
             </a:p>
             <a:p>
               <a:pPr>
-                <a:defRPr sz="2800"/>
+                <a:defRPr sz="2800">
+                  <a:latin typeface="Aptos"/>
+                  <a:ea typeface="Aptos"/>
+                  <a:cs typeface="Aptos"/>
+                  <a:sym typeface="Aptos"/>
+                </a:defRPr>
               </a:pPr>
               <a:r>
                 <a:t>Content goes here: Totat ullaborernam harci cus, cuscidendit lat et as eum explit apicaboria am que vendent inullup tatur? Quia voluptat ut prae. Qui blatibu saecture, ut volor as a audae es elenti quis. </a:t>
@@ -4779,7 +5552,7 @@
       </p:grpSp>
       <p:pic>
         <p:nvPicPr>
-          <p:cNvPr id="111" name="Screenshot 2026-02-10 at 12.34.27 AM.png" descr="Screenshot 2026-02-10 at 12.34.27 AM.png"/>
+          <p:cNvPr id="114" name="Screenshot 2026-02-10 at 12.34.27 AM.png" descr="Screenshot 2026-02-10 at 12.34.27 AM.png"/>
           <p:cNvPicPr>
             <a:picLocks noChangeAspect="1"/>
           </p:cNvPicPr>
@@ -4795,8 +5568,8 @@
         </p:blipFill>
         <p:spPr>
           <a:xfrm>
-            <a:off x="11039343" y="16415655"/>
-            <a:ext cx="6195225" cy="5592447"/>
+            <a:off x="23505182" y="27951493"/>
+            <a:ext cx="5417272" cy="4890187"/>
           </a:xfrm>
           <a:prstGeom prst="rect">
             <a:avLst/>
@@ -4808,7 +5581,7 @@
       </p:pic>
       <p:pic>
         <p:nvPicPr>
-          <p:cNvPr id="112" name="Screenshot 2026-02-10 at 1.01.38 PM.png" descr="Screenshot 2026-02-10 at 1.01.38 PM.png"/>
+          <p:cNvPr id="115" name="Screenshot 2026-02-10 at 1.01.38 PM.png" descr="Screenshot 2026-02-10 at 1.01.38 PM.png"/>
           <p:cNvPicPr>
             <a:picLocks noChangeAspect="1"/>
           </p:cNvPicPr>
@@ -4824,8 +5597,8 @@
         </p:blipFill>
         <p:spPr>
           <a:xfrm>
-            <a:off x="14460316" y="27409264"/>
-            <a:ext cx="7401517" cy="5265596"/>
+            <a:off x="11125908" y="27370915"/>
+            <a:ext cx="6970266" cy="4958796"/>
           </a:xfrm>
           <a:prstGeom prst="rect">
             <a:avLst/>
@@ -4837,7 +5610,7 @@
       </p:pic>
       <p:pic>
         <p:nvPicPr>
-          <p:cNvPr id="113" name="Screenshot 2026-02-10 at 12.56.03 PM.png" descr="Screenshot 2026-02-10 at 12.56.03 PM.png"/>
+          <p:cNvPr id="116" name="Screenshot 2026-02-10 at 12.56.03 PM.png" descr="Screenshot 2026-02-10 at 12.56.03 PM.png"/>
           <p:cNvPicPr>
             <a:picLocks noChangeAspect="1"/>
           </p:cNvPicPr>
@@ -4853,8 +5626,8 @@
         </p:blipFill>
         <p:spPr>
           <a:xfrm>
-            <a:off x="11061964" y="22444665"/>
-            <a:ext cx="6267685" cy="4686387"/>
+            <a:off x="11390681" y="19332842"/>
+            <a:ext cx="6198264" cy="4634482"/>
           </a:xfrm>
           <a:prstGeom prst="rect">
             <a:avLst/>
@@ -4866,7 +5639,7 @@
       </p:pic>
       <p:pic>
         <p:nvPicPr>
-          <p:cNvPr id="114" name="Screenshot 2026-02-10 at 1.23.27 PM.png" descr="Screenshot 2026-02-10 at 1.23.27 PM.png"/>
+          <p:cNvPr id="117" name="Screenshot 2026-02-10 at 10.44.56 PM.png" descr="Screenshot 2026-02-10 at 10.44.56 PM.png"/>
           <p:cNvPicPr>
             <a:picLocks noChangeAspect="1"/>
           </p:cNvPicPr>
@@ -4882,8 +5655,8 @@
         </p:blipFill>
         <p:spPr>
           <a:xfrm>
-            <a:off x="22028826" y="16595322"/>
-            <a:ext cx="10889989" cy="7883195"/>
+            <a:off x="19265096" y="19530811"/>
+            <a:ext cx="13897444" cy="8116657"/>
           </a:xfrm>
           <a:prstGeom prst="rect">
             <a:avLst/>
@@ -5093,19 +5866,19 @@
     <a:spDef>
       <a:spPr>
         <a:solidFill>
-          <a:srgbClr val="FFFFFF"/>
+          <a:srgbClr val="501214"/>
         </a:solidFill>
-        <a:ln w="12700" cap="flat">
+        <a:ln w="25400" cap="flat">
           <a:solidFill>
             <a:schemeClr val="accent1"/>
           </a:solidFill>
           <a:prstDash val="solid"/>
-          <a:miter lim="800000"/>
+          <a:round/>
         </a:ln>
         <a:effectLst/>
         <a:sp3d/>
       </a:spPr>
-      <a:bodyPr rot="0" spcFirstLastPara="1" vertOverflow="overflow" horzOverflow="overflow" vert="horz" wrap="square" lIns="45719" tIns="45719" rIns="45719" bIns="45719" numCol="1" spcCol="38100" rtlCol="0" anchor="ctr" upright="0">
+      <a:bodyPr rot="0" spcFirstLastPara="1" vertOverflow="overflow" horzOverflow="overflow" vert="horz" wrap="square" lIns="45718" tIns="45718" rIns="45718" bIns="45718" numCol="1" spcCol="38100" rtlCol="0" anchor="ctr" upright="0">
         <a:spAutoFit/>
       </a:bodyPr>
       <a:lstStyle>
@@ -5133,10 +5906,10 @@
             </a:solidFill>
             <a:effectLst/>
             <a:uFillTx/>
-            <a:latin typeface="Aptos"/>
-            <a:ea typeface="Aptos"/>
-            <a:cs typeface="Aptos"/>
-            <a:sym typeface="Aptos"/>
+            <a:latin typeface="+mn-lt"/>
+            <a:ea typeface="+mn-ea"/>
+            <a:cs typeface="+mn-cs"/>
+            <a:sym typeface="Calibri"/>
           </a:defRPr>
         </a:defPPr>
         <a:lvl1pPr marL="0" marR="0" indent="0" algn="l" defTabSz="914400" rtl="0" fontAlgn="auto" latinLnBrk="1" hangingPunct="0">
@@ -5384,12 +6157,12 @@
     <a:lnDef>
       <a:spPr>
         <a:noFill/>
-        <a:ln w="12700" cap="flat">
+        <a:ln w="25400" cap="flat">
           <a:solidFill>
             <a:schemeClr val="accent1"/>
           </a:solidFill>
           <a:prstDash val="solid"/>
-          <a:miter lim="800000"/>
+          <a:round/>
         </a:ln>
         <a:effectLst/>
         <a:sp3d/>
@@ -5676,7 +6449,7 @@
         <a:effectLst/>
         <a:sp3d/>
       </a:spPr>
-      <a:bodyPr rot="0" spcFirstLastPara="1" vertOverflow="overflow" horzOverflow="overflow" vert="horz" wrap="square" lIns="45719" tIns="45719" rIns="45719" bIns="45719" numCol="1" spcCol="38100" rtlCol="0" anchor="t" upright="0">
+      <a:bodyPr rot="0" spcFirstLastPara="1" vertOverflow="overflow" horzOverflow="overflow" vert="horz" wrap="square" lIns="45718" tIns="45718" rIns="45718" bIns="45718" numCol="1" spcCol="38100" rtlCol="0" anchor="t" upright="0">
         <a:spAutoFit/>
       </a:bodyPr>
       <a:lstStyle>
@@ -5704,10 +6477,10 @@
             </a:solidFill>
             <a:effectLst/>
             <a:uFillTx/>
-            <a:latin typeface="Aptos"/>
-            <a:ea typeface="Aptos"/>
-            <a:cs typeface="Aptos"/>
-            <a:sym typeface="Aptos"/>
+            <a:latin typeface="+mn-lt"/>
+            <a:ea typeface="+mn-ea"/>
+            <a:cs typeface="+mn-cs"/>
+            <a:sym typeface="Calibri"/>
           </a:defRPr>
         </a:defPPr>
         <a:lvl1pPr marL="0" marR="0" indent="0" algn="l" defTabSz="914400" rtl="0" fontAlgn="auto" latinLnBrk="1" hangingPunct="0">
@@ -6147,19 +6920,19 @@
     <a:spDef>
       <a:spPr>
         <a:solidFill>
-          <a:srgbClr val="FFFFFF"/>
+          <a:srgbClr val="501214"/>
         </a:solidFill>
-        <a:ln w="12700" cap="flat">
+        <a:ln w="25400" cap="flat">
           <a:solidFill>
             <a:schemeClr val="accent1"/>
           </a:solidFill>
           <a:prstDash val="solid"/>
-          <a:miter lim="800000"/>
+          <a:round/>
         </a:ln>
         <a:effectLst/>
         <a:sp3d/>
       </a:spPr>
-      <a:bodyPr rot="0" spcFirstLastPara="1" vertOverflow="overflow" horzOverflow="overflow" vert="horz" wrap="square" lIns="45719" tIns="45719" rIns="45719" bIns="45719" numCol="1" spcCol="38100" rtlCol="0" anchor="ctr" upright="0">
+      <a:bodyPr rot="0" spcFirstLastPara="1" vertOverflow="overflow" horzOverflow="overflow" vert="horz" wrap="square" lIns="45718" tIns="45718" rIns="45718" bIns="45718" numCol="1" spcCol="38100" rtlCol="0" anchor="ctr" upright="0">
         <a:spAutoFit/>
       </a:bodyPr>
       <a:lstStyle>
@@ -6187,10 +6960,10 @@
             </a:solidFill>
             <a:effectLst/>
             <a:uFillTx/>
-            <a:latin typeface="Aptos"/>
-            <a:ea typeface="Aptos"/>
-            <a:cs typeface="Aptos"/>
-            <a:sym typeface="Aptos"/>
+            <a:latin typeface="+mn-lt"/>
+            <a:ea typeface="+mn-ea"/>
+            <a:cs typeface="+mn-cs"/>
+            <a:sym typeface="Calibri"/>
           </a:defRPr>
         </a:defPPr>
         <a:lvl1pPr marL="0" marR="0" indent="0" algn="l" defTabSz="914400" rtl="0" fontAlgn="auto" latinLnBrk="1" hangingPunct="0">
@@ -6438,12 +7211,12 @@
     <a:lnDef>
       <a:spPr>
         <a:noFill/>
-        <a:ln w="12700" cap="flat">
+        <a:ln w="25400" cap="flat">
           <a:solidFill>
             <a:schemeClr val="accent1"/>
           </a:solidFill>
           <a:prstDash val="solid"/>
-          <a:miter lim="800000"/>
+          <a:round/>
         </a:ln>
         <a:effectLst/>
         <a:sp3d/>
@@ -6730,7 +7503,7 @@
         <a:effectLst/>
         <a:sp3d/>
       </a:spPr>
-      <a:bodyPr rot="0" spcFirstLastPara="1" vertOverflow="overflow" horzOverflow="overflow" vert="horz" wrap="square" lIns="45719" tIns="45719" rIns="45719" bIns="45719" numCol="1" spcCol="38100" rtlCol="0" anchor="t" upright="0">
+      <a:bodyPr rot="0" spcFirstLastPara="1" vertOverflow="overflow" horzOverflow="overflow" vert="horz" wrap="square" lIns="45718" tIns="45718" rIns="45718" bIns="45718" numCol="1" spcCol="38100" rtlCol="0" anchor="t" upright="0">
         <a:spAutoFit/>
       </a:bodyPr>
       <a:lstStyle>
@@ -6758,10 +7531,10 @@
             </a:solidFill>
             <a:effectLst/>
             <a:uFillTx/>
-            <a:latin typeface="Aptos"/>
-            <a:ea typeface="Aptos"/>
-            <a:cs typeface="Aptos"/>
-            <a:sym typeface="Aptos"/>
+            <a:latin typeface="+mn-lt"/>
+            <a:ea typeface="+mn-ea"/>
+            <a:cs typeface="+mn-cs"/>
+            <a:sym typeface="Calibri"/>
           </a:defRPr>
         </a:defPPr>
         <a:lvl1pPr marL="0" marR="0" indent="0" algn="l" defTabSz="914400" rtl="0" fontAlgn="auto" latinLnBrk="1" hangingPunct="0">

--- a/poster/2025_Datathon_Poster.pptx
+++ b/poster/2025_Datathon_Poster.pptx
@@ -9,7 +9,6 @@
   </p:notesMasterIdLst>
   <p:sldIdLst>
     <p:sldId id="256" r:id="rId8"/>
-    <p:sldId id="257" r:id="rId9"/>
   </p:sldIdLst>
   <p:sldSz cx="43891200" cy="32918400"/>
   <p:notesSz cx="6858000" cy="9144000"/>
@@ -541,7 +540,7 @@
         <p:spPr>
           <a:xfrm>
             <a:off x="29220659" y="21247101"/>
-            <a:ext cx="3254829" cy="4114802"/>
+            <a:ext cx="3254829" cy="4114803"/>
           </a:xfrm>
           <a:prstGeom prst="rect">
             <a:avLst/>
@@ -569,8 +568,8 @@
         </p:nvSpPr>
         <p:spPr>
           <a:xfrm>
-            <a:off x="29228597" y="16800513"/>
-            <a:ext cx="3254829" cy="4114803"/>
+            <a:off x="29228597" y="16800512"/>
+            <a:ext cx="3254829" cy="4114804"/>
           </a:xfrm>
           <a:prstGeom prst="rect">
             <a:avLst/>
@@ -599,7 +598,7 @@
         <p:spPr>
           <a:xfrm>
             <a:off x="11415711" y="30191757"/>
-            <a:ext cx="10058401" cy="1812246"/>
+            <a:ext cx="10058401" cy="1812247"/>
           </a:xfrm>
           <a:prstGeom prst="rect">
             <a:avLst/>
@@ -628,7 +627,7 @@
         <p:spPr>
           <a:xfrm>
             <a:off x="11415713" y="21298582"/>
-            <a:ext cx="3254829" cy="4114802"/>
+            <a:ext cx="3254829" cy="4114803"/>
           </a:xfrm>
           <a:prstGeom prst="rect">
             <a:avLst/>
@@ -656,8 +655,8 @@
         </p:nvSpPr>
         <p:spPr>
           <a:xfrm>
-            <a:off x="18204316" y="16800513"/>
-            <a:ext cx="3254829" cy="4114803"/>
+            <a:off x="18204316" y="16800512"/>
+            <a:ext cx="3254829" cy="4114804"/>
           </a:xfrm>
           <a:prstGeom prst="rect">
             <a:avLst/>
@@ -686,7 +685,7 @@
         <p:spPr>
           <a:xfrm>
             <a:off x="914399" y="3546473"/>
-            <a:ext cx="42062401" cy="649924"/>
+            <a:ext cx="42062401" cy="649925"/>
           </a:xfrm>
           <a:prstGeom prst="rect">
             <a:avLst/>
@@ -835,8 +834,8 @@
         </p:nvSpPr>
         <p:spPr>
           <a:xfrm>
-            <a:off x="-1" y="5009320"/>
-            <a:ext cx="43891201" cy="1"/>
+            <a:off x="-2" y="5009319"/>
+            <a:ext cx="43891202" cy="2"/>
           </a:xfrm>
           <a:prstGeom prst="line">
             <a:avLst/>
@@ -875,7 +874,7 @@
         <p:spPr>
           <a:xfrm>
             <a:off x="33383329" y="28823446"/>
-            <a:ext cx="9144002" cy="2053734"/>
+            <a:ext cx="9144004" cy="2053735"/>
           </a:xfrm>
           <a:prstGeom prst="rect">
             <a:avLst/>
@@ -904,7 +903,7 @@
         <p:spPr>
           <a:xfrm>
             <a:off x="33383329" y="31367266"/>
-            <a:ext cx="9593470" cy="636736"/>
+            <a:ext cx="9593471" cy="636737"/>
           </a:xfrm>
           <a:prstGeom prst="rect">
             <a:avLst/>
@@ -972,7 +971,7 @@
         <p:spPr>
           <a:xfrm>
             <a:off x="-457202" y="4968754"/>
-            <a:ext cx="44805601" cy="365762"/>
+            <a:ext cx="44805601" cy="365763"/>
           </a:xfrm>
           <a:prstGeom prst="rect">
             <a:avLst/>
@@ -1041,7 +1040,7 @@
         <p:spPr>
           <a:xfrm>
             <a:off x="29220659" y="21247101"/>
-            <a:ext cx="3254829" cy="4114802"/>
+            <a:ext cx="3254829" cy="4114803"/>
           </a:xfrm>
           <a:prstGeom prst="rect">
             <a:avLst/>
@@ -1070,7 +1069,7 @@
         <p:spPr>
           <a:xfrm>
             <a:off x="29228597" y="16800514"/>
-            <a:ext cx="3254829" cy="4114802"/>
+            <a:ext cx="3254829" cy="4114803"/>
           </a:xfrm>
           <a:prstGeom prst="rect">
             <a:avLst/>
@@ -1099,7 +1098,7 @@
         <p:spPr>
           <a:xfrm>
             <a:off x="11415710" y="30191757"/>
-            <a:ext cx="10058402" cy="1812246"/>
+            <a:ext cx="10058403" cy="1812247"/>
           </a:xfrm>
           <a:prstGeom prst="rect">
             <a:avLst/>
@@ -1128,7 +1127,7 @@
         <p:spPr>
           <a:xfrm>
             <a:off x="11415713" y="21298582"/>
-            <a:ext cx="3254829" cy="4114802"/>
+            <a:ext cx="3254829" cy="4114803"/>
           </a:xfrm>
           <a:prstGeom prst="rect">
             <a:avLst/>
@@ -1157,7 +1156,7 @@
         <p:spPr>
           <a:xfrm>
             <a:off x="18204316" y="16800514"/>
-            <a:ext cx="3254829" cy="4114802"/>
+            <a:ext cx="3254829" cy="4114803"/>
           </a:xfrm>
           <a:prstGeom prst="rect">
             <a:avLst/>
@@ -1186,7 +1185,7 @@
         <p:spPr>
           <a:xfrm>
             <a:off x="914399" y="3546473"/>
-            <a:ext cx="42062401" cy="649924"/>
+            <a:ext cx="42062401" cy="649925"/>
           </a:xfrm>
           <a:prstGeom prst="rect">
             <a:avLst/>
@@ -1289,8 +1288,8 @@
         </p:nvSpPr>
         <p:spPr>
           <a:xfrm>
-            <a:off x="31181707" y="30375859"/>
-            <a:ext cx="273654" cy="269239"/>
+            <a:off x="31181708" y="30375859"/>
+            <a:ext cx="273653" cy="269237"/>
           </a:xfrm>
           <a:prstGeom prst="rect">
             <a:avLst/>
@@ -1347,7 +1346,7 @@
         <p:spPr>
           <a:xfrm>
             <a:off x="-1" y="5009319"/>
-            <a:ext cx="43891202" cy="2"/>
+            <a:ext cx="43891206" cy="3"/>
           </a:xfrm>
           <a:prstGeom prst="line">
             <a:avLst/>
@@ -1386,7 +1385,7 @@
         <p:spPr>
           <a:xfrm>
             <a:off x="33383329" y="28823446"/>
-            <a:ext cx="9144002" cy="2053734"/>
+            <a:ext cx="9144004" cy="2053735"/>
           </a:xfrm>
           <a:prstGeom prst="rect">
             <a:avLst/>
@@ -1415,7 +1414,7 @@
         <p:spPr>
           <a:xfrm>
             <a:off x="33383329" y="31367266"/>
-            <a:ext cx="9593470" cy="636736"/>
+            <a:ext cx="9593471" cy="636737"/>
           </a:xfrm>
           <a:prstGeom prst="rect">
             <a:avLst/>
@@ -1538,8 +1537,8 @@
         </p:nvSpPr>
         <p:spPr>
           <a:xfrm>
-            <a:off x="31181708" y="30375860"/>
-            <a:ext cx="273654" cy="269239"/>
+            <a:off x="31181711" y="30375862"/>
+            <a:ext cx="273653" cy="269237"/>
           </a:xfrm>
           <a:prstGeom prst="rect">
             <a:avLst/>
@@ -2308,37 +2307,16 @@
       </p:grpSpPr>
       <p:sp>
         <p:nvSpPr>
-          <p:cNvPr id="53" name="Text Placeholder 65"/>
+          <p:cNvPr id="53" name="Text Placeholder 53"/>
           <p:cNvSpPr txBox="1"/>
           <p:nvPr>
             <p:ph type="body" sz="quarter" idx="1"/>
           </p:nvPr>
         </p:nvSpPr>
         <p:spPr>
-          <a:prstGeom prst="rect">
-            <a:avLst/>
-          </a:prstGeom>
-        </p:spPr>
-        <p:txBody>
-          <a:bodyPr/>
-          <a:lstStyle/>
-          <a:p>
-            <a:pPr/>
-          </a:p>
-        </p:txBody>
-      </p:sp>
-      <p:sp>
-        <p:nvSpPr>
-          <p:cNvPr id="54" name="Text Placeholder 64"/>
-          <p:cNvSpPr/>
-          <p:nvPr>
-            <p:ph type="body" idx="21"/>
-          </p:nvPr>
-        </p:nvSpPr>
-        <p:spPr>
           <a:xfrm>
-            <a:off x="29220659" y="21247101"/>
-            <a:ext cx="3254829" cy="4114802"/>
+            <a:off x="195025" y="30276675"/>
+            <a:ext cx="10433495" cy="2328516"/>
           </a:xfrm>
           <a:prstGeom prst="rect">
             <a:avLst/>
@@ -2349,12 +2327,26 @@
           <a:lstStyle/>
           <a:p>
             <a:pPr/>
+            <a:r>
+              <a:t>Recruitment opportunity map, recruitment opportunity score based off of Opportunity_Score = (Market_Size_Score × 0.50) + (Growth_Potential × 0.30) + (Breakable_Market × 0.20)</a:t>
+            </a:r>
+            <a:br/>
+            <a:r>
+              <a:t>Market_Size_Score is the number of students that have graduated from that county from 2019-2024, Growth_Potential Gap between TXST's current share and a </a:t>
+            </a:r>
+            <a:r>
+              <a:rPr b="1"/>
+              <a:t>target share of 17%</a:t>
+            </a:r>
+            <a:r>
+              <a:t>, Breakable_Market is the total market percentage minus the dominant school, </a:t>
+            </a:r>
           </a:p>
         </p:txBody>
       </p:sp>
       <p:sp>
         <p:nvSpPr>
-          <p:cNvPr id="55" name="Text Placeholder 63"/>
+          <p:cNvPr id="54" name="Text Placeholder 34"/>
           <p:cNvSpPr/>
           <p:nvPr>
             <p:ph type="body" idx="22"/>
@@ -2362,108 +2354,8 @@
         </p:nvSpPr>
         <p:spPr>
           <a:xfrm>
-            <a:off x="29228597" y="16800514"/>
-            <a:ext cx="3254829" cy="4114802"/>
-          </a:xfrm>
-          <a:prstGeom prst="rect">
-            <a:avLst/>
-          </a:prstGeom>
-        </p:spPr>
-        <p:txBody>
-          <a:bodyPr/>
-          <a:lstStyle/>
-          <a:p>
-            <a:pPr/>
-          </a:p>
-        </p:txBody>
-      </p:sp>
-      <p:sp>
-        <p:nvSpPr>
-          <p:cNvPr id="56" name="Text Placeholder 62"/>
-          <p:cNvSpPr/>
-          <p:nvPr>
-            <p:ph type="body" idx="23"/>
-          </p:nvPr>
-        </p:nvSpPr>
-        <p:spPr>
-          <a:xfrm>
-            <a:off x="11415710" y="30191757"/>
-            <a:ext cx="10058402" cy="1812246"/>
-          </a:xfrm>
-          <a:prstGeom prst="rect">
-            <a:avLst/>
-          </a:prstGeom>
-        </p:spPr>
-        <p:txBody>
-          <a:bodyPr/>
-          <a:lstStyle/>
-          <a:p>
-            <a:pPr/>
-          </a:p>
-        </p:txBody>
-      </p:sp>
-      <p:sp>
-        <p:nvSpPr>
-          <p:cNvPr id="57" name="Text Placeholder 61"/>
-          <p:cNvSpPr/>
-          <p:nvPr>
-            <p:ph type="body" idx="24"/>
-          </p:nvPr>
-        </p:nvSpPr>
-        <p:spPr>
-          <a:xfrm>
-            <a:off x="11415713" y="21298582"/>
-            <a:ext cx="3254829" cy="4114802"/>
-          </a:xfrm>
-          <a:prstGeom prst="rect">
-            <a:avLst/>
-          </a:prstGeom>
-        </p:spPr>
-        <p:txBody>
-          <a:bodyPr/>
-          <a:lstStyle/>
-          <a:p>
-            <a:pPr/>
-          </a:p>
-        </p:txBody>
-      </p:sp>
-      <p:sp>
-        <p:nvSpPr>
-          <p:cNvPr id="58" name="Text Placeholder 60"/>
-          <p:cNvSpPr/>
-          <p:nvPr>
-            <p:ph type="body" idx="25"/>
-          </p:nvPr>
-        </p:nvSpPr>
-        <p:spPr>
-          <a:xfrm>
-            <a:off x="18204316" y="16800514"/>
-            <a:ext cx="3254829" cy="4114802"/>
-          </a:xfrm>
-          <a:prstGeom prst="rect">
-            <a:avLst/>
-          </a:prstGeom>
-        </p:spPr>
-        <p:txBody>
-          <a:bodyPr/>
-          <a:lstStyle/>
-          <a:p>
-            <a:pPr/>
-          </a:p>
-        </p:txBody>
-      </p:sp>
-      <p:sp>
-        <p:nvSpPr>
-          <p:cNvPr id="59" name="Text Placeholder 59"/>
-          <p:cNvSpPr/>
-          <p:nvPr>
-            <p:ph type="body" idx="26"/>
-          </p:nvPr>
-        </p:nvSpPr>
-        <p:spPr>
-          <a:xfrm>
-            <a:off x="914399" y="3546473"/>
-            <a:ext cx="42062401" cy="649924"/>
+            <a:off x="19146235" y="28150818"/>
+            <a:ext cx="3254830" cy="4114803"/>
           </a:xfrm>
           <a:prstGeom prst="rect">
             <a:avLst/>
@@ -2480,23 +2372,63 @@
           <a:p>
             <a:pPr/>
             <a:r>
-              <a:t>Department of {Insert Name Here}, College {Insert Name Here}, Texas State University</a:t>
+              <a:t>SAT/ACT Test Participation Rates by County - Percentage of graduates taking college entrance exams. Blue counties show high college-going culture; red counties indicate lower test-taking engagement. Hover view shows college readiness metrics.</a:t>
             </a:r>
           </a:p>
         </p:txBody>
       </p:sp>
       <p:sp>
         <p:nvSpPr>
-          <p:cNvPr id="60" name="Text Placeholder 58"/>
+          <p:cNvPr id="55" name="Text Placeholder 33"/>
           <p:cNvSpPr/>
           <p:nvPr>
-            <p:ph type="body" idx="27"/>
+            <p:ph type="body" idx="23"/>
           </p:nvPr>
         </p:nvSpPr>
         <p:spPr>
           <a:xfrm>
-            <a:off x="914399" y="2537430"/>
-            <a:ext cx="42062401" cy="928716"/>
+            <a:off x="23984207" y="17285749"/>
+            <a:ext cx="9144003" cy="1741711"/>
+          </a:xfrm>
+          <a:prstGeom prst="rect">
+            <a:avLst/>
+          </a:prstGeom>
+          <a:extLst>
+            <a:ext uri="{C572A759-6A51-4108-AA02-DFA0A04FC94B}">
+              <ma14:wrappingTextBoxFlag xmlns:ma14="http://schemas.microsoft.com/office/mac/drawingml/2011/main" val="1"/>
+            </a:ext>
+          </a:extLst>
+        </p:spPr>
+        <p:txBody>
+          <a:bodyPr/>
+          <a:lstStyle>
+            <a:lvl1pPr algn="ctr" defTabSz="4081881">
+              <a:spcBef>
+                <a:spcPts val="1600"/>
+              </a:spcBef>
+              <a:defRPr sz="1900"/>
+            </a:lvl1pPr>
+          </a:lstStyle>
+          <a:p>
+            <a:pPr/>
+            <a:r>
+              <a:t>Counties classified into recruitment priority tiers based on a composite opportunity score combining academic performance (College Readiness and TSI Ready rates), market size (total graduates), current TXST market share, and test participation rates. Tier 1 (Gold) = highest priority targets with strong academics, large markets, and low TXST presence. Lower tiers indicate smaller markets or areas where TXST already has strong enrollment.</a:t>
+            </a:r>
+          </a:p>
+        </p:txBody>
+      </p:sp>
+      <p:sp>
+        <p:nvSpPr>
+          <p:cNvPr id="56" name="Text Placeholder 32"/>
+          <p:cNvSpPr/>
+          <p:nvPr>
+            <p:ph type="body" idx="24"/>
+          </p:nvPr>
+        </p:nvSpPr>
+        <p:spPr>
+          <a:xfrm>
+            <a:off x="30026570" y="28150818"/>
+            <a:ext cx="3254829" cy="4114803"/>
           </a:xfrm>
           <a:prstGeom prst="rect">
             <a:avLst/>
@@ -2513,1468 +2445,23 @@
           <a:p>
             <a:pPr/>
             <a:r>
-              <a:t>Presenter Name, Associates and Collaborators</a:t>
+              <a:t>Texas County Dominance by University" Shows which university enrolls the most graduates from each county. Colors represent different institutions and reveal geographic recruitment territories across Texas.</a:t>
             </a:r>
           </a:p>
         </p:txBody>
       </p:sp>
       <p:sp>
         <p:nvSpPr>
-          <p:cNvPr id="61" name="Title 23"/>
-          <p:cNvSpPr txBox="1"/>
+          <p:cNvPr id="57" name="Text Placeholder 31"/>
+          <p:cNvSpPr/>
           <p:nvPr>
-            <p:ph type="title"/>
+            <p:ph type="body" idx="25"/>
           </p:nvPr>
         </p:nvSpPr>
         <p:spPr>
           <a:xfrm>
-            <a:off x="914400" y="914400"/>
-            <a:ext cx="42062400" cy="1741710"/>
-          </a:xfrm>
-          <a:prstGeom prst="rect">
-            <a:avLst/>
-          </a:prstGeom>
-        </p:spPr>
-        <p:txBody>
-          <a:bodyPr/>
-          <a:lstStyle/>
-          <a:p>
-            <a:pPr/>
-            <a:r>
-              <a:t>Exceedingly Intelligent Analysis Poster Appellation</a:t>
-            </a:r>
-          </a:p>
-        </p:txBody>
-      </p:sp>
-      <p:grpSp>
-        <p:nvGrpSpPr>
-          <p:cNvPr id="64" name="TextBox 1"/>
-          <p:cNvGrpSpPr/>
-          <p:nvPr/>
-        </p:nvGrpSpPr>
-        <p:grpSpPr>
-          <a:xfrm>
-            <a:off x="1391477" y="5923720"/>
-            <a:ext cx="9144001" cy="13716002"/>
-            <a:chOff x="0" y="0"/>
-            <a:chExt cx="9144000" cy="13716001"/>
-          </a:xfrm>
-        </p:grpSpPr>
-        <p:sp>
-          <p:nvSpPr>
-            <p:cNvPr id="62" name="Rectangle"/>
-            <p:cNvSpPr/>
-            <p:nvPr/>
-          </p:nvSpPr>
-          <p:spPr>
-            <a:xfrm>
-              <a:off x="0" y="0"/>
-              <a:ext cx="9144001" cy="13716002"/>
-            </a:xfrm>
-            <a:prstGeom prst="rect">
-              <a:avLst/>
-            </a:prstGeom>
-            <a:solidFill>
-              <a:srgbClr val="FFFFFF"/>
-            </a:solidFill>
-            <a:ln w="12700" cap="flat">
-              <a:noFill/>
-              <a:miter lim="400000"/>
-            </a:ln>
-            <a:effectLst/>
-          </p:spPr>
-          <p:txBody>
-            <a:bodyPr wrap="square" lIns="45718" tIns="45718" rIns="45718" bIns="45718" numCol="1" anchor="t">
-              <a:noAutofit/>
-            </a:bodyPr>
-            <a:lstStyle/>
-            <a:p>
-              <a:pPr>
-                <a:defRPr>
-                  <a:latin typeface="Aptos"/>
-                  <a:ea typeface="Aptos"/>
-                  <a:cs typeface="Aptos"/>
-                  <a:sym typeface="Aptos"/>
-                </a:defRPr>
-              </a:pPr>
-            </a:p>
-          </p:txBody>
-        </p:sp>
-        <p:sp>
-          <p:nvSpPr>
-            <p:cNvPr id="63" name="Header…"/>
-            <p:cNvSpPr txBox="1"/>
-            <p:nvPr/>
-          </p:nvSpPr>
-          <p:spPr>
-            <a:xfrm>
-              <a:off x="45718" y="0"/>
-              <a:ext cx="9052563" cy="11089639"/>
-            </a:xfrm>
-            <a:prstGeom prst="rect">
-              <a:avLst/>
-            </a:prstGeom>
-            <a:noFill/>
-            <a:ln w="12700" cap="flat">
-              <a:noFill/>
-              <a:miter lim="400000"/>
-            </a:ln>
-            <a:effectLst/>
-            <a:extLst>
-              <a:ext uri="{C572A759-6A51-4108-AA02-DFA0A04FC94B}">
-                <ma14:wrappingTextBoxFlag xmlns:ma14="http://schemas.microsoft.com/office/mac/drawingml/2011/main" val="1"/>
-              </a:ext>
-            </a:extLst>
-          </p:spPr>
-          <p:txBody>
-            <a:bodyPr wrap="square" lIns="45718" tIns="45718" rIns="45718" bIns="45718" numCol="1" anchor="t">
-              <a:spAutoFit/>
-            </a:bodyPr>
-            <a:lstStyle/>
-            <a:p>
-              <a:pPr>
-                <a:defRPr b="1" sz="4200">
-                  <a:latin typeface="Aptos"/>
-                  <a:ea typeface="Aptos"/>
-                  <a:cs typeface="Aptos"/>
-                  <a:sym typeface="Aptos"/>
-                </a:defRPr>
-              </a:pPr>
-              <a:r>
-                <a:t>Header</a:t>
-              </a:r>
-            </a:p>
-            <a:p>
-              <a:pPr>
-                <a:defRPr sz="2800">
-                  <a:latin typeface="Aptos"/>
-                  <a:ea typeface="Aptos"/>
-                  <a:cs typeface="Aptos"/>
-                  <a:sym typeface="Aptos"/>
-                </a:defRPr>
-              </a:pPr>
-            </a:p>
-            <a:p>
-              <a:pPr>
-                <a:defRPr sz="2800">
-                  <a:latin typeface="Aptos"/>
-                  <a:ea typeface="Aptos"/>
-                  <a:cs typeface="Aptos"/>
-                  <a:sym typeface="Aptos"/>
-                </a:defRPr>
-              </a:pPr>
-              <a:r>
-                <a:t>Content goes here: Totat ullaborernam harci cus, cuscidendit lat et as eum explit apicaboria am que vendent inullup tatur? Quia voluptat ut prae. Qui blatibu saecture, ut volor as a audae es elenti quis qui tessum faccuptatet odignisim eatur, sincia nusdantent estem haruntiatint idit rem ulpa et exped que provitatatur seque pro idi nos quid quo vent.</a:t>
-              </a:r>
-            </a:p>
-            <a:p>
-              <a:pPr>
-                <a:defRPr b="1" sz="2800">
-                  <a:latin typeface="Aptos"/>
-                  <a:ea typeface="Aptos"/>
-                  <a:cs typeface="Aptos"/>
-                  <a:sym typeface="Aptos"/>
-                </a:defRPr>
-              </a:pPr>
-            </a:p>
-            <a:p>
-              <a:pPr>
-                <a:lnSpc>
-                  <a:spcPct val="150000"/>
-                </a:lnSpc>
-                <a:defRPr b="1" sz="2800">
-                  <a:latin typeface="Aptos"/>
-                  <a:ea typeface="Aptos"/>
-                  <a:cs typeface="Aptos"/>
-                  <a:sym typeface="Aptos"/>
-                </a:defRPr>
-              </a:pPr>
-              <a:r>
-                <a:t>Subheader</a:t>
-              </a:r>
-            </a:p>
-            <a:p>
-              <a:pPr>
-                <a:defRPr sz="2800">
-                  <a:latin typeface="Aptos"/>
-                  <a:ea typeface="Aptos"/>
-                  <a:cs typeface="Aptos"/>
-                  <a:sym typeface="Aptos"/>
-                </a:defRPr>
-              </a:pPr>
-              <a:r>
-                <a:t>Ossus volupicabore et iminciae nitati diaeculpa cumquo omnihil et, occulpa venient ab ilibusam volectes vellic tori sitius inciis net voluptatiis auditius dem venimus, ium eatius dolupta</a:t>
-              </a:r>
-            </a:p>
-            <a:p>
-              <a:pPr>
-                <a:defRPr b="1" sz="2800">
-                  <a:latin typeface="Aptos"/>
-                  <a:ea typeface="Aptos"/>
-                  <a:cs typeface="Aptos"/>
-                  <a:sym typeface="Aptos"/>
-                </a:defRPr>
-              </a:pPr>
-            </a:p>
-            <a:p>
-              <a:pPr>
-                <a:lnSpc>
-                  <a:spcPct val="150000"/>
-                </a:lnSpc>
-                <a:defRPr b="1" sz="2800">
-                  <a:latin typeface="Aptos"/>
-                  <a:ea typeface="Aptos"/>
-                  <a:cs typeface="Aptos"/>
-                  <a:sym typeface="Aptos"/>
-                </a:defRPr>
-              </a:pPr>
-              <a:r>
-                <a:t>Subheader</a:t>
-              </a:r>
-            </a:p>
-            <a:p>
-              <a:pPr>
-                <a:defRPr sz="2800">
-                  <a:latin typeface="Aptos"/>
-                  <a:ea typeface="Aptos"/>
-                  <a:cs typeface="Aptos"/>
-                  <a:sym typeface="Aptos"/>
-                </a:defRPr>
-              </a:pPr>
-              <a:r>
-                <a:t>Ossus volupicabore et iminciae nitati diaeculpa cumquo omnihil et, occulpa venient ab ilibusam volectes vellic tori sitiusam inciis net voluptatiis auditius dem venimus, ium eatius dolupta tatumquae num eos im fugitis ipienimet estisit, que con nonsequi culluptia as dis consequatem qui aliqui doluptatum est, od quo blab ilias eum exeres delitem qui ipiti omnisquam harchic empere.</a:t>
-              </a:r>
-            </a:p>
-          </p:txBody>
-        </p:sp>
-      </p:grpSp>
-      <p:grpSp>
-        <p:nvGrpSpPr>
-          <p:cNvPr id="67" name="TextBox 2"/>
-          <p:cNvGrpSpPr/>
-          <p:nvPr/>
-        </p:nvGrpSpPr>
-        <p:grpSpPr>
-          <a:xfrm>
-            <a:off x="1391477" y="20116798"/>
-            <a:ext cx="9144001" cy="11887202"/>
-            <a:chOff x="0" y="0"/>
-            <a:chExt cx="9144000" cy="11887201"/>
-          </a:xfrm>
-        </p:grpSpPr>
-        <p:sp>
-          <p:nvSpPr>
-            <p:cNvPr id="65" name="Rectangle"/>
-            <p:cNvSpPr/>
-            <p:nvPr/>
-          </p:nvSpPr>
-          <p:spPr>
-            <a:xfrm>
-              <a:off x="0" y="0"/>
-              <a:ext cx="9144001" cy="11887201"/>
-            </a:xfrm>
-            <a:prstGeom prst="rect">
-              <a:avLst/>
-            </a:prstGeom>
-            <a:solidFill>
-              <a:srgbClr val="FFFFFF"/>
-            </a:solidFill>
-            <a:ln w="12700" cap="flat">
-              <a:noFill/>
-              <a:miter lim="400000"/>
-            </a:ln>
-            <a:effectLst/>
-          </p:spPr>
-          <p:txBody>
-            <a:bodyPr wrap="square" lIns="45718" tIns="45718" rIns="45718" bIns="45718" numCol="1" anchor="t">
-              <a:noAutofit/>
-            </a:bodyPr>
-            <a:lstStyle/>
-            <a:p>
-              <a:pPr>
-                <a:defRPr>
-                  <a:latin typeface="Aptos"/>
-                  <a:ea typeface="Aptos"/>
-                  <a:cs typeface="Aptos"/>
-                  <a:sym typeface="Aptos"/>
-                </a:defRPr>
-              </a:pPr>
-            </a:p>
-          </p:txBody>
-        </p:sp>
-        <p:sp>
-          <p:nvSpPr>
-            <p:cNvPr id="66" name="Header…"/>
-            <p:cNvSpPr txBox="1"/>
-            <p:nvPr/>
-          </p:nvSpPr>
-          <p:spPr>
-            <a:xfrm>
-              <a:off x="45718" y="-1"/>
-              <a:ext cx="9052563" cy="10010139"/>
-            </a:xfrm>
-            <a:prstGeom prst="rect">
-              <a:avLst/>
-            </a:prstGeom>
-            <a:noFill/>
-            <a:ln w="12700" cap="flat">
-              <a:noFill/>
-              <a:miter lim="400000"/>
-            </a:ln>
-            <a:effectLst/>
-            <a:extLst>
-              <a:ext uri="{C572A759-6A51-4108-AA02-DFA0A04FC94B}">
-                <ma14:wrappingTextBoxFlag xmlns:ma14="http://schemas.microsoft.com/office/mac/drawingml/2011/main" val="1"/>
-              </a:ext>
-            </a:extLst>
-          </p:spPr>
-          <p:txBody>
-            <a:bodyPr wrap="square" lIns="45718" tIns="45718" rIns="45718" bIns="45718" numCol="1" anchor="t">
-              <a:spAutoFit/>
-            </a:bodyPr>
-            <a:lstStyle/>
-            <a:p>
-              <a:pPr>
-                <a:defRPr b="1" sz="4200">
-                  <a:latin typeface="Aptos"/>
-                  <a:ea typeface="Aptos"/>
-                  <a:cs typeface="Aptos"/>
-                  <a:sym typeface="Aptos"/>
-                </a:defRPr>
-              </a:pPr>
-              <a:r>
-                <a:t>Header</a:t>
-              </a:r>
-            </a:p>
-            <a:p>
-              <a:pPr>
-                <a:lnSpc>
-                  <a:spcPct val="150000"/>
-                </a:lnSpc>
-                <a:defRPr b="1" sz="2800">
-                  <a:latin typeface="Aptos"/>
-                  <a:ea typeface="Aptos"/>
-                  <a:cs typeface="Aptos"/>
-                  <a:sym typeface="Aptos"/>
-                </a:defRPr>
-              </a:pPr>
-              <a:r>
-                <a:t>Subheader</a:t>
-              </a:r>
-            </a:p>
-            <a:p>
-              <a:pPr>
-                <a:defRPr sz="2800">
-                  <a:latin typeface="Aptos"/>
-                  <a:ea typeface="Aptos"/>
-                  <a:cs typeface="Aptos"/>
-                  <a:sym typeface="Aptos"/>
-                </a:defRPr>
-              </a:pPr>
-              <a:r>
-                <a:t>Content goes here: Totat ullaborernam harci cus, cuscidendit lat et as eum explit apicaboria am que vendent inullup tatur? Quia voluptat ut prae. Qui blatibu saecture, ut volor as a audae es elenti quis qui tessum faccuptatet odignisim eatur, sincia nusdantent estem haruntiatint idit rem ulpa et exped que provitatatur seque pro idi nos quid quo vent.</a:t>
-              </a:r>
-            </a:p>
-            <a:p>
-              <a:pPr>
-                <a:defRPr sz="2800">
-                  <a:latin typeface="Aptos"/>
-                  <a:ea typeface="Aptos"/>
-                  <a:cs typeface="Aptos"/>
-                  <a:sym typeface="Aptos"/>
-                </a:defRPr>
-              </a:pPr>
-            </a:p>
-            <a:p>
-              <a:pPr>
-                <a:defRPr sz="2800">
-                  <a:latin typeface="Aptos"/>
-                  <a:ea typeface="Aptos"/>
-                  <a:cs typeface="Aptos"/>
-                  <a:sym typeface="Aptos"/>
-                </a:defRPr>
-              </a:pPr>
-              <a:r>
-                <a:t>Ossus volupicabore et iminciae nitati diaeculpa cumquo omnihil et, occulpa venient ab ilibusam volectes vellic tori sitius inciis net voluptatiis auditius dem venimus, ium eatius dolupta</a:t>
-              </a:r>
-            </a:p>
-            <a:p>
-              <a:pPr>
-                <a:defRPr sz="2800">
-                  <a:latin typeface="Aptos"/>
-                  <a:ea typeface="Aptos"/>
-                  <a:cs typeface="Aptos"/>
-                  <a:sym typeface="Aptos"/>
-                </a:defRPr>
-              </a:pPr>
-            </a:p>
-            <a:p>
-              <a:pPr>
-                <a:defRPr sz="2800">
-                  <a:latin typeface="Aptos"/>
-                  <a:ea typeface="Aptos"/>
-                  <a:cs typeface="Aptos"/>
-                  <a:sym typeface="Aptos"/>
-                </a:defRPr>
-              </a:pPr>
-              <a:r>
-                <a:t>Ossus volupicabore et iminciae nitati diaeculpa cumquo omnihil et, occulpa venient ab ilibusam volectes vellic tori sitiusam inciis net voluptatiis auditius dem venimus, ium eatius dolupta tatumquae num eos im fugitis ipienimet estisit, que con nonsequi culluptia as dis consequatem qui aliqui doluptatum est, od quo blab ilias eum exeres delitem qui ipiti omnisquam harchic empere.</a:t>
-              </a:r>
-            </a:p>
-          </p:txBody>
-        </p:sp>
-      </p:grpSp>
-      <p:grpSp>
-        <p:nvGrpSpPr>
-          <p:cNvPr id="70" name="TextBox 6"/>
-          <p:cNvGrpSpPr/>
-          <p:nvPr/>
-        </p:nvGrpSpPr>
-        <p:grpSpPr>
-          <a:xfrm>
-            <a:off x="11424036" y="5923719"/>
-            <a:ext cx="10058401" cy="10287002"/>
-            <a:chOff x="0" y="0"/>
-            <a:chExt cx="10058400" cy="10287000"/>
-          </a:xfrm>
-        </p:grpSpPr>
-        <p:sp>
-          <p:nvSpPr>
-            <p:cNvPr id="68" name="Rectangle"/>
-            <p:cNvSpPr/>
-            <p:nvPr/>
-          </p:nvSpPr>
-          <p:spPr>
-            <a:xfrm>
-              <a:off x="0" y="0"/>
-              <a:ext cx="10058401" cy="10287001"/>
-            </a:xfrm>
-            <a:prstGeom prst="rect">
-              <a:avLst/>
-            </a:prstGeom>
-            <a:solidFill>
-              <a:srgbClr val="FFFFFF"/>
-            </a:solidFill>
-            <a:ln w="12700" cap="flat">
-              <a:noFill/>
-              <a:miter lim="400000"/>
-            </a:ln>
-            <a:effectLst/>
-          </p:spPr>
-          <p:txBody>
-            <a:bodyPr wrap="square" lIns="45718" tIns="45718" rIns="45718" bIns="45718" numCol="1" anchor="t">
-              <a:noAutofit/>
-            </a:bodyPr>
-            <a:lstStyle/>
-            <a:p>
-              <a:pPr>
-                <a:defRPr>
-                  <a:latin typeface="Aptos"/>
-                  <a:ea typeface="Aptos"/>
-                  <a:cs typeface="Aptos"/>
-                  <a:sym typeface="Aptos"/>
-                </a:defRPr>
-              </a:pPr>
-            </a:p>
-          </p:txBody>
-        </p:sp>
-        <p:sp>
-          <p:nvSpPr>
-            <p:cNvPr id="69" name="Header…"/>
-            <p:cNvSpPr txBox="1"/>
-            <p:nvPr/>
-          </p:nvSpPr>
-          <p:spPr>
-            <a:xfrm>
-              <a:off x="45718" y="-1"/>
-              <a:ext cx="9966963" cy="9146539"/>
-            </a:xfrm>
-            <a:prstGeom prst="rect">
-              <a:avLst/>
-            </a:prstGeom>
-            <a:noFill/>
-            <a:ln w="12700" cap="flat">
-              <a:noFill/>
-              <a:miter lim="400000"/>
-            </a:ln>
-            <a:effectLst/>
-            <a:extLst>
-              <a:ext uri="{C572A759-6A51-4108-AA02-DFA0A04FC94B}">
-                <ma14:wrappingTextBoxFlag xmlns:ma14="http://schemas.microsoft.com/office/mac/drawingml/2011/main" val="1"/>
-              </a:ext>
-            </a:extLst>
-          </p:spPr>
-          <p:txBody>
-            <a:bodyPr wrap="square" lIns="45718" tIns="45718" rIns="45718" bIns="45718" numCol="1" anchor="t">
-              <a:spAutoFit/>
-            </a:bodyPr>
-            <a:lstStyle/>
-            <a:p>
-              <a:pPr>
-                <a:defRPr b="1" sz="4200">
-                  <a:latin typeface="Aptos"/>
-                  <a:ea typeface="Aptos"/>
-                  <a:cs typeface="Aptos"/>
-                  <a:sym typeface="Aptos"/>
-                </a:defRPr>
-              </a:pPr>
-              <a:r>
-                <a:t>Header</a:t>
-              </a:r>
-            </a:p>
-            <a:p>
-              <a:pPr>
-                <a:lnSpc>
-                  <a:spcPct val="150000"/>
-                </a:lnSpc>
-                <a:defRPr b="1" sz="2800">
-                  <a:latin typeface="Aptos"/>
-                  <a:ea typeface="Aptos"/>
-                  <a:cs typeface="Aptos"/>
-                  <a:sym typeface="Aptos"/>
-                </a:defRPr>
-              </a:pPr>
-              <a:r>
-                <a:t>Subheader</a:t>
-              </a:r>
-            </a:p>
-            <a:p>
-              <a:pPr>
-                <a:defRPr sz="2800">
-                  <a:latin typeface="Aptos"/>
-                  <a:ea typeface="Aptos"/>
-                  <a:cs typeface="Aptos"/>
-                  <a:sym typeface="Aptos"/>
-                </a:defRPr>
-              </a:pPr>
-              <a:r>
-                <a:t>Content goes here: Totat ullaborernam harci cus, cuscidendit lat et as eum explit apicaboria am que vendent inullup tatur? Quia voluptat ut prae. Qui blatibu saecture, ut volor as a audae es elenti quis qui tessum faccuptatet odignisim eatur, sincia nusdantent estem haruntiatint idit rem ulpa et exped que provitatatur seque pro idi nos quid quo vent.</a:t>
-              </a:r>
-            </a:p>
-            <a:p>
-              <a:pPr>
-                <a:defRPr sz="2800">
-                  <a:latin typeface="Aptos"/>
-                  <a:ea typeface="Aptos"/>
-                  <a:cs typeface="Aptos"/>
-                  <a:sym typeface="Aptos"/>
-                </a:defRPr>
-              </a:pPr>
-            </a:p>
-            <a:p>
-              <a:pPr>
-                <a:defRPr sz="2800">
-                  <a:latin typeface="Aptos"/>
-                  <a:ea typeface="Aptos"/>
-                  <a:cs typeface="Aptos"/>
-                  <a:sym typeface="Aptos"/>
-                </a:defRPr>
-              </a:pPr>
-              <a:r>
-                <a:t>This is the suggested format for bullets</a:t>
-              </a:r>
-            </a:p>
-            <a:p>
-              <a:pPr marL="457200" indent="-457200">
-                <a:lnSpc>
-                  <a:spcPct val="150000"/>
-                </a:lnSpc>
-                <a:buSzPct val="100000"/>
-                <a:buFont typeface="Arial"/>
-                <a:buChar char="•"/>
-                <a:defRPr sz="2800">
-                  <a:latin typeface="Aptos"/>
-                  <a:ea typeface="Aptos"/>
-                  <a:cs typeface="Aptos"/>
-                  <a:sym typeface="Aptos"/>
-                </a:defRPr>
-              </a:pPr>
-              <a:r>
-                <a:t>Ossus volupicabore et iminciae nitati</a:t>
-              </a:r>
-            </a:p>
-            <a:p>
-              <a:pPr marL="457200" indent="-457200">
-                <a:lnSpc>
-                  <a:spcPct val="150000"/>
-                </a:lnSpc>
-                <a:buSzPct val="100000"/>
-                <a:buFont typeface="Arial"/>
-                <a:buChar char="•"/>
-                <a:defRPr sz="2800">
-                  <a:latin typeface="Aptos"/>
-                  <a:ea typeface="Aptos"/>
-                  <a:cs typeface="Aptos"/>
-                  <a:sym typeface="Aptos"/>
-                </a:defRPr>
-              </a:pPr>
-              <a:r>
-                <a:t>Omnihil et, occulpa venient ab ilibusam volectes</a:t>
-              </a:r>
-            </a:p>
-            <a:p>
-              <a:pPr marL="457200" indent="-457200">
-                <a:lnSpc>
-                  <a:spcPct val="150000"/>
-                </a:lnSpc>
-                <a:buSzPct val="100000"/>
-                <a:buFont typeface="Arial"/>
-                <a:buChar char="•"/>
-                <a:defRPr sz="2800">
-                  <a:latin typeface="Aptos"/>
-                  <a:ea typeface="Aptos"/>
-                  <a:cs typeface="Aptos"/>
-                  <a:sym typeface="Aptos"/>
-                </a:defRPr>
-              </a:pPr>
-              <a:r>
-                <a:t>Tori sitius inciis net voluptatiis auditius dem venimus </a:t>
-              </a:r>
-            </a:p>
-            <a:p>
-              <a:pPr marL="457200" indent="-457200">
-                <a:lnSpc>
-                  <a:spcPct val="150000"/>
-                </a:lnSpc>
-                <a:buSzPct val="100000"/>
-                <a:buFont typeface="Arial"/>
-                <a:buChar char="•"/>
-                <a:defRPr sz="2800">
-                  <a:latin typeface="Aptos"/>
-                  <a:ea typeface="Aptos"/>
-                  <a:cs typeface="Aptos"/>
-                  <a:sym typeface="Aptos"/>
-                </a:defRPr>
-              </a:pPr>
-              <a:r>
-                <a:t>Ium eatius dolupta</a:t>
-              </a:r>
-            </a:p>
-            <a:p>
-              <a:pPr>
-                <a:defRPr sz="2800">
-                  <a:latin typeface="Aptos"/>
-                  <a:ea typeface="Aptos"/>
-                  <a:cs typeface="Aptos"/>
-                  <a:sym typeface="Aptos"/>
-                </a:defRPr>
-              </a:pPr>
-            </a:p>
-            <a:p>
-              <a:pPr>
-                <a:defRPr sz="2800">
-                  <a:latin typeface="Aptos"/>
-                  <a:ea typeface="Aptos"/>
-                  <a:cs typeface="Aptos"/>
-                  <a:sym typeface="Aptos"/>
-                </a:defRPr>
-              </a:pPr>
-              <a:r>
-                <a:t>Ossus volupicabore et iminciae nitati diaeculpa cumquo omnihil et, occulpa venient ab ilibusam volectes vellic tori sitiusam inciis net voluptatiis auditius dem venimus.</a:t>
-              </a:r>
-            </a:p>
-          </p:txBody>
-        </p:sp>
-      </p:grpSp>
-      <p:grpSp>
-        <p:nvGrpSpPr>
-          <p:cNvPr id="73" name="TextBox 7"/>
-          <p:cNvGrpSpPr/>
-          <p:nvPr/>
-        </p:nvGrpSpPr>
-        <p:grpSpPr>
-          <a:xfrm>
-            <a:off x="22370995" y="5923719"/>
-            <a:ext cx="10058402" cy="10287001"/>
-            <a:chOff x="0" y="0"/>
-            <a:chExt cx="10058400" cy="10287000"/>
-          </a:xfrm>
-        </p:grpSpPr>
-        <p:sp>
-          <p:nvSpPr>
-            <p:cNvPr id="71" name="Rectangle"/>
-            <p:cNvSpPr/>
-            <p:nvPr/>
-          </p:nvSpPr>
-          <p:spPr>
-            <a:xfrm>
-              <a:off x="0" y="0"/>
-              <a:ext cx="10058401" cy="10287001"/>
-            </a:xfrm>
-            <a:prstGeom prst="rect">
-              <a:avLst/>
-            </a:prstGeom>
-            <a:solidFill>
-              <a:srgbClr val="FFFFFF"/>
-            </a:solidFill>
-            <a:ln w="12700" cap="flat">
-              <a:noFill/>
-              <a:miter lim="400000"/>
-            </a:ln>
-            <a:effectLst/>
-          </p:spPr>
-          <p:txBody>
-            <a:bodyPr wrap="square" lIns="45718" tIns="45718" rIns="45718" bIns="45718" numCol="1" anchor="t">
-              <a:noAutofit/>
-            </a:bodyPr>
-            <a:lstStyle/>
-            <a:p>
-              <a:pPr>
-                <a:defRPr>
-                  <a:latin typeface="Aptos"/>
-                  <a:ea typeface="Aptos"/>
-                  <a:cs typeface="Aptos"/>
-                  <a:sym typeface="Aptos"/>
-                </a:defRPr>
-              </a:pPr>
-            </a:p>
-          </p:txBody>
-        </p:sp>
-        <p:sp>
-          <p:nvSpPr>
-            <p:cNvPr id="72" name="Header…"/>
-            <p:cNvSpPr txBox="1"/>
-            <p:nvPr/>
-          </p:nvSpPr>
-          <p:spPr>
-            <a:xfrm>
-              <a:off x="45718" y="-1"/>
-              <a:ext cx="9966963" cy="9794239"/>
-            </a:xfrm>
-            <a:prstGeom prst="rect">
-              <a:avLst/>
-            </a:prstGeom>
-            <a:noFill/>
-            <a:ln w="12700" cap="flat">
-              <a:noFill/>
-              <a:miter lim="400000"/>
-            </a:ln>
-            <a:effectLst/>
-            <a:extLst>
-              <a:ext uri="{C572A759-6A51-4108-AA02-DFA0A04FC94B}">
-                <ma14:wrappingTextBoxFlag xmlns:ma14="http://schemas.microsoft.com/office/mac/drawingml/2011/main" val="1"/>
-              </a:ext>
-            </a:extLst>
-          </p:spPr>
-          <p:txBody>
-            <a:bodyPr wrap="square" lIns="45718" tIns="45718" rIns="45718" bIns="45718" numCol="1" anchor="t">
-              <a:spAutoFit/>
-            </a:bodyPr>
-            <a:lstStyle/>
-            <a:p>
-              <a:pPr>
-                <a:defRPr b="1" sz="4200">
-                  <a:latin typeface="Aptos"/>
-                  <a:ea typeface="Aptos"/>
-                  <a:cs typeface="Aptos"/>
-                  <a:sym typeface="Aptos"/>
-                </a:defRPr>
-              </a:pPr>
-              <a:r>
-                <a:t>Header</a:t>
-              </a:r>
-            </a:p>
-            <a:p>
-              <a:pPr>
-                <a:lnSpc>
-                  <a:spcPct val="150000"/>
-                </a:lnSpc>
-                <a:defRPr b="1" sz="2800">
-                  <a:latin typeface="Aptos"/>
-                  <a:ea typeface="Aptos"/>
-                  <a:cs typeface="Aptos"/>
-                  <a:sym typeface="Aptos"/>
-                </a:defRPr>
-              </a:pPr>
-              <a:r>
-                <a:t>Subheader</a:t>
-              </a:r>
-            </a:p>
-            <a:p>
-              <a:pPr>
-                <a:defRPr sz="2800">
-                  <a:latin typeface="Aptos"/>
-                  <a:ea typeface="Aptos"/>
-                  <a:cs typeface="Aptos"/>
-                  <a:sym typeface="Aptos"/>
-                </a:defRPr>
-              </a:pPr>
-              <a:r>
-                <a:t>Content goes here: Totat ullaborernam harci cus, cuscidendit lat et as eum explit apicaboria am que vendent inullup tatur? Quia voluptat ut prae. Qui blatibu saecture, ut volor as a audae es elenti quis qui tessum faccuptatet odignisim eatur, sincia nusdantent estem haruntiatint idit rem ulpa et exped que provitatatur seque pro idi nos quid quo vent.</a:t>
-              </a:r>
-            </a:p>
-            <a:p>
-              <a:pPr>
-                <a:defRPr sz="2800">
-                  <a:latin typeface="Aptos"/>
-                  <a:ea typeface="Aptos"/>
-                  <a:cs typeface="Aptos"/>
-                  <a:sym typeface="Aptos"/>
-                </a:defRPr>
-              </a:pPr>
-            </a:p>
-            <a:p>
-              <a:pPr>
-                <a:defRPr sz="2800">
-                  <a:latin typeface="Aptos"/>
-                  <a:ea typeface="Aptos"/>
-                  <a:cs typeface="Aptos"/>
-                  <a:sym typeface="Aptos"/>
-                </a:defRPr>
-              </a:pPr>
-              <a:r>
-                <a:t>Suggested format for numbered list:</a:t>
-              </a:r>
-            </a:p>
-            <a:p>
-              <a:pPr marL="514350" indent="-514350">
-                <a:lnSpc>
-                  <a:spcPct val="150000"/>
-                </a:lnSpc>
-                <a:buSzPct val="100000"/>
-                <a:buAutoNum type="arabicPeriod" startAt="1"/>
-                <a:defRPr sz="2800">
-                  <a:latin typeface="Aptos"/>
-                  <a:ea typeface="Aptos"/>
-                  <a:cs typeface="Aptos"/>
-                  <a:sym typeface="Aptos"/>
-                </a:defRPr>
-              </a:pPr>
-              <a:r>
-                <a:t>Ossus volupicabore et iminciae nitati</a:t>
-              </a:r>
-            </a:p>
-            <a:p>
-              <a:pPr marL="514350" indent="-514350">
-                <a:lnSpc>
-                  <a:spcPct val="150000"/>
-                </a:lnSpc>
-                <a:buSzPct val="100000"/>
-                <a:buAutoNum type="arabicPeriod" startAt="1"/>
-                <a:defRPr sz="2800">
-                  <a:latin typeface="Aptos"/>
-                  <a:ea typeface="Aptos"/>
-                  <a:cs typeface="Aptos"/>
-                  <a:sym typeface="Aptos"/>
-                </a:defRPr>
-              </a:pPr>
-              <a:r>
-                <a:t>Omnihil et, occulpa venient ab ilibusam volectes</a:t>
-              </a:r>
-            </a:p>
-            <a:p>
-              <a:pPr marL="514350" indent="-514350">
-                <a:lnSpc>
-                  <a:spcPct val="150000"/>
-                </a:lnSpc>
-                <a:buSzPct val="100000"/>
-                <a:buAutoNum type="arabicPeriod" startAt="1"/>
-                <a:defRPr sz="2800">
-                  <a:latin typeface="Aptos"/>
-                  <a:ea typeface="Aptos"/>
-                  <a:cs typeface="Aptos"/>
-                  <a:sym typeface="Aptos"/>
-                </a:defRPr>
-              </a:pPr>
-              <a:r>
-                <a:t>Tori sitius inciis net voluptatiis </a:t>
-              </a:r>
-            </a:p>
-            <a:p>
-              <a:pPr marL="514350" indent="-514350">
-                <a:lnSpc>
-                  <a:spcPct val="150000"/>
-                </a:lnSpc>
-                <a:buSzPct val="100000"/>
-                <a:buAutoNum type="arabicPeriod" startAt="1"/>
-                <a:defRPr sz="2800">
-                  <a:latin typeface="Aptos"/>
-                  <a:ea typeface="Aptos"/>
-                  <a:cs typeface="Aptos"/>
-                  <a:sym typeface="Aptos"/>
-                </a:defRPr>
-              </a:pPr>
-              <a:r>
-                <a:t>Auditius dem venimus </a:t>
-              </a:r>
-            </a:p>
-            <a:p>
-              <a:pPr marL="514350" indent="-514350">
-                <a:lnSpc>
-                  <a:spcPct val="150000"/>
-                </a:lnSpc>
-                <a:buSzPct val="100000"/>
-                <a:buAutoNum type="arabicPeriod" startAt="1"/>
-                <a:defRPr sz="2800">
-                  <a:latin typeface="Aptos"/>
-                  <a:ea typeface="Aptos"/>
-                  <a:cs typeface="Aptos"/>
-                  <a:sym typeface="Aptos"/>
-                </a:defRPr>
-              </a:pPr>
-              <a:r>
-                <a:t>Ium eatius dolupta</a:t>
-              </a:r>
-            </a:p>
-            <a:p>
-              <a:pPr>
-                <a:defRPr sz="2800">
-                  <a:latin typeface="Aptos"/>
-                  <a:ea typeface="Aptos"/>
-                  <a:cs typeface="Aptos"/>
-                  <a:sym typeface="Aptos"/>
-                </a:defRPr>
-              </a:pPr>
-            </a:p>
-            <a:p>
-              <a:pPr>
-                <a:defRPr sz="2800">
-                  <a:latin typeface="Aptos"/>
-                  <a:ea typeface="Aptos"/>
-                  <a:cs typeface="Aptos"/>
-                  <a:sym typeface="Aptos"/>
-                </a:defRPr>
-              </a:pPr>
-              <a:r>
-                <a:t>Ossus volupicabore et iminciae nitati diaeculpa cumquo omnihil et, occulpa venient ab ilibusam volectes vellic tori sitiusam inciis net voluptatiis auditius dem venimus.</a:t>
-              </a:r>
-            </a:p>
-          </p:txBody>
-        </p:sp>
-      </p:grpSp>
-      <p:grpSp>
-        <p:nvGrpSpPr>
-          <p:cNvPr id="76" name="TextBox 8"/>
-          <p:cNvGrpSpPr/>
-          <p:nvPr/>
-        </p:nvGrpSpPr>
-        <p:grpSpPr>
-          <a:xfrm>
-            <a:off x="33355722" y="5923719"/>
-            <a:ext cx="9144002" cy="12344401"/>
-            <a:chOff x="0" y="0"/>
-            <a:chExt cx="9144000" cy="12344401"/>
-          </a:xfrm>
-        </p:grpSpPr>
-        <p:sp>
-          <p:nvSpPr>
-            <p:cNvPr id="74" name="Rectangle"/>
-            <p:cNvSpPr/>
-            <p:nvPr/>
-          </p:nvSpPr>
-          <p:spPr>
-            <a:xfrm>
-              <a:off x="0" y="0"/>
-              <a:ext cx="9144001" cy="12344401"/>
-            </a:xfrm>
-            <a:prstGeom prst="rect">
-              <a:avLst/>
-            </a:prstGeom>
-            <a:solidFill>
-              <a:srgbClr val="FFFFFF"/>
-            </a:solidFill>
-            <a:ln w="12700" cap="flat">
-              <a:noFill/>
-              <a:miter lim="400000"/>
-            </a:ln>
-            <a:effectLst/>
-          </p:spPr>
-          <p:txBody>
-            <a:bodyPr wrap="square" lIns="45718" tIns="45718" rIns="45718" bIns="45718" numCol="1" anchor="t">
-              <a:noAutofit/>
-            </a:bodyPr>
-            <a:lstStyle/>
-            <a:p>
-              <a:pPr>
-                <a:defRPr>
-                  <a:latin typeface="Aptos"/>
-                  <a:ea typeface="Aptos"/>
-                  <a:cs typeface="Aptos"/>
-                  <a:sym typeface="Aptos"/>
-                </a:defRPr>
-              </a:pPr>
-            </a:p>
-          </p:txBody>
-        </p:sp>
-        <p:sp>
-          <p:nvSpPr>
-            <p:cNvPr id="75" name="Header…"/>
-            <p:cNvSpPr txBox="1"/>
-            <p:nvPr/>
-          </p:nvSpPr>
-          <p:spPr>
-            <a:xfrm>
-              <a:off x="45718" y="-1"/>
-              <a:ext cx="9052563" cy="10657839"/>
-            </a:xfrm>
-            <a:prstGeom prst="rect">
-              <a:avLst/>
-            </a:prstGeom>
-            <a:noFill/>
-            <a:ln w="12700" cap="flat">
-              <a:noFill/>
-              <a:miter lim="400000"/>
-            </a:ln>
-            <a:effectLst/>
-            <a:extLst>
-              <a:ext uri="{C572A759-6A51-4108-AA02-DFA0A04FC94B}">
-                <ma14:wrappingTextBoxFlag xmlns:ma14="http://schemas.microsoft.com/office/mac/drawingml/2011/main" val="1"/>
-              </a:ext>
-            </a:extLst>
-          </p:spPr>
-          <p:txBody>
-            <a:bodyPr wrap="square" lIns="45718" tIns="45718" rIns="45718" bIns="45718" numCol="1" anchor="t">
-              <a:spAutoFit/>
-            </a:bodyPr>
-            <a:lstStyle/>
-            <a:p>
-              <a:pPr>
-                <a:defRPr b="1" sz="4200">
-                  <a:latin typeface="Aptos"/>
-                  <a:ea typeface="Aptos"/>
-                  <a:cs typeface="Aptos"/>
-                  <a:sym typeface="Aptos"/>
-                </a:defRPr>
-              </a:pPr>
-              <a:r>
-                <a:t>Header</a:t>
-              </a:r>
-            </a:p>
-            <a:p>
-              <a:pPr>
-                <a:lnSpc>
-                  <a:spcPct val="150000"/>
-                </a:lnSpc>
-                <a:defRPr b="1" sz="2800">
-                  <a:latin typeface="Aptos"/>
-                  <a:ea typeface="Aptos"/>
-                  <a:cs typeface="Aptos"/>
-                  <a:sym typeface="Aptos"/>
-                </a:defRPr>
-              </a:pPr>
-              <a:r>
-                <a:t>Subheader</a:t>
-              </a:r>
-            </a:p>
-            <a:p>
-              <a:pPr>
-                <a:defRPr sz="2800">
-                  <a:latin typeface="Aptos"/>
-                  <a:ea typeface="Aptos"/>
-                  <a:cs typeface="Aptos"/>
-                  <a:sym typeface="Aptos"/>
-                </a:defRPr>
-              </a:pPr>
-              <a:r>
-                <a:t>Content goes here: Totat ullaborernam harci cus, cuscidendit lat et as eum explit apicaboria am que vendent inullup tatur? Quia voluptat ut prae. Qui blatibu saecture, ut volor as a audae es elenti quis qui tessum faccuptatet odignisim eatur, sincia nusdantent estem haruntiatint idit rem ulpa et exped que provitatatur seque pro idi nos quid quo vent.</a:t>
-              </a:r>
-            </a:p>
-            <a:p>
-              <a:pPr>
-                <a:defRPr sz="2800">
-                  <a:latin typeface="Aptos"/>
-                  <a:ea typeface="Aptos"/>
-                  <a:cs typeface="Aptos"/>
-                  <a:sym typeface="Aptos"/>
-                </a:defRPr>
-              </a:pPr>
-            </a:p>
-            <a:p>
-              <a:pPr>
-                <a:defRPr sz="2800">
-                  <a:latin typeface="Aptos"/>
-                  <a:ea typeface="Aptos"/>
-                  <a:cs typeface="Aptos"/>
-                  <a:sym typeface="Aptos"/>
-                </a:defRPr>
-              </a:pPr>
-              <a:r>
-                <a:t>Ossus volupicabore et iminciae nitati diaeculpa cumquo omnihil et, occulpa venient ab ilibusam volectes vellic tori sitius inciis net voluptatiis auditius dem venimus, ium eatius dolupta</a:t>
-              </a:r>
-            </a:p>
-            <a:p>
-              <a:pPr>
-                <a:defRPr sz="2800">
-                  <a:latin typeface="Aptos"/>
-                  <a:ea typeface="Aptos"/>
-                  <a:cs typeface="Aptos"/>
-                  <a:sym typeface="Aptos"/>
-                </a:defRPr>
-              </a:pPr>
-            </a:p>
-            <a:p>
-              <a:pPr>
-                <a:lnSpc>
-                  <a:spcPct val="150000"/>
-                </a:lnSpc>
-                <a:defRPr b="1" sz="2800">
-                  <a:latin typeface="Aptos"/>
-                  <a:ea typeface="Aptos"/>
-                  <a:cs typeface="Aptos"/>
-                  <a:sym typeface="Aptos"/>
-                </a:defRPr>
-              </a:pPr>
-              <a:r>
-                <a:t>Subheader</a:t>
-              </a:r>
-            </a:p>
-            <a:p>
-              <a:pPr>
-                <a:defRPr sz="2800">
-                  <a:latin typeface="Aptos"/>
-                  <a:ea typeface="Aptos"/>
-                  <a:cs typeface="Aptos"/>
-                  <a:sym typeface="Aptos"/>
-                </a:defRPr>
-              </a:pPr>
-              <a:r>
-                <a:t>Ossus volupicabore et iminciae nitati diaeculpa cumquo omnihil et, occulpa venient ab ilibusam volectes vellic tori sitiusam inciis net voluptatiis auditius dem venimus, ium eatius dolupta tatumquae num eos im fugitis ipienimet estisit, que con nonsequi culluptia as dis consequatem qui aliqui doluptatum est, od quo blab ilias eum exeres delitem qui ipiti omnisquam harchic empere.</a:t>
-              </a:r>
-            </a:p>
-          </p:txBody>
-        </p:sp>
-      </p:grpSp>
-      <p:grpSp>
-        <p:nvGrpSpPr>
-          <p:cNvPr id="79" name="TextBox 9"/>
-          <p:cNvGrpSpPr/>
-          <p:nvPr/>
-        </p:nvGrpSpPr>
-        <p:grpSpPr>
-          <a:xfrm>
-            <a:off x="33355722" y="18812405"/>
-            <a:ext cx="9144002" cy="4114802"/>
-            <a:chOff x="0" y="0"/>
-            <a:chExt cx="9144000" cy="4114801"/>
-          </a:xfrm>
-        </p:grpSpPr>
-        <p:sp>
-          <p:nvSpPr>
-            <p:cNvPr id="77" name="Rectangle"/>
-            <p:cNvSpPr/>
-            <p:nvPr/>
-          </p:nvSpPr>
-          <p:spPr>
-            <a:xfrm>
-              <a:off x="0" y="-1"/>
-              <a:ext cx="9144001" cy="4114803"/>
-            </a:xfrm>
-            <a:prstGeom prst="rect">
-              <a:avLst/>
-            </a:prstGeom>
-            <a:solidFill>
-              <a:srgbClr val="FFFFFF"/>
-            </a:solidFill>
-            <a:ln w="12700" cap="flat">
-              <a:noFill/>
-              <a:miter lim="400000"/>
-            </a:ln>
-            <a:effectLst/>
-          </p:spPr>
-          <p:txBody>
-            <a:bodyPr wrap="square" lIns="45718" tIns="45718" rIns="45718" bIns="45718" numCol="1" anchor="t">
-              <a:noAutofit/>
-            </a:bodyPr>
-            <a:lstStyle/>
-            <a:p>
-              <a:pPr>
-                <a:defRPr>
-                  <a:latin typeface="Aptos"/>
-                  <a:ea typeface="Aptos"/>
-                  <a:cs typeface="Aptos"/>
-                  <a:sym typeface="Aptos"/>
-                </a:defRPr>
-              </a:pPr>
-            </a:p>
-          </p:txBody>
-        </p:sp>
-        <p:sp>
-          <p:nvSpPr>
-            <p:cNvPr id="78" name="Header…"/>
-            <p:cNvSpPr txBox="1"/>
-            <p:nvPr/>
-          </p:nvSpPr>
-          <p:spPr>
-            <a:xfrm>
-              <a:off x="45718" y="0"/>
-              <a:ext cx="9052563" cy="3749039"/>
-            </a:xfrm>
-            <a:prstGeom prst="rect">
-              <a:avLst/>
-            </a:prstGeom>
-            <a:noFill/>
-            <a:ln w="12700" cap="flat">
-              <a:noFill/>
-              <a:miter lim="400000"/>
-            </a:ln>
-            <a:effectLst/>
-            <a:extLst>
-              <a:ext uri="{C572A759-6A51-4108-AA02-DFA0A04FC94B}">
-                <ma14:wrappingTextBoxFlag xmlns:ma14="http://schemas.microsoft.com/office/mac/drawingml/2011/main" val="1"/>
-              </a:ext>
-            </a:extLst>
-          </p:spPr>
-          <p:txBody>
-            <a:bodyPr wrap="square" lIns="45718" tIns="45718" rIns="45718" bIns="45718" numCol="1" anchor="t">
-              <a:spAutoFit/>
-            </a:bodyPr>
-            <a:lstStyle/>
-            <a:p>
-              <a:pPr>
-                <a:defRPr b="1" sz="4200">
-                  <a:latin typeface="Aptos"/>
-                  <a:ea typeface="Aptos"/>
-                  <a:cs typeface="Aptos"/>
-                  <a:sym typeface="Aptos"/>
-                </a:defRPr>
-              </a:pPr>
-              <a:r>
-                <a:t>Header</a:t>
-              </a:r>
-            </a:p>
-            <a:p>
-              <a:pPr>
-                <a:defRPr sz="2800">
-                  <a:latin typeface="Aptos"/>
-                  <a:ea typeface="Aptos"/>
-                  <a:cs typeface="Aptos"/>
-                  <a:sym typeface="Aptos"/>
-                </a:defRPr>
-              </a:pPr>
-              <a:r>
-                <a:t>Content goes here: Totat ullaborernam harci cus, cuscidendit lat et as eum explit apicaboria am que vendent inullup tatur? Quia voluptat ut prae. Qui blatibu saecture, ut volor as a audae es elenti quis qui tessum faccuptatet odignisim eatur, sincia nusdantent estem haruntiatint idit rem ulpa et exped que provitatatur seque pro idi nos quid quo vent.</a:t>
-              </a:r>
-            </a:p>
-          </p:txBody>
-        </p:sp>
-      </p:grpSp>
-      <p:grpSp>
-        <p:nvGrpSpPr>
-          <p:cNvPr id="82" name="TextBox 10"/>
-          <p:cNvGrpSpPr/>
-          <p:nvPr/>
-        </p:nvGrpSpPr>
-        <p:grpSpPr>
-          <a:xfrm>
-            <a:off x="33355722" y="23471488"/>
-            <a:ext cx="9144002" cy="4114802"/>
-            <a:chOff x="0" y="0"/>
-            <a:chExt cx="9144000" cy="4114801"/>
-          </a:xfrm>
-        </p:grpSpPr>
-        <p:sp>
-          <p:nvSpPr>
-            <p:cNvPr id="80" name="Rectangle"/>
-            <p:cNvSpPr/>
-            <p:nvPr/>
-          </p:nvSpPr>
-          <p:spPr>
-            <a:xfrm>
-              <a:off x="0" y="-1"/>
-              <a:ext cx="9144001" cy="4114803"/>
-            </a:xfrm>
-            <a:prstGeom prst="rect">
-              <a:avLst/>
-            </a:prstGeom>
-            <a:solidFill>
-              <a:srgbClr val="FFFFFF"/>
-            </a:solidFill>
-            <a:ln w="12700" cap="flat">
-              <a:noFill/>
-              <a:miter lim="400000"/>
-            </a:ln>
-            <a:effectLst/>
-          </p:spPr>
-          <p:txBody>
-            <a:bodyPr wrap="square" lIns="45718" tIns="45718" rIns="45718" bIns="45718" numCol="1" anchor="t">
-              <a:noAutofit/>
-            </a:bodyPr>
-            <a:lstStyle/>
-            <a:p>
-              <a:pPr>
-                <a:defRPr>
-                  <a:latin typeface="Aptos"/>
-                  <a:ea typeface="Aptos"/>
-                  <a:cs typeface="Aptos"/>
-                  <a:sym typeface="Aptos"/>
-                </a:defRPr>
-              </a:pPr>
-            </a:p>
-          </p:txBody>
-        </p:sp>
-        <p:sp>
-          <p:nvSpPr>
-            <p:cNvPr id="81" name="Header…"/>
-            <p:cNvSpPr txBox="1"/>
-            <p:nvPr/>
-          </p:nvSpPr>
-          <p:spPr>
-            <a:xfrm>
-              <a:off x="45718" y="-1"/>
-              <a:ext cx="9052563" cy="2453639"/>
-            </a:xfrm>
-            <a:prstGeom prst="rect">
-              <a:avLst/>
-            </a:prstGeom>
-            <a:noFill/>
-            <a:ln w="12700" cap="flat">
-              <a:noFill/>
-              <a:miter lim="400000"/>
-            </a:ln>
-            <a:effectLst/>
-            <a:extLst>
-              <a:ext uri="{C572A759-6A51-4108-AA02-DFA0A04FC94B}">
-                <ma14:wrappingTextBoxFlag xmlns:ma14="http://schemas.microsoft.com/office/mac/drawingml/2011/main" val="1"/>
-              </a:ext>
-            </a:extLst>
-          </p:spPr>
-          <p:txBody>
-            <a:bodyPr wrap="square" lIns="45718" tIns="45718" rIns="45718" bIns="45718" numCol="1" anchor="t">
-              <a:spAutoFit/>
-            </a:bodyPr>
-            <a:lstStyle/>
-            <a:p>
-              <a:pPr>
-                <a:defRPr b="1" sz="4200">
-                  <a:latin typeface="Aptos"/>
-                  <a:ea typeface="Aptos"/>
-                  <a:cs typeface="Aptos"/>
-                  <a:sym typeface="Aptos"/>
-                </a:defRPr>
-              </a:pPr>
-              <a:r>
-                <a:t>Header</a:t>
-              </a:r>
-            </a:p>
-            <a:p>
-              <a:pPr>
-                <a:defRPr sz="2800">
-                  <a:latin typeface="Aptos"/>
-                  <a:ea typeface="Aptos"/>
-                  <a:cs typeface="Aptos"/>
-                  <a:sym typeface="Aptos"/>
-                </a:defRPr>
-              </a:pPr>
-              <a:r>
-                <a:t>Content goes here: Totat ullaborernam harci cus, cuscidendit lat et as eum explit apicaboria am que vendent inullup tatur? Quia voluptat ut prae. Qui blatibu saecture, ut volor as a audae es elenti quis. </a:t>
-              </a:r>
-            </a:p>
-          </p:txBody>
-        </p:sp>
-      </p:grpSp>
-    </p:spTree>
-  </p:cSld>
-  <p:clrMapOvr>
-    <a:masterClrMapping/>
-  </p:clrMapOvr>
-  <p:transition xmlns:p14="http://schemas.microsoft.com/office/powerpoint/2010/main" spd="med" advClick="1"/>
-</p:sld>
-</file>
-
-<file path=ppt/slides/slide2.xml><?xml version="1.0" encoding="utf-8"?>
-<p:sld xmlns:a="http://schemas.openxmlformats.org/drawingml/2006/main" xmlns:r="http://schemas.openxmlformats.org/officeDocument/2006/relationships" xmlns:p="http://schemas.openxmlformats.org/presentationml/2006/main" xmlns:m="http://schemas.openxmlformats.org/officeDocument/2006/math" xmlns:a14="http://schemas.microsoft.com/office/drawing/2010/main" showMasterSp="1" showMasterPhAnim="1">
-  <p:cSld>
-    <p:spTree>
-      <p:nvGrpSpPr>
-        <p:cNvPr id="1" name=""/>
-        <p:cNvGrpSpPr/>
-        <p:nvPr/>
-      </p:nvGrpSpPr>
-      <p:grpSpPr>
-        <a:xfrm>
-          <a:off x="0" y="0"/>
-          <a:ext cx="0" cy="0"/>
-          <a:chOff x="0" y="0"/>
-          <a:chExt cx="0" cy="0"/>
-        </a:xfrm>
-      </p:grpSpPr>
-      <p:sp>
-        <p:nvSpPr>
-          <p:cNvPr id="84" name="Text Placeholder 53"/>
-          <p:cNvSpPr txBox="1"/>
-          <p:nvPr>
-            <p:ph type="body" sz="quarter" idx="1"/>
-          </p:nvPr>
-        </p:nvSpPr>
-        <p:spPr>
-          <a:xfrm>
-            <a:off x="747700" y="30276675"/>
-            <a:ext cx="9328145" cy="2328514"/>
-          </a:xfrm>
-          <a:prstGeom prst="rect">
-            <a:avLst/>
-          </a:prstGeom>
-        </p:spPr>
-        <p:txBody>
-          <a:bodyPr/>
-          <a:lstStyle/>
-          <a:p>
-            <a:pPr/>
-          </a:p>
-        </p:txBody>
-      </p:sp>
-      <p:sp>
-        <p:nvSpPr>
-          <p:cNvPr id="85" name="Text Placeholder 34"/>
-          <p:cNvSpPr/>
-          <p:nvPr>
-            <p:ph type="body" idx="22"/>
-          </p:nvPr>
-        </p:nvSpPr>
-        <p:spPr>
-          <a:xfrm>
-            <a:off x="19146236" y="28150818"/>
-            <a:ext cx="3254829" cy="4114802"/>
-          </a:xfrm>
-          <a:prstGeom prst="rect">
-            <a:avLst/>
-          </a:prstGeom>
-        </p:spPr>
-        <p:txBody>
-          <a:bodyPr/>
-          <a:lstStyle/>
-          <a:p>
-            <a:pPr/>
-          </a:p>
-        </p:txBody>
-      </p:sp>
-      <p:sp>
-        <p:nvSpPr>
-          <p:cNvPr id="86" name="Text Placeholder 33"/>
-          <p:cNvSpPr/>
-          <p:nvPr>
-            <p:ph type="body" idx="23"/>
-          </p:nvPr>
-        </p:nvSpPr>
-        <p:spPr>
-          <a:xfrm>
-            <a:off x="24134741" y="17215215"/>
-            <a:ext cx="9144002" cy="1812246"/>
-          </a:xfrm>
-          <a:prstGeom prst="rect">
-            <a:avLst/>
-          </a:prstGeom>
-        </p:spPr>
-        <p:txBody>
-          <a:bodyPr/>
-          <a:lstStyle/>
-          <a:p>
-            <a:pPr/>
-          </a:p>
-        </p:txBody>
-      </p:sp>
-      <p:sp>
-        <p:nvSpPr>
-          <p:cNvPr id="87" name="Text Placeholder 32"/>
-          <p:cNvSpPr/>
-          <p:nvPr>
-            <p:ph type="body" idx="24"/>
-          </p:nvPr>
-        </p:nvSpPr>
-        <p:spPr>
-          <a:xfrm>
-            <a:off x="30030317" y="28538510"/>
-            <a:ext cx="3254829" cy="4114802"/>
+            <a:off x="10508267" y="24736607"/>
+            <a:ext cx="8581581" cy="2030854"/>
           </a:xfrm>
           <a:prstGeom prst="rect">
             <a:avLst/>
@@ -3989,41 +2476,29 @@
           <a:bodyPr/>
           <a:lstStyle/>
           <a:p>
-            <a:pPr/>
+            <a:pPr defTabSz="3994098">
+              <a:spcBef>
+                <a:spcPts val="1600"/>
+              </a:spcBef>
+              <a:defRPr sz="1900"/>
+            </a:pPr>
+          </a:p>
+          <a:p>
+            <a:pPr defTabSz="3994098">
+              <a:spcBef>
+                <a:spcPts val="1600"/>
+              </a:spcBef>
+              <a:defRPr sz="1900"/>
+            </a:pPr>
             <a:r>
-              <a:t>Scaling kinda wack go fix</a:t>
+              <a:t>TSI Readiness Performance by County - Percentage of graduates meeting Texas Success Initiative standards in both Math and Reading/Writing. Higher rates indicate students ready for college-level coursework without remediation.</a:t>
             </a:r>
           </a:p>
         </p:txBody>
       </p:sp>
       <p:sp>
         <p:nvSpPr>
-          <p:cNvPr id="88" name="Text Placeholder 31"/>
-          <p:cNvSpPr/>
-          <p:nvPr>
-            <p:ph type="body" idx="25"/>
-          </p:nvPr>
-        </p:nvSpPr>
-        <p:spPr>
-          <a:xfrm>
-            <a:off x="10126079" y="24208312"/>
-            <a:ext cx="8996711" cy="2527060"/>
-          </a:xfrm>
-          <a:prstGeom prst="rect">
-            <a:avLst/>
-          </a:prstGeom>
-        </p:spPr>
-        <p:txBody>
-          <a:bodyPr/>
-          <a:lstStyle/>
-          <a:p>
-            <a:pPr/>
-          </a:p>
-        </p:txBody>
-      </p:sp>
-      <p:sp>
-        <p:nvSpPr>
-          <p:cNvPr id="89" name="Text Placeholder 30"/>
+          <p:cNvPr id="58" name="Text Placeholder 30"/>
           <p:cNvSpPr/>
           <p:nvPr>
             <p:ph type="body" idx="26"/>
@@ -4052,7 +2527,7 @@
       </p:sp>
       <p:sp>
         <p:nvSpPr>
-          <p:cNvPr id="90" name="Text Placeholder 29"/>
+          <p:cNvPr id="59" name="Text Placeholder 29"/>
           <p:cNvSpPr/>
           <p:nvPr>
             <p:ph type="body" idx="27"/>
@@ -4081,7 +2556,7 @@
       </p:sp>
       <p:sp>
         <p:nvSpPr>
-          <p:cNvPr id="91" name="Title 1"/>
+          <p:cNvPr id="60" name="Title 1"/>
           <p:cNvSpPr txBox="1"/>
           <p:nvPr>
             <p:ph type="title"/>
@@ -4113,28 +2588,28 @@
       </p:sp>
       <p:grpSp>
         <p:nvGrpSpPr>
-          <p:cNvPr id="94" name="TextBox 4"/>
+          <p:cNvPr id="63" name="TextBox 4"/>
           <p:cNvGrpSpPr/>
           <p:nvPr/>
         </p:nvGrpSpPr>
         <p:grpSpPr>
           <a:xfrm>
-            <a:off x="839771" y="5650319"/>
-            <a:ext cx="9144003" cy="10472636"/>
-            <a:chOff x="0" y="0"/>
-            <a:chExt cx="9144002" cy="10472635"/>
+            <a:off x="839770" y="5650317"/>
+            <a:ext cx="9144005" cy="10472639"/>
+            <a:chOff x="0" y="-1"/>
+            <a:chExt cx="9144003" cy="10472637"/>
           </a:xfrm>
         </p:grpSpPr>
         <p:sp>
           <p:nvSpPr>
-            <p:cNvPr id="92" name="Rectangle"/>
+            <p:cNvPr id="61" name="Rectangle"/>
             <p:cNvSpPr/>
             <p:nvPr/>
           </p:nvSpPr>
           <p:spPr>
             <a:xfrm>
-              <a:off x="-1" y="-1"/>
-              <a:ext cx="9144003" cy="10472636"/>
+              <a:off x="-1" y="-2"/>
+              <a:ext cx="9144005" cy="10472639"/>
             </a:xfrm>
             <a:prstGeom prst="rect">
               <a:avLst/>
@@ -4167,14 +2642,14 @@
         </p:sp>
         <p:sp>
           <p:nvSpPr>
-            <p:cNvPr id="93" name="Problem Statement…"/>
+            <p:cNvPr id="62" name="Problem Statement…"/>
             <p:cNvSpPr txBox="1"/>
             <p:nvPr/>
           </p:nvSpPr>
           <p:spPr>
             <a:xfrm>
-              <a:off x="45718" y="-1"/>
-              <a:ext cx="9052563" cy="10010139"/>
+              <a:off x="45717" y="-2"/>
+              <a:ext cx="9052566" cy="10010137"/>
             </a:xfrm>
             <a:prstGeom prst="rect">
               <a:avLst/>
@@ -4267,28 +2742,28 @@
       </p:grpSp>
       <p:grpSp>
         <p:nvGrpSpPr>
-          <p:cNvPr id="98" name="TextBox 5"/>
+          <p:cNvPr id="67" name="TextBox 5"/>
           <p:cNvGrpSpPr/>
           <p:nvPr/>
         </p:nvGrpSpPr>
         <p:grpSpPr>
           <a:xfrm>
-            <a:off x="812984" y="16493013"/>
-            <a:ext cx="9144002" cy="13413603"/>
-            <a:chOff x="0" y="0"/>
-            <a:chExt cx="9144000" cy="13413601"/>
+            <a:off x="812982" y="16493012"/>
+            <a:ext cx="9135347" cy="13400906"/>
+            <a:chOff x="-1" y="0"/>
+            <a:chExt cx="9135346" cy="13400904"/>
           </a:xfrm>
         </p:grpSpPr>
         <p:sp>
           <p:nvSpPr>
-            <p:cNvPr id="95" name="Rectangle"/>
+            <p:cNvPr id="64" name="Rectangle"/>
             <p:cNvSpPr/>
             <p:nvPr/>
           </p:nvSpPr>
           <p:spPr>
             <a:xfrm>
-              <a:off x="0" y="-1"/>
-              <a:ext cx="9144001" cy="8179001"/>
+              <a:off x="-2" y="-1"/>
+              <a:ext cx="9135347" cy="8424682"/>
             </a:xfrm>
             <a:prstGeom prst="rect">
               <a:avLst/>
@@ -4321,14 +2796,1050 @@
         </p:sp>
         <p:sp>
           <p:nvSpPr>
-            <p:cNvPr id="96" name="Data Sources…"/>
+            <p:cNvPr id="65" name="Data Sources…"/>
+            <p:cNvSpPr txBox="1"/>
+            <p:nvPr/>
+          </p:nvSpPr>
+          <p:spPr>
+            <a:xfrm>
+              <a:off x="45675" y="-1"/>
+              <a:ext cx="9043993" cy="8397237"/>
+            </a:xfrm>
+            <a:prstGeom prst="rect">
+              <a:avLst/>
+            </a:prstGeom>
+            <a:noFill/>
+            <a:ln w="12700" cap="flat">
+              <a:noFill/>
+              <a:miter lim="400000"/>
+            </a:ln>
+            <a:effectLst/>
+            <a:extLst>
+              <a:ext uri="{C572A759-6A51-4108-AA02-DFA0A04FC94B}">
+                <ma14:wrappingTextBoxFlag xmlns:ma14="http://schemas.microsoft.com/office/mac/drawingml/2011/main" val="1"/>
+              </a:ext>
+            </a:extLst>
+          </p:spPr>
+          <p:txBody>
+            <a:bodyPr wrap="square" lIns="45718" tIns="45718" rIns="45718" bIns="45718" numCol="1" anchor="t">
+              <a:spAutoFit/>
+            </a:bodyPr>
+            <a:lstStyle/>
+            <a:p>
+              <a:pPr>
+                <a:defRPr b="1" sz="4200">
+                  <a:latin typeface="Aptos"/>
+                  <a:ea typeface="Aptos"/>
+                  <a:cs typeface="Aptos"/>
+                  <a:sym typeface="Aptos"/>
+                </a:defRPr>
+              </a:pPr>
+              <a:r>
+                <a:t>Data Sources </a:t>
+              </a:r>
+            </a:p>
+            <a:p>
+              <a:pPr>
+                <a:lnSpc>
+                  <a:spcPct val="150000"/>
+                </a:lnSpc>
+                <a:defRPr b="1" sz="2800">
+                  <a:latin typeface="Aptos"/>
+                  <a:ea typeface="Aptos"/>
+                  <a:cs typeface="Aptos"/>
+                  <a:sym typeface="Aptos"/>
+                </a:defRPr>
+              </a:pPr>
+              <a:r>
+                <a:t>THECB High School Graduate Enrollment Data</a:t>
+              </a:r>
+            </a:p>
+            <a:p>
+              <a:pPr>
+                <a:defRPr sz="2800">
+                  <a:latin typeface="Aptos"/>
+                  <a:ea typeface="Aptos"/>
+                  <a:cs typeface="Aptos"/>
+                  <a:sym typeface="Aptos"/>
+                </a:defRPr>
+              </a:pPr>
+              <a:r>
+                <a:t>County-level enrollment data from the Texas Higher Education Coordinating Board tracking where 36,175 rows containing 951,423 Texas high school graduates enrolled across 325+ institutions and from 2019-2024. Includes enrollment counts by county, district, and institution.</a:t>
+              </a:r>
+            </a:p>
+            <a:p>
+              <a:pPr>
+                <a:spcBef>
+                  <a:spcPts val="1200"/>
+                </a:spcBef>
+                <a:defRPr sz="1200">
+                  <a:solidFill>
+                    <a:srgbClr val="000000"/>
+                  </a:solidFill>
+                  <a:latin typeface="Times Roman"/>
+                  <a:ea typeface="Times Roman"/>
+                  <a:cs typeface="Times Roman"/>
+                  <a:sym typeface="Times Roman"/>
+                </a:defRPr>
+              </a:pPr>
+            </a:p>
+            <a:p>
+              <a:pPr>
+                <a:lnSpc>
+                  <a:spcPct val="150000"/>
+                </a:lnSpc>
+                <a:defRPr b="1" sz="2800">
+                  <a:latin typeface="Aptos"/>
+                  <a:ea typeface="Aptos"/>
+                  <a:cs typeface="Aptos"/>
+                  <a:sym typeface="Aptos"/>
+                </a:defRPr>
+              </a:pPr>
+              <a:r>
+                <a:t>TEA College Readiness Data</a:t>
+              </a:r>
+            </a:p>
+            <a:p>
+              <a:pPr>
+                <a:defRPr sz="2800">
+                  <a:latin typeface="Aptos"/>
+                  <a:ea typeface="Aptos"/>
+                  <a:cs typeface="Aptos"/>
+                  <a:sym typeface="Aptos"/>
+                </a:defRPr>
+              </a:pPr>
+              <a:r>
+                <a:t>2024 district-level academic performance data from the Texas Education Agency tracking SAT/ACT outcomes across 1,058 school districts in 252 Texas counties. Metrics include test participation rates (70.3% average), college readiness benchmarks (16.5% average achieving critical scores), and TSI dual-subject readiness (26.7% average meeting standards in both Math and Reading/Writing).</a:t>
+              </a:r>
+            </a:p>
+          </p:txBody>
+        </p:sp>
+        <p:pic>
+          <p:nvPicPr>
+            <p:cNvPr id="66" name="Screenshot 2026-02-10 at 12.32.03 AM.png" descr="Screenshot 2026-02-10 at 12.32.03 AM.png"/>
+            <p:cNvPicPr>
+              <a:picLocks noChangeAspect="1"/>
+            </p:cNvPicPr>
+            <p:nvPr/>
+          </p:nvPicPr>
+          <p:blipFill>
+            <a:blip r:embed="rId2">
+              <a:extLst/>
+            </a:blip>
+            <a:stretch>
+              <a:fillRect/>
+            </a:stretch>
+          </p:blipFill>
+          <p:spPr>
+            <a:xfrm>
+              <a:off x="848167" y="8636584"/>
+              <a:ext cx="6712751" cy="4764320"/>
+            </a:xfrm>
+            <a:prstGeom prst="rect">
+              <a:avLst/>
+            </a:prstGeom>
+            <a:ln w="12700" cap="flat">
+              <a:noFill/>
+              <a:miter lim="400000"/>
+            </a:ln>
+            <a:effectLst/>
+          </p:spPr>
+        </p:pic>
+      </p:grpSp>
+      <p:grpSp>
+        <p:nvGrpSpPr>
+          <p:cNvPr id="70" name="TextBox 6"/>
+          <p:cNvGrpSpPr/>
+          <p:nvPr/>
+        </p:nvGrpSpPr>
+        <p:grpSpPr>
+          <a:xfrm>
+            <a:off x="10208876" y="5650319"/>
+            <a:ext cx="12868689" cy="17068294"/>
+            <a:chOff x="0" y="0"/>
+            <a:chExt cx="12868687" cy="17068292"/>
+          </a:xfrm>
+        </p:grpSpPr>
+        <p:sp>
+          <p:nvSpPr>
+            <p:cNvPr id="68" name="Rectangle"/>
             <p:cNvSpPr/>
             <p:nvPr/>
           </p:nvSpPr>
           <p:spPr>
             <a:xfrm>
-              <a:off x="45718" y="-1"/>
-              <a:ext cx="9052563" cy="1"/>
+              <a:off x="0" y="0"/>
+              <a:ext cx="12868688" cy="13847303"/>
+            </a:xfrm>
+            <a:prstGeom prst="rect">
+              <a:avLst/>
+            </a:prstGeom>
+            <a:solidFill>
+              <a:srgbClr val="FFFFFF"/>
+            </a:solidFill>
+            <a:ln w="12700" cap="flat">
+              <a:noFill/>
+              <a:miter lim="400000"/>
+            </a:ln>
+            <a:effectLst/>
+          </p:spPr>
+          <p:txBody>
+            <a:bodyPr wrap="square" lIns="45718" tIns="45718" rIns="45718" bIns="45718" numCol="1" anchor="t">
+              <a:noAutofit/>
+            </a:bodyPr>
+            <a:lstStyle/>
+            <a:p>
+              <a:pPr>
+                <a:defRPr>
+                  <a:latin typeface="Aptos"/>
+                  <a:ea typeface="Aptos"/>
+                  <a:cs typeface="Aptos"/>
+                  <a:sym typeface="Aptos"/>
+                </a:defRPr>
+              </a:pPr>
+            </a:p>
+          </p:txBody>
+        </p:sp>
+        <p:sp>
+          <p:nvSpPr>
+            <p:cNvPr id="69" name="Methods…"/>
+            <p:cNvSpPr txBox="1"/>
+            <p:nvPr/>
+          </p:nvSpPr>
+          <p:spPr>
+            <a:xfrm>
+              <a:off x="83115" y="35056"/>
+              <a:ext cx="12747928" cy="17033237"/>
+            </a:xfrm>
+            <a:prstGeom prst="rect">
+              <a:avLst/>
+            </a:prstGeom>
+            <a:noFill/>
+            <a:ln w="12700" cap="flat">
+              <a:noFill/>
+              <a:miter lim="400000"/>
+            </a:ln>
+            <a:effectLst/>
+            <a:extLst>
+              <a:ext uri="{C572A759-6A51-4108-AA02-DFA0A04FC94B}">
+                <ma14:wrappingTextBoxFlag xmlns:ma14="http://schemas.microsoft.com/office/mac/drawingml/2011/main" val="1"/>
+              </a:ext>
+            </a:extLst>
+          </p:spPr>
+          <p:txBody>
+            <a:bodyPr wrap="square" lIns="45718" tIns="45718" rIns="45718" bIns="45718" numCol="1" anchor="t">
+              <a:spAutoFit/>
+            </a:bodyPr>
+            <a:lstStyle/>
+            <a:p>
+              <a:pPr>
+                <a:defRPr b="1" sz="4200">
+                  <a:latin typeface="Aptos"/>
+                  <a:ea typeface="Aptos"/>
+                  <a:cs typeface="Aptos"/>
+                  <a:sym typeface="Aptos"/>
+                </a:defRPr>
+              </a:pPr>
+              <a:r>
+                <a:t>Methods</a:t>
+              </a:r>
+            </a:p>
+            <a:p>
+              <a:pPr>
+                <a:lnSpc>
+                  <a:spcPct val="150000"/>
+                </a:lnSpc>
+                <a:defRPr b="1" sz="2800">
+                  <a:latin typeface="Aptos"/>
+                  <a:ea typeface="Aptos"/>
+                  <a:cs typeface="Aptos"/>
+                  <a:sym typeface="Aptos"/>
+                </a:defRPr>
+              </a:pPr>
+              <a:r>
+                <a:t>Data Processing</a:t>
+              </a:r>
+            </a:p>
+            <a:p>
+              <a:pPr marL="280735" indent="-280735">
+                <a:buSzPct val="100000"/>
+                <a:buChar char="•"/>
+                <a:defRPr sz="2800">
+                  <a:latin typeface="Aptos"/>
+                  <a:ea typeface="Aptos"/>
+                  <a:cs typeface="Aptos"/>
+                  <a:sym typeface="Aptos"/>
+                </a:defRPr>
+              </a:pPr>
+              <a:r>
+                <a:t>Cleaned and standardized county names across THECB enrollment and TEA SAT/ACT datasets</a:t>
+              </a:r>
+            </a:p>
+            <a:p>
+              <a:pPr marL="280735" indent="-280735">
+                <a:buSzPct val="100000"/>
+                <a:buChar char="•"/>
+                <a:defRPr sz="2800">
+                  <a:latin typeface="Aptos"/>
+                  <a:ea typeface="Aptos"/>
+                  <a:cs typeface="Aptos"/>
+                  <a:sym typeface="Aptos"/>
+                </a:defRPr>
+              </a:pPr>
+              <a:r>
+                <a:t>Removed non-college categories from enrollment data</a:t>
+              </a:r>
+            </a:p>
+            <a:p>
+              <a:pPr marL="280735" indent="-280735">
+                <a:buSzPct val="100000"/>
+                <a:buChar char="•"/>
+                <a:defRPr sz="2800">
+                  <a:latin typeface="Aptos"/>
+                  <a:ea typeface="Aptos"/>
+                  <a:cs typeface="Aptos"/>
+                  <a:sym typeface="Aptos"/>
+                </a:defRPr>
+              </a:pPr>
+              <a:r>
+                <a:t>Aggregated district-level SAT/ACT data to county level using mean performance rates</a:t>
+              </a:r>
+            </a:p>
+            <a:p>
+              <a:pPr marL="280735" indent="-280735">
+                <a:buSzPct val="100000"/>
+                <a:buChar char="•"/>
+                <a:defRPr sz="2800">
+                  <a:latin typeface="Aptos"/>
+                  <a:ea typeface="Aptos"/>
+                  <a:cs typeface="Aptos"/>
+                  <a:sym typeface="Aptos"/>
+                </a:defRPr>
+              </a:pPr>
+              <a:r>
+                <a:t>Calculated market share for TXST and seven competitor institutions per county</a:t>
+              </a:r>
+            </a:p>
+            <a:p>
+              <a:pPr marL="280735" indent="-280735">
+                <a:buSzPct val="100000"/>
+                <a:buChar char="•"/>
+                <a:defRPr sz="2800">
+                  <a:latin typeface="Aptos"/>
+                  <a:ea typeface="Aptos"/>
+                  <a:cs typeface="Aptos"/>
+                  <a:sym typeface="Aptos"/>
+                </a:defRPr>
+              </a:pPr>
+              <a:r>
+                <a:t>Merged enrollment and academic performance data on county</a:t>
+              </a:r>
+            </a:p>
+            <a:p>
+              <a:pPr>
+                <a:lnSpc>
+                  <a:spcPct val="150000"/>
+                </a:lnSpc>
+                <a:defRPr b="1" sz="2800">
+                  <a:latin typeface="Aptos"/>
+                  <a:ea typeface="Aptos"/>
+                  <a:cs typeface="Aptos"/>
+                  <a:sym typeface="Aptos"/>
+                </a:defRPr>
+              </a:pPr>
+              <a:r>
+                <a:t>Opportunity Scoring Two composite scoring approaches developed:</a:t>
+              </a:r>
+            </a:p>
+            <a:p>
+              <a:pPr marL="374314" indent="-374314">
+                <a:buSzPct val="100000"/>
+                <a:buAutoNum type="arabicPeriod" startAt="1"/>
+                <a:defRPr sz="2800">
+                  <a:latin typeface="Aptos"/>
+                  <a:ea typeface="Aptos"/>
+                  <a:cs typeface="Aptos"/>
+                  <a:sym typeface="Aptos"/>
+                </a:defRPr>
+              </a:pPr>
+              <a:r>
+                <a:t>Enrollment-Only: Market Size (50%), Growth Potential to 17% target (30%), Breakable Market (20%)</a:t>
+              </a:r>
+            </a:p>
+            <a:p>
+              <a:pPr marL="374314" indent="-374314">
+                <a:buSzPct val="100000"/>
+                <a:buAutoNum type="arabicPeriod" startAt="1"/>
+                <a:defRPr sz="2800">
+                  <a:latin typeface="Aptos"/>
+                  <a:ea typeface="Aptos"/>
+                  <a:cs typeface="Aptos"/>
+                  <a:sym typeface="Aptos"/>
+                </a:defRPr>
+              </a:pPr>
+              <a:r>
+                <a:t>Combined Academic + Enrollment: Academic Performance (40%), Market Size (30%), TXST Gap (20%), Test Participation (10%)</a:t>
+              </a:r>
+            </a:p>
+            <a:p>
+              <a:pPr>
+                <a:defRPr sz="2800">
+                  <a:latin typeface="Aptos"/>
+                  <a:ea typeface="Aptos"/>
+                  <a:cs typeface="Aptos"/>
+                  <a:sym typeface="Aptos"/>
+                </a:defRPr>
+              </a:pPr>
+              <a:r>
+                <a:t>All components normalized to 0-100 scale</a:t>
+              </a:r>
+            </a:p>
+            <a:p>
+              <a:pPr>
+                <a:lnSpc>
+                  <a:spcPct val="150000"/>
+                </a:lnSpc>
+                <a:defRPr b="1" sz="2800">
+                  <a:latin typeface="Aptos"/>
+                  <a:ea typeface="Aptos"/>
+                  <a:cs typeface="Aptos"/>
+                  <a:sym typeface="Aptos"/>
+                </a:defRPr>
+              </a:pPr>
+              <a:r>
+                <a:t>Tier Classification Counties classified into five strategic tiers based on:</a:t>
+              </a:r>
+            </a:p>
+            <a:p>
+              <a:pPr marL="228600" indent="-228600">
+                <a:buSzPct val="100000"/>
+                <a:buChar char="•"/>
+                <a:defRPr sz="2800">
+                  <a:latin typeface="Aptos"/>
+                  <a:ea typeface="Aptos"/>
+                  <a:cs typeface="Aptos"/>
+                  <a:sym typeface="Aptos"/>
+                </a:defRPr>
+              </a:pPr>
+              <a:r>
+                <a:t>High Academic Performance (College Ready ≥25%)</a:t>
+              </a:r>
+            </a:p>
+            <a:p>
+              <a:pPr marL="228600" indent="-228600">
+                <a:buSzPct val="100000"/>
+                <a:buChar char="•"/>
+                <a:defRPr sz="2800">
+                  <a:latin typeface="Aptos"/>
+                  <a:ea typeface="Aptos"/>
+                  <a:cs typeface="Aptos"/>
+                  <a:sym typeface="Aptos"/>
+                </a:defRPr>
+              </a:pPr>
+              <a:r>
+                <a:t>Large Market (&gt;2,000 students)</a:t>
+              </a:r>
+            </a:p>
+            <a:p>
+              <a:pPr marL="228600" indent="-228600">
+                <a:buSzPct val="100000"/>
+                <a:buChar char="•"/>
+                <a:defRPr sz="2800">
+                  <a:latin typeface="Aptos"/>
+                  <a:ea typeface="Aptos"/>
+                  <a:cs typeface="Aptos"/>
+                  <a:sym typeface="Aptos"/>
+                </a:defRPr>
+              </a:pPr>
+              <a:r>
+                <a:t>Low TXST Presence (&lt;10% share)</a:t>
+              </a:r>
+            </a:p>
+            <a:p>
+              <a:pPr>
+                <a:defRPr sz="2800">
+                  <a:latin typeface="Aptos"/>
+                  <a:ea typeface="Aptos"/>
+                  <a:cs typeface="Aptos"/>
+                  <a:sym typeface="Aptos"/>
+                </a:defRPr>
+              </a:pPr>
+            </a:p>
+            <a:p>
+              <a:pPr>
+                <a:defRPr sz="2800">
+                  <a:latin typeface="Aptos"/>
+                  <a:ea typeface="Aptos"/>
+                  <a:cs typeface="Aptos"/>
+                  <a:sym typeface="Aptos"/>
+                </a:defRPr>
+              </a:pPr>
+              <a:r>
+                <a:t>Tier 1 (Prime): All three criteria met Tier 2: High academics + Low TXST Tier 3: High academics (TXST present) Tier 4: Large market + Low TXST Tier 5: Maintain/Monitor</a:t>
+              </a:r>
+            </a:p>
+            <a:p>
+              <a:pPr>
+                <a:defRPr sz="2800">
+                  <a:latin typeface="Aptos"/>
+                  <a:ea typeface="Aptos"/>
+                  <a:cs typeface="Aptos"/>
+                  <a:sym typeface="Aptos"/>
+                </a:defRPr>
+              </a:pPr>
+            </a:p>
+            <a:p>
+              <a:pPr>
+                <a:spcBef>
+                  <a:spcPts val="1200"/>
+                </a:spcBef>
+                <a:defRPr b="1" sz="2800">
+                  <a:latin typeface="Aptos"/>
+                  <a:ea typeface="Aptos"/>
+                  <a:cs typeface="Aptos"/>
+                  <a:sym typeface="Aptos"/>
+                </a:defRPr>
+              </a:pPr>
+              <a:r>
+                <a:t>Visualization</a:t>
+              </a:r>
+            </a:p>
+            <a:p>
+              <a:pPr marL="228600" indent="-228600">
+                <a:buSzPct val="100000"/>
+                <a:buChar char="•"/>
+                <a:defRPr sz="2800">
+                  <a:latin typeface="Aptos"/>
+                  <a:ea typeface="Aptos"/>
+                  <a:cs typeface="Aptos"/>
+                  <a:sym typeface="Aptos"/>
+                </a:defRPr>
+              </a:pPr>
+              <a:r>
+                <a:t> Interactive choropleth maps created using Plotly and Census TIGER/Line 2020 shapefiles, displaying county-level academic performance, enrollment patterns, and strategic recruitment priorities.</a:t>
+              </a:r>
+            </a:p>
+            <a:p>
+              <a:pPr>
+                <a:spcBef>
+                  <a:spcPts val="1200"/>
+                </a:spcBef>
+                <a:defRPr sz="1200">
+                  <a:solidFill>
+                    <a:srgbClr val="000000"/>
+                  </a:solidFill>
+                  <a:latin typeface="Times Roman"/>
+                  <a:ea typeface="Times Roman"/>
+                  <a:cs typeface="Times Roman"/>
+                  <a:sym typeface="Times Roman"/>
+                </a:defRPr>
+              </a:pPr>
+            </a:p>
+            <a:p>
+              <a:pPr>
+                <a:spcBef>
+                  <a:spcPts val="1200"/>
+                </a:spcBef>
+                <a:defRPr sz="1200">
+                  <a:solidFill>
+                    <a:srgbClr val="000000"/>
+                  </a:solidFill>
+                  <a:latin typeface="Times Roman"/>
+                  <a:ea typeface="Times Roman"/>
+                  <a:cs typeface="Times Roman"/>
+                  <a:sym typeface="Times Roman"/>
+                </a:defRPr>
+              </a:pPr>
+            </a:p>
+            <a:p>
+              <a:pPr algn="ctr">
+                <a:defRPr sz="1100">
+                  <a:solidFill>
+                    <a:srgbClr val="000000">
+                      <a:alpha val="84705"/>
+                    </a:srgbClr>
+                  </a:solidFill>
+                  <a:latin typeface="+mj-lt"/>
+                  <a:ea typeface="+mj-ea"/>
+                  <a:cs typeface="+mj-cs"/>
+                  <a:sym typeface="Helvetica"/>
+                </a:defRPr>
+              </a:pPr>
+            </a:p>
+            <a:p>
+              <a:pPr algn="ctr">
+                <a:defRPr sz="1100">
+                  <a:solidFill>
+                    <a:srgbClr val="000000">
+                      <a:alpha val="84705"/>
+                    </a:srgbClr>
+                  </a:solidFill>
+                  <a:latin typeface="+mj-lt"/>
+                  <a:ea typeface="+mj-ea"/>
+                  <a:cs typeface="+mj-cs"/>
+                  <a:sym typeface="Helvetica"/>
+                </a:defRPr>
+              </a:pPr>
+            </a:p>
+            <a:p>
+              <a:pPr algn="ctr">
+                <a:defRPr sz="1100">
+                  <a:solidFill>
+                    <a:srgbClr val="000000">
+                      <a:alpha val="84705"/>
+                    </a:srgbClr>
+                  </a:solidFill>
+                  <a:latin typeface="+mj-lt"/>
+                  <a:ea typeface="+mj-ea"/>
+                  <a:cs typeface="+mj-cs"/>
+                  <a:sym typeface="Helvetica"/>
+                </a:defRPr>
+              </a:pPr>
+            </a:p>
+            <a:p>
+              <a:pPr algn="ctr">
+                <a:defRPr sz="1100">
+                  <a:solidFill>
+                    <a:srgbClr val="000000">
+                      <a:alpha val="84705"/>
+                    </a:srgbClr>
+                  </a:solidFill>
+                  <a:latin typeface="+mj-lt"/>
+                  <a:ea typeface="+mj-ea"/>
+                  <a:cs typeface="+mj-cs"/>
+                  <a:sym typeface="Helvetica"/>
+                </a:defRPr>
+              </a:pPr>
+            </a:p>
+            <a:p>
+              <a:pPr algn="ctr">
+                <a:defRPr sz="1100">
+                  <a:solidFill>
+                    <a:srgbClr val="000000">
+                      <a:alpha val="84705"/>
+                    </a:srgbClr>
+                  </a:solidFill>
+                  <a:latin typeface="+mj-lt"/>
+                  <a:ea typeface="+mj-ea"/>
+                  <a:cs typeface="+mj-cs"/>
+                  <a:sym typeface="Helvetica"/>
+                </a:defRPr>
+              </a:pPr>
+            </a:p>
+            <a:p>
+              <a:pPr>
+                <a:defRPr sz="1200">
+                  <a:solidFill>
+                    <a:srgbClr val="000000"/>
+                  </a:solidFill>
+                  <a:latin typeface="Times Roman"/>
+                  <a:ea typeface="Times Roman"/>
+                  <a:cs typeface="Times Roman"/>
+                  <a:sym typeface="Times Roman"/>
+                </a:defRPr>
+              </a:pPr>
+            </a:p>
+            <a:p>
+              <a:pPr>
+                <a:defRPr sz="1200">
+                  <a:solidFill>
+                    <a:srgbClr val="000000"/>
+                  </a:solidFill>
+                  <a:latin typeface="Times Roman"/>
+                  <a:ea typeface="Times Roman"/>
+                  <a:cs typeface="Times Roman"/>
+                  <a:sym typeface="Times Roman"/>
+                </a:defRPr>
+              </a:pPr>
+            </a:p>
+            <a:p>
+              <a:pPr>
+                <a:defRPr sz="1200">
+                  <a:solidFill>
+                    <a:srgbClr val="000000"/>
+                  </a:solidFill>
+                  <a:latin typeface="Times Roman"/>
+                  <a:ea typeface="Times Roman"/>
+                  <a:cs typeface="Times Roman"/>
+                  <a:sym typeface="Times Roman"/>
+                </a:defRPr>
+              </a:pPr>
+            </a:p>
+            <a:p>
+              <a:pPr>
+                <a:defRPr sz="1200">
+                  <a:solidFill>
+                    <a:srgbClr val="000000"/>
+                  </a:solidFill>
+                  <a:latin typeface="Times Roman"/>
+                  <a:ea typeface="Times Roman"/>
+                  <a:cs typeface="Times Roman"/>
+                  <a:sym typeface="Times Roman"/>
+                </a:defRPr>
+              </a:pPr>
+            </a:p>
+            <a:p>
+              <a:pPr algn="ctr">
+                <a:defRPr sz="1100">
+                  <a:solidFill>
+                    <a:srgbClr val="000000">
+                      <a:alpha val="84705"/>
+                    </a:srgbClr>
+                  </a:solidFill>
+                  <a:latin typeface="+mj-lt"/>
+                  <a:ea typeface="+mj-ea"/>
+                  <a:cs typeface="+mj-cs"/>
+                  <a:sym typeface="Helvetica"/>
+                </a:defRPr>
+              </a:pPr>
+            </a:p>
+            <a:p>
+              <a:pPr algn="ctr">
+                <a:defRPr sz="1100">
+                  <a:solidFill>
+                    <a:srgbClr val="000000">
+                      <a:alpha val="84705"/>
+                    </a:srgbClr>
+                  </a:solidFill>
+                  <a:latin typeface="+mj-lt"/>
+                  <a:ea typeface="+mj-ea"/>
+                  <a:cs typeface="+mj-cs"/>
+                  <a:sym typeface="Helvetica"/>
+                </a:defRPr>
+              </a:pPr>
+            </a:p>
+            <a:p>
+              <a:pPr>
+                <a:defRPr sz="1200">
+                  <a:solidFill>
+                    <a:srgbClr val="000000"/>
+                  </a:solidFill>
+                  <a:latin typeface="Times Roman"/>
+                  <a:ea typeface="Times Roman"/>
+                  <a:cs typeface="Times Roman"/>
+                  <a:sym typeface="Times Roman"/>
+                </a:defRPr>
+              </a:pPr>
+            </a:p>
+            <a:p>
+              <a:pPr>
+                <a:defRPr sz="1200">
+                  <a:solidFill>
+                    <a:srgbClr val="000000"/>
+                  </a:solidFill>
+                  <a:latin typeface="Times Roman"/>
+                  <a:ea typeface="Times Roman"/>
+                  <a:cs typeface="Times Roman"/>
+                  <a:sym typeface="Times Roman"/>
+                </a:defRPr>
+              </a:pPr>
+            </a:p>
+            <a:p>
+              <a:pPr>
+                <a:defRPr sz="1200">
+                  <a:solidFill>
+                    <a:srgbClr val="000000"/>
+                  </a:solidFill>
+                  <a:latin typeface="Times Roman"/>
+                  <a:ea typeface="Times Roman"/>
+                  <a:cs typeface="Times Roman"/>
+                  <a:sym typeface="Times Roman"/>
+                </a:defRPr>
+              </a:pPr>
+            </a:p>
+            <a:p>
+              <a:pPr>
+                <a:defRPr sz="1200">
+                  <a:solidFill>
+                    <a:srgbClr val="000000"/>
+                  </a:solidFill>
+                  <a:latin typeface="Times Roman"/>
+                  <a:ea typeface="Times Roman"/>
+                  <a:cs typeface="Times Roman"/>
+                  <a:sym typeface="Times Roman"/>
+                </a:defRPr>
+              </a:pPr>
+            </a:p>
+          </p:txBody>
+        </p:sp>
+      </p:grpSp>
+      <p:grpSp>
+        <p:nvGrpSpPr>
+          <p:cNvPr id="73" name="TextBox 7"/>
+          <p:cNvGrpSpPr/>
+          <p:nvPr/>
+        </p:nvGrpSpPr>
+        <p:grpSpPr>
+          <a:xfrm>
+            <a:off x="33003479" y="5650317"/>
+            <a:ext cx="9903704" cy="10226037"/>
+            <a:chOff x="0" y="0"/>
+            <a:chExt cx="9903703" cy="10226036"/>
+          </a:xfrm>
+        </p:grpSpPr>
+        <p:sp>
+          <p:nvSpPr>
+            <p:cNvPr id="71" name="Rectangle"/>
+            <p:cNvSpPr/>
+            <p:nvPr/>
+          </p:nvSpPr>
+          <p:spPr>
+            <a:xfrm>
+              <a:off x="0" y="1"/>
+              <a:ext cx="9903704" cy="9300807"/>
+            </a:xfrm>
+            <a:prstGeom prst="rect">
+              <a:avLst/>
+            </a:prstGeom>
+            <a:solidFill>
+              <a:srgbClr val="FFFFFF"/>
+            </a:solidFill>
+            <a:ln w="12700" cap="flat">
+              <a:noFill/>
+              <a:miter lim="400000"/>
+            </a:ln>
+            <a:effectLst/>
+          </p:spPr>
+          <p:txBody>
+            <a:bodyPr wrap="square" lIns="45718" tIns="45718" rIns="45718" bIns="45718" numCol="1" anchor="t">
+              <a:noAutofit/>
+            </a:bodyPr>
+            <a:lstStyle/>
+            <a:p>
+              <a:pPr>
+                <a:defRPr>
+                  <a:latin typeface="Aptos"/>
+                  <a:ea typeface="Aptos"/>
+                  <a:cs typeface="Aptos"/>
+                  <a:sym typeface="Aptos"/>
+                </a:defRPr>
+              </a:pPr>
+            </a:p>
+          </p:txBody>
+        </p:sp>
+        <p:sp>
+          <p:nvSpPr>
+            <p:cNvPr id="72" name="Results…"/>
+            <p:cNvSpPr txBox="1"/>
+            <p:nvPr/>
+          </p:nvSpPr>
+          <p:spPr>
+            <a:xfrm>
+              <a:off x="45015" y="0"/>
+              <a:ext cx="9813672" cy="10226037"/>
+            </a:xfrm>
+            <a:prstGeom prst="rect">
+              <a:avLst/>
+            </a:prstGeom>
+            <a:noFill/>
+            <a:ln w="12700" cap="flat">
+              <a:noFill/>
+              <a:miter lim="400000"/>
+            </a:ln>
+            <a:effectLst/>
+            <a:extLst>
+              <a:ext uri="{C572A759-6A51-4108-AA02-DFA0A04FC94B}">
+                <ma14:wrappingTextBoxFlag xmlns:ma14="http://schemas.microsoft.com/office/mac/drawingml/2011/main" val="1"/>
+              </a:ext>
+            </a:extLst>
+          </p:spPr>
+          <p:txBody>
+            <a:bodyPr wrap="square" lIns="45718" tIns="45718" rIns="45718" bIns="45718" numCol="1" anchor="t">
+              <a:spAutoFit/>
+            </a:bodyPr>
+            <a:lstStyle/>
+            <a:p>
+              <a:pPr>
+                <a:defRPr b="1" sz="4200">
+                  <a:latin typeface="Aptos"/>
+                  <a:ea typeface="Aptos"/>
+                  <a:cs typeface="Aptos"/>
+                  <a:sym typeface="Aptos"/>
+                </a:defRPr>
+              </a:pPr>
+              <a:r>
+                <a:t>Results </a:t>
+              </a:r>
+            </a:p>
+            <a:p>
+              <a:pPr marL="228600" indent="-228600">
+                <a:buSzPct val="100000"/>
+                <a:buChar char="•"/>
+                <a:defRPr sz="2800">
+                  <a:latin typeface="Aptos"/>
+                  <a:ea typeface="Aptos"/>
+                  <a:cs typeface="Aptos"/>
+                  <a:sym typeface="Aptos"/>
+                </a:defRPr>
+              </a:pPr>
+              <a:r>
+                <a:t>THECB enrollment data and SAT/ACT readiness data were merged to create a combined dataset covering 265 Texas counties, with 229 counties containing both enrollment and academic readiness metrics.</a:t>
+              </a:r>
+            </a:p>
+            <a:p>
+              <a:pPr marL="228600" indent="-228600">
+                <a:buSzPct val="100000"/>
+                <a:buChar char="•"/>
+                <a:defRPr sz="2800">
+                  <a:latin typeface="Aptos"/>
+                  <a:ea typeface="Aptos"/>
+                  <a:cs typeface="Aptos"/>
+                  <a:sym typeface="Aptos"/>
+                </a:defRPr>
+              </a:pPr>
+              <a:r>
+                <a:t>Counties were classified into five strategic recruitment tiers based on college readiness, total student market, and Texas State (TXST) market share.</a:t>
+              </a:r>
+            </a:p>
+            <a:p>
+              <a:pPr marL="228600" indent="-228600">
+                <a:buSzPct val="100000"/>
+                <a:buChar char="•"/>
+                <a:defRPr sz="2800">
+                  <a:latin typeface="Aptos"/>
+                  <a:ea typeface="Aptos"/>
+                  <a:cs typeface="Aptos"/>
+                  <a:sym typeface="Aptos"/>
+                </a:defRPr>
+              </a:pPr>
+              <a:r>
+                <a:t>6 Tier 1 (prime target) and 20 Tier 2 (strong opportunity) counties were identified as high-growth regions where academic performance is strong but TXST presence is low.</a:t>
+              </a:r>
+            </a:p>
+            <a:p>
+              <a:pPr marL="228600" indent="-228600">
+                <a:buSzPct val="100000"/>
+                <a:buChar char="•"/>
+                <a:defRPr sz="2800">
+                  <a:latin typeface="Aptos"/>
+                  <a:ea typeface="Aptos"/>
+                  <a:cs typeface="Aptos"/>
+                  <a:sym typeface="Aptos"/>
+                </a:defRPr>
+              </a:pPr>
+              <a:r>
+                <a:t>Tier 1 counties alone represent a potential market of 85,560 students, with projected growth of +11,017 TXST students if market share increased to 15%.</a:t>
+              </a:r>
+            </a:p>
+            <a:p>
+              <a:pPr marL="228600" indent="-228600">
+                <a:buSzPct val="100000"/>
+                <a:buChar char="•"/>
+                <a:defRPr sz="2800">
+                  <a:latin typeface="Aptos"/>
+                  <a:ea typeface="Aptos"/>
+                  <a:cs typeface="Aptos"/>
+                  <a:sym typeface="Aptos"/>
+                </a:defRPr>
+              </a:pPr>
+              <a:r>
+                <a:t>Prime target counties show significantly higher academic readiness (~29.9%) compared to the statewide average (15.6%), indicating strong recruitment alignment.</a:t>
+              </a:r>
+            </a:p>
+            <a:p>
+              <a:pPr marL="228600" indent="-228600">
+                <a:buSzPct val="100000"/>
+                <a:buChar char="•"/>
+                <a:defRPr sz="2800">
+                  <a:latin typeface="Aptos"/>
+                  <a:ea typeface="Aptos"/>
+                  <a:cs typeface="Aptos"/>
+                  <a:sym typeface="Aptos"/>
+                </a:defRPr>
+              </a:pPr>
+              <a:r>
+                <a:t>Overall, results highlight geographically concentrated regions where targeted recruitment could substantially increase TXST enrollment.</a:t>
+              </a:r>
+            </a:p>
+            <a:p>
+              <a:pPr>
+                <a:defRPr sz="2800">
+                  <a:latin typeface="Aptos"/>
+                  <a:ea typeface="Aptos"/>
+                  <a:cs typeface="Aptos"/>
+                  <a:sym typeface="Aptos"/>
+                </a:defRPr>
+              </a:pPr>
+            </a:p>
+            <a:p>
+              <a:pPr marL="228600" indent="-228600">
+                <a:buSzPct val="100000"/>
+                <a:buChar char="•"/>
+                <a:defRPr sz="2800">
+                  <a:latin typeface="Aptos"/>
+                  <a:ea typeface="Aptos"/>
+                  <a:cs typeface="Aptos"/>
+                  <a:sym typeface="Aptos"/>
+                </a:defRPr>
+              </a:pPr>
+            </a:p>
+          </p:txBody>
+        </p:sp>
+      </p:grpSp>
+      <p:grpSp>
+        <p:nvGrpSpPr>
+          <p:cNvPr id="76" name="TextBox 8"/>
+          <p:cNvGrpSpPr/>
+          <p:nvPr/>
+        </p:nvGrpSpPr>
+        <p:grpSpPr>
+          <a:xfrm>
+            <a:off x="23468519" y="5650317"/>
+            <a:ext cx="9144005" cy="10886286"/>
+            <a:chOff x="0" y="-1"/>
+            <a:chExt cx="9144003" cy="10886285"/>
+          </a:xfrm>
+        </p:grpSpPr>
+        <p:sp>
+          <p:nvSpPr>
+            <p:cNvPr id="74" name="Rectangle"/>
+            <p:cNvSpPr/>
+            <p:nvPr/>
+          </p:nvSpPr>
+          <p:spPr>
+            <a:xfrm>
+              <a:off x="-1" y="-1"/>
+              <a:ext cx="9144005" cy="10886285"/>
+            </a:xfrm>
+            <a:prstGeom prst="rect">
+              <a:avLst/>
+            </a:prstGeom>
+            <a:solidFill>
+              <a:srgbClr val="FFFFFF"/>
+            </a:solidFill>
+            <a:ln w="12700" cap="flat">
+              <a:noFill/>
+              <a:miter lim="400000"/>
+            </a:ln>
+            <a:effectLst/>
+          </p:spPr>
+          <p:txBody>
+            <a:bodyPr wrap="square" lIns="45718" tIns="45718" rIns="45718" bIns="45718" numCol="1" anchor="t">
+              <a:noAutofit/>
+            </a:bodyPr>
+            <a:lstStyle/>
+            <a:p>
+              <a:pPr>
+                <a:defRPr>
+                  <a:latin typeface="Aptos"/>
+                  <a:ea typeface="Aptos"/>
+                  <a:cs typeface="Aptos"/>
+                  <a:sym typeface="Aptos"/>
+                </a:defRPr>
+              </a:pPr>
+            </a:p>
+          </p:txBody>
+        </p:sp>
+        <p:sp>
+          <p:nvSpPr>
+            <p:cNvPr id="75" name="Findings…"/>
+            <p:cNvSpPr/>
+            <p:nvPr/>
+          </p:nvSpPr>
+          <p:spPr>
+            <a:xfrm>
+              <a:off x="45717" y="-2"/>
+              <a:ext cx="9052567" cy="1"/>
             </a:xfrm>
             <a:custGeom>
               <a:avLst/>
@@ -4394,503 +3905,14 @@
                 </a:defRPr>
               </a:pPr>
               <a:r>
-                <a:t>Data Sources </a:t>
+                <a:t>Findings</a:t>
               </a:r>
             </a:p>
             <a:p>
-              <a:pPr>
-                <a:lnSpc>
-                  <a:spcPct val="150000"/>
-                </a:lnSpc>
-                <a:defRPr b="1" sz="2800">
-                  <a:latin typeface="Aptos"/>
-                  <a:ea typeface="Aptos"/>
-                  <a:cs typeface="Aptos"/>
-                  <a:sym typeface="Aptos"/>
-                </a:defRPr>
-              </a:pPr>
-              <a:r>
-                <a:t>THECB High School Graduate Enrollment Data</a:t>
-              </a:r>
-            </a:p>
-            <a:p>
-              <a:pPr>
-                <a:defRPr sz="2800">
-                  <a:latin typeface="Aptos"/>
-                  <a:ea typeface="Aptos"/>
-                  <a:cs typeface="Aptos"/>
-                  <a:sym typeface="Aptos"/>
-                </a:defRPr>
-              </a:pPr>
-              <a:r>
-                <a:t>County-level enrollment data from the Texas Higher Education Coordinating Board tracking where 36,175 rows containing 951,423 Texas high school graduates enrolled across 325+ institutions and from 2019-2024. Includes enrollment counts by county, district, and institution.</a:t>
-              </a:r>
-            </a:p>
-            <a:p>
-              <a:pPr>
+              <a:pPr marL="280735" indent="-280735">
                 <a:spcBef>
                   <a:spcPts val="1200"/>
                 </a:spcBef>
-                <a:defRPr sz="1200">
-                  <a:solidFill>
-                    <a:srgbClr val="000000"/>
-                  </a:solidFill>
-                  <a:latin typeface="Times Roman"/>
-                  <a:ea typeface="Times Roman"/>
-                  <a:cs typeface="Times Roman"/>
-                  <a:sym typeface="Times Roman"/>
-                </a:defRPr>
-              </a:pPr>
-            </a:p>
-            <a:p>
-              <a:pPr>
-                <a:lnSpc>
-                  <a:spcPct val="150000"/>
-                </a:lnSpc>
-                <a:defRPr b="1" sz="2800">
-                  <a:latin typeface="Aptos"/>
-                  <a:ea typeface="Aptos"/>
-                  <a:cs typeface="Aptos"/>
-                  <a:sym typeface="Aptos"/>
-                </a:defRPr>
-              </a:pPr>
-              <a:r>
-                <a:t>TEA College Readiness Data</a:t>
-              </a:r>
-            </a:p>
-            <a:p>
-              <a:pPr>
-                <a:defRPr sz="2800">
-                  <a:latin typeface="Aptos"/>
-                  <a:ea typeface="Aptos"/>
-                  <a:cs typeface="Aptos"/>
-                  <a:sym typeface="Aptos"/>
-                </a:defRPr>
-              </a:pPr>
-              <a:r>
-                <a:t>District-level standardized test performance data from the Texas Education Agency tracking 6,455 district-year records across 1,166 school districts in 252 Texas counties from 2019-2024. Includes SAT/ACT participation rates, college readiness benchmark achievement, and Texas Success Initiative (TSI) standard performance percentages.</a:t>
-              </a:r>
-            </a:p>
-          </p:txBody>
-        </p:sp>
-        <p:pic>
-          <p:nvPicPr>
-            <p:cNvPr id="97" name="Screenshot 2026-02-10 at 12.32.03 AM.png" descr="Screenshot 2026-02-10 at 12.32.03 AM.png"/>
-            <p:cNvPicPr>
-              <a:picLocks noChangeAspect="1"/>
-            </p:cNvPicPr>
-            <p:nvPr/>
-          </p:nvPicPr>
-          <p:blipFill>
-            <a:blip r:embed="rId2">
-              <a:extLst/>
-            </a:blip>
-            <a:stretch>
-              <a:fillRect/>
-            </a:stretch>
-          </p:blipFill>
-          <p:spPr>
-            <a:xfrm>
-              <a:off x="848971" y="8644768"/>
-              <a:ext cx="6719112" cy="4768834"/>
-            </a:xfrm>
-            <a:prstGeom prst="rect">
-              <a:avLst/>
-            </a:prstGeom>
-            <a:ln w="12700" cap="flat">
-              <a:noFill/>
-              <a:miter lim="400000"/>
-            </a:ln>
-            <a:effectLst/>
-          </p:spPr>
-        </p:pic>
-      </p:grpSp>
-      <p:grpSp>
-        <p:nvGrpSpPr>
-          <p:cNvPr id="101" name="TextBox 6"/>
-          <p:cNvGrpSpPr/>
-          <p:nvPr/>
-        </p:nvGrpSpPr>
-        <p:grpSpPr>
-          <a:xfrm>
-            <a:off x="10220602" y="5650319"/>
-            <a:ext cx="12798142" cy="13787086"/>
-            <a:chOff x="0" y="0"/>
-            <a:chExt cx="12798141" cy="13787085"/>
-          </a:xfrm>
-        </p:grpSpPr>
-        <p:sp>
-          <p:nvSpPr>
-            <p:cNvPr id="99" name="Rectangle"/>
-            <p:cNvSpPr/>
-            <p:nvPr/>
-          </p:nvSpPr>
-          <p:spPr>
-            <a:xfrm>
-              <a:off x="0" y="31219"/>
-              <a:ext cx="12798142" cy="13089010"/>
-            </a:xfrm>
-            <a:prstGeom prst="rect">
-              <a:avLst/>
-            </a:prstGeom>
-            <a:solidFill>
-              <a:srgbClr val="FFFFFF"/>
-            </a:solidFill>
-            <a:ln w="12700" cap="flat">
-              <a:noFill/>
-              <a:miter lim="400000"/>
-            </a:ln>
-            <a:effectLst/>
-          </p:spPr>
-          <p:txBody>
-            <a:bodyPr wrap="square" lIns="45718" tIns="45718" rIns="45718" bIns="45718" numCol="1" anchor="t">
-              <a:noAutofit/>
-            </a:bodyPr>
-            <a:lstStyle/>
-            <a:p>
-              <a:pPr>
-                <a:defRPr>
-                  <a:latin typeface="Aptos"/>
-                  <a:ea typeface="Aptos"/>
-                  <a:cs typeface="Aptos"/>
-                  <a:sym typeface="Aptos"/>
-                </a:defRPr>
-              </a:pPr>
-            </a:p>
-          </p:txBody>
-        </p:sp>
-        <p:sp>
-          <p:nvSpPr>
-            <p:cNvPr id="100" name="Methods…"/>
-            <p:cNvSpPr txBox="1"/>
-            <p:nvPr/>
-          </p:nvSpPr>
-          <p:spPr>
-            <a:xfrm>
-              <a:off x="58172" y="0"/>
-              <a:ext cx="12681797" cy="13787086"/>
-            </a:xfrm>
-            <a:prstGeom prst="rect">
-              <a:avLst/>
-            </a:prstGeom>
-            <a:noFill/>
-            <a:ln w="12700" cap="flat">
-              <a:noFill/>
-              <a:miter lim="400000"/>
-            </a:ln>
-            <a:effectLst/>
-            <a:extLst>
-              <a:ext uri="{C572A759-6A51-4108-AA02-DFA0A04FC94B}">
-                <ma14:wrappingTextBoxFlag xmlns:ma14="http://schemas.microsoft.com/office/mac/drawingml/2011/main" val="1"/>
-              </a:ext>
-            </a:extLst>
-          </p:spPr>
-          <p:txBody>
-            <a:bodyPr wrap="square" lIns="45718" tIns="45718" rIns="45718" bIns="45718" numCol="1" anchor="t">
-              <a:noAutofit/>
-            </a:bodyPr>
-            <a:lstStyle/>
-            <a:p>
-              <a:pPr>
-                <a:defRPr b="1" sz="4200">
-                  <a:latin typeface="Aptos"/>
-                  <a:ea typeface="Aptos"/>
-                  <a:cs typeface="Aptos"/>
-                  <a:sym typeface="Aptos"/>
-                </a:defRPr>
-              </a:pPr>
-              <a:r>
-                <a:t>Methods</a:t>
-              </a:r>
-            </a:p>
-            <a:p>
-              <a:pPr>
-                <a:lnSpc>
-                  <a:spcPct val="150000"/>
-                </a:lnSpc>
-                <a:defRPr b="1" sz="2800">
-                  <a:latin typeface="Aptos"/>
-                  <a:ea typeface="Aptos"/>
-                  <a:cs typeface="Aptos"/>
-                  <a:sym typeface="Aptos"/>
-                </a:defRPr>
-              </a:pPr>
-              <a:r>
-                <a:t>Data Sources</a:t>
-              </a:r>
-            </a:p>
-            <a:p>
-              <a:pPr>
-                <a:defRPr sz="2800">
-                  <a:latin typeface="Aptos"/>
-                  <a:ea typeface="Aptos"/>
-                  <a:cs typeface="Aptos"/>
-                  <a:sym typeface="Aptos"/>
-                </a:defRPr>
-              </a:pPr>
-              <a:r>
-                <a:t> THECB enrollment data (36,175 records, 265 counties, 2019-2024) and TEA SAT/ACT performance data (6,455 district-year records, 252 counties, 2019-2024).</a:t>
-              </a:r>
-            </a:p>
-            <a:p>
-              <a:pPr>
-                <a:defRPr sz="2800">
-                  <a:latin typeface="Aptos"/>
-                  <a:ea typeface="Aptos"/>
-                  <a:cs typeface="Aptos"/>
-                  <a:sym typeface="Aptos"/>
-                </a:defRPr>
-              </a:pPr>
-            </a:p>
-            <a:p>
-              <a:pPr>
-                <a:lnSpc>
-                  <a:spcPct val="150000"/>
-                </a:lnSpc>
-                <a:defRPr b="1" sz="2800">
-                  <a:latin typeface="Aptos"/>
-                  <a:ea typeface="Aptos"/>
-                  <a:cs typeface="Aptos"/>
-                  <a:sym typeface="Aptos"/>
-                </a:defRPr>
-              </a:pPr>
-              <a:r>
-                <a:t>Processing</a:t>
-              </a:r>
-            </a:p>
-            <a:p>
-              <a:pPr>
-                <a:defRPr sz="2800">
-                  <a:latin typeface="Aptos"/>
-                  <a:ea typeface="Aptos"/>
-                  <a:cs typeface="Aptos"/>
-                  <a:sym typeface="Aptos"/>
-                </a:defRPr>
-              </a:pPr>
-              <a:r>
-                <a:t> Cleaned and standardized county names, aggregated district-level data to county level, calculated market share for TXST and seven competitor institutions (UT Austin, Texas A&amp;M, Texas Tech, SFA, UTSA, UNT, UH). Used most recent year data for each county.</a:t>
-              </a:r>
-            </a:p>
-            <a:p>
-              <a:pPr>
-                <a:defRPr sz="2800">
-                  <a:latin typeface="Aptos"/>
-                  <a:ea typeface="Aptos"/>
-                  <a:cs typeface="Aptos"/>
-                  <a:sym typeface="Aptos"/>
-                </a:defRPr>
-              </a:pPr>
-            </a:p>
-            <a:p>
-              <a:pPr>
-                <a:lnSpc>
-                  <a:spcPct val="150000"/>
-                </a:lnSpc>
-                <a:defRPr b="1" sz="2800">
-                  <a:latin typeface="Aptos"/>
-                  <a:ea typeface="Aptos"/>
-                  <a:cs typeface="Aptos"/>
-                  <a:sym typeface="Aptos"/>
-                </a:defRPr>
-              </a:pPr>
-              <a:r>
-                <a:t>Opportunity Scoring</a:t>
-              </a:r>
-            </a:p>
-            <a:p>
-              <a:pPr>
-                <a:defRPr sz="2800">
-                  <a:latin typeface="Aptos"/>
-                  <a:ea typeface="Aptos"/>
-                  <a:cs typeface="Aptos"/>
-                  <a:sym typeface="Aptos"/>
-                </a:defRPr>
-              </a:pPr>
-              <a:r>
-                <a:t>Developed composite 0-100 score based on: Academic Performance (40%), Market Size (30%), TXST Growth Headroom (20%), and Test Participation (10%).</a:t>
-              </a:r>
-            </a:p>
-            <a:p>
-              <a:pPr>
-                <a:defRPr sz="2800">
-                  <a:latin typeface="Aptos"/>
-                  <a:ea typeface="Aptos"/>
-                  <a:cs typeface="Aptos"/>
-                  <a:sym typeface="Aptos"/>
-                </a:defRPr>
-              </a:pPr>
-            </a:p>
-            <a:p>
-              <a:pPr>
-                <a:lnSpc>
-                  <a:spcPct val="150000"/>
-                </a:lnSpc>
-                <a:defRPr b="1" sz="2800">
-                  <a:latin typeface="Aptos"/>
-                  <a:ea typeface="Aptos"/>
-                  <a:cs typeface="Aptos"/>
-                  <a:sym typeface="Aptos"/>
-                </a:defRPr>
-              </a:pPr>
-              <a:r>
-                <a:t>Tier Classification</a:t>
-              </a:r>
-            </a:p>
-            <a:p>
-              <a:pPr>
-                <a:defRPr sz="2800">
-                  <a:latin typeface="Aptos"/>
-                  <a:ea typeface="Aptos"/>
-                  <a:cs typeface="Aptos"/>
-                  <a:sym typeface="Aptos"/>
-                </a:defRPr>
-              </a:pPr>
-              <a:r>
-                <a:t> Counties classified into five strategic tiers based on college readiness (≥25% threshold), market size (&gt;2,000 students), and TXST market share (&lt;10%). Tier 1 represents highest opportunity (high performance + large market + low TXST presence).</a:t>
-              </a:r>
-            </a:p>
-            <a:p>
-              <a:pPr>
-                <a:defRPr sz="2800">
-                  <a:latin typeface="Aptos"/>
-                  <a:ea typeface="Aptos"/>
-                  <a:cs typeface="Aptos"/>
-                  <a:sym typeface="Aptos"/>
-                </a:defRPr>
-              </a:pPr>
-            </a:p>
-            <a:p>
-              <a:pPr>
-                <a:lnSpc>
-                  <a:spcPct val="150000"/>
-                </a:lnSpc>
-                <a:defRPr b="1" sz="2800">
-                  <a:latin typeface="Aptos"/>
-                  <a:ea typeface="Aptos"/>
-                  <a:cs typeface="Aptos"/>
-                  <a:sym typeface="Aptos"/>
-                </a:defRPr>
-              </a:pPr>
-              <a:r>
-                <a:t>Visualization</a:t>
-              </a:r>
-            </a:p>
-            <a:p>
-              <a:pPr>
-                <a:defRPr sz="2800">
-                  <a:latin typeface="Aptos"/>
-                  <a:ea typeface="Aptos"/>
-                  <a:cs typeface="Aptos"/>
-                  <a:sym typeface="Aptos"/>
-                </a:defRPr>
-              </a:pPr>
-              <a:r>
-                <a:t>Interactive choropleth maps created using Plotly and Census TIGER/Line shapefiles showing county-level dominance, academic performance, and strategic opportunities.</a:t>
-              </a:r>
-            </a:p>
-          </p:txBody>
-        </p:sp>
-      </p:grpSp>
-      <p:grpSp>
-        <p:nvGrpSpPr>
-          <p:cNvPr id="104" name="TextBox 7"/>
-          <p:cNvGrpSpPr/>
-          <p:nvPr/>
-        </p:nvGrpSpPr>
-        <p:grpSpPr>
-          <a:xfrm>
-            <a:off x="33003480" y="5650319"/>
-            <a:ext cx="9903701" cy="10128786"/>
-            <a:chOff x="0" y="0"/>
-            <a:chExt cx="9903700" cy="10128784"/>
-          </a:xfrm>
-        </p:grpSpPr>
-        <p:sp>
-          <p:nvSpPr>
-            <p:cNvPr id="102" name="Rectangle"/>
-            <p:cNvSpPr/>
-            <p:nvPr/>
-          </p:nvSpPr>
-          <p:spPr>
-            <a:xfrm>
-              <a:off x="0" y="0"/>
-              <a:ext cx="9903701" cy="10128785"/>
-            </a:xfrm>
-            <a:prstGeom prst="rect">
-              <a:avLst/>
-            </a:prstGeom>
-            <a:solidFill>
-              <a:srgbClr val="FFFFFF"/>
-            </a:solidFill>
-            <a:ln w="12700" cap="flat">
-              <a:noFill/>
-              <a:miter lim="400000"/>
-            </a:ln>
-            <a:effectLst/>
-          </p:spPr>
-          <p:txBody>
-            <a:bodyPr wrap="square" lIns="45718" tIns="45718" rIns="45718" bIns="45718" numCol="1" anchor="t">
-              <a:noAutofit/>
-            </a:bodyPr>
-            <a:lstStyle/>
-            <a:p>
-              <a:pPr>
-                <a:defRPr>
-                  <a:latin typeface="Aptos"/>
-                  <a:ea typeface="Aptos"/>
-                  <a:cs typeface="Aptos"/>
-                  <a:sym typeface="Aptos"/>
-                </a:defRPr>
-              </a:pPr>
-            </a:p>
-          </p:txBody>
-        </p:sp>
-        <p:sp>
-          <p:nvSpPr>
-            <p:cNvPr id="103" name="Results…"/>
-            <p:cNvSpPr txBox="1"/>
-            <p:nvPr/>
-          </p:nvSpPr>
-          <p:spPr>
-            <a:xfrm>
-              <a:off x="45015" y="-1"/>
-              <a:ext cx="9813669" cy="9643602"/>
-            </a:xfrm>
-            <a:prstGeom prst="rect">
-              <a:avLst/>
-            </a:prstGeom>
-            <a:noFill/>
-            <a:ln w="12700" cap="flat">
-              <a:noFill/>
-              <a:miter lim="400000"/>
-            </a:ln>
-            <a:effectLst/>
-            <a:extLst>
-              <a:ext uri="{C572A759-6A51-4108-AA02-DFA0A04FC94B}">
-                <ma14:wrappingTextBoxFlag xmlns:ma14="http://schemas.microsoft.com/office/mac/drawingml/2011/main" val="1"/>
-              </a:ext>
-            </a:extLst>
-          </p:spPr>
-          <p:txBody>
-            <a:bodyPr wrap="square" lIns="45718" tIns="45718" rIns="45718" bIns="45718" numCol="1" anchor="t">
-              <a:noAutofit/>
-            </a:bodyPr>
-            <a:lstStyle/>
-            <a:p>
-              <a:pPr>
-                <a:defRPr b="1" sz="4200">
-                  <a:latin typeface="Aptos"/>
-                  <a:ea typeface="Aptos"/>
-                  <a:cs typeface="Aptos"/>
-                  <a:sym typeface="Aptos"/>
-                </a:defRPr>
-              </a:pPr>
-              <a:r>
-                <a:t>Results </a:t>
-              </a:r>
-            </a:p>
-            <a:p>
-              <a:pPr marL="228600" indent="-228600">
                 <a:buSzPct val="100000"/>
                 <a:buChar char="•"/>
                 <a:defRPr sz="2800">
@@ -4901,11 +3923,14 @@
                 </a:defRPr>
               </a:pPr>
               <a:r>
-                <a:t>THECB enrollment data and SAT/ACT readiness data were merged to create a combined dataset covering 265 Texas counties, with 229 counties containing both enrollment and academic readiness metrics.</a:t>
+                <a:t>TXST currently has strong representation in Central Texas but remains underrepresented in several high-performing, high-volume counties across North and West Texas.</a:t>
               </a:r>
             </a:p>
             <a:p>
-              <a:pPr marL="228600" indent="-228600">
+              <a:pPr marL="280735" indent="-280735">
+                <a:spcBef>
+                  <a:spcPts val="1200"/>
+                </a:spcBef>
                 <a:buSzPct val="100000"/>
                 <a:buChar char="•"/>
                 <a:defRPr sz="2800">
@@ -4916,11 +3941,14 @@
                 </a:defRPr>
               </a:pPr>
               <a:r>
-                <a:t>Counties were classified into five strategic recruitment tiers based on college readiness, total student market, and Texas State (TXST) market share.</a:t>
+                <a:t>Prime and strong-opportunity counties demonstrate significantly higher college readiness rates than TXST-dominant regions, suggesting missed recruitment potential among academically prepared students.</a:t>
               </a:r>
             </a:p>
             <a:p>
-              <a:pPr marL="228600" indent="-228600">
+              <a:pPr marL="280735" indent="-280735">
+                <a:spcBef>
+                  <a:spcPts val="1200"/>
+                </a:spcBef>
                 <a:buSzPct val="100000"/>
                 <a:buChar char="•"/>
                 <a:defRPr sz="2800">
@@ -4931,11 +3959,14 @@
                 </a:defRPr>
               </a:pPr>
               <a:r>
-                <a:t>6 Tier 1 (prime target) and 20 Tier 2 (strong opportunity) counties were identified as high-growth regions where academic performance is strong but TXST presence is low.</a:t>
+                <a:t>Large suburban counties such as Collin and Denton contain substantial student markets with low TXST market share, representing the greatest potential enrollment growth.</a:t>
               </a:r>
             </a:p>
             <a:p>
-              <a:pPr marL="228600" indent="-228600">
+              <a:pPr marL="280735" indent="-280735">
+                <a:spcBef>
+                  <a:spcPts val="1200"/>
+                </a:spcBef>
                 <a:buSzPct val="100000"/>
                 <a:buChar char="•"/>
                 <a:defRPr sz="2800">
@@ -4946,11 +3977,14 @@
                 </a:defRPr>
               </a:pPr>
               <a:r>
-                <a:t>Tier 1 counties alone represent a potential market of 85,560 students, with projected growth of +11,017 TXST students if market share increased to 15%.</a:t>
+                <a:t>Many high-readiness counties with low TXST presence are currently dominated by competing institutions, indicating strong but penetrable recruitment pipelines.</a:t>
               </a:r>
             </a:p>
             <a:p>
-              <a:pPr marL="228600" indent="-228600">
+              <a:pPr marL="280735" indent="-280735">
+                <a:spcBef>
+                  <a:spcPts val="1200"/>
+                </a:spcBef>
                 <a:buSzPct val="100000"/>
                 <a:buChar char="•"/>
                 <a:defRPr sz="2800">
@@ -4961,11 +3995,14 @@
                 </a:defRPr>
               </a:pPr>
               <a:r>
-                <a:t>Prime target counties show significantly higher academic readiness (~29.9%) compared to the statewide average (15.6%), indicating strong recruitment alignment.</a:t>
+                <a:t>Rural counties with smaller markets but high readiness rates provide targeted niche recruitment opportunities with relatively low competition.</a:t>
               </a:r>
             </a:p>
             <a:p>
-              <a:pPr marL="228600" indent="-228600">
+              <a:pPr marL="280735" indent="-280735">
+                <a:spcBef>
+                  <a:spcPts val="1200"/>
+                </a:spcBef>
                 <a:buSzPct val="100000"/>
                 <a:buChar char="•"/>
                 <a:defRPr sz="2800">
@@ -4976,71 +4013,36 @@
                 </a:defRPr>
               </a:pPr>
               <a:r>
-                <a:t>Overall, results highlight geographically concentrated regions where targeted recruitment could substantially increase TXST enrollment.</a:t>
+                <a:t>Overall, recruitment opportunities are not evenly distributed, with the highest-impact gains concentrated in a small number of strategically important counties.</a:t>
               </a:r>
-            </a:p>
-            <a:p>
-              <a:pPr>
-                <a:defRPr sz="2800">
-                  <a:latin typeface="Aptos"/>
-                  <a:ea typeface="Aptos"/>
-                  <a:cs typeface="Aptos"/>
-                  <a:sym typeface="Aptos"/>
-                </a:defRPr>
-              </a:pPr>
-            </a:p>
-            <a:p>
-              <a:pPr marL="228600" indent="-228600">
-                <a:buSzPct val="100000"/>
-                <a:buChar char="•"/>
-                <a:defRPr sz="2800">
-                  <a:latin typeface="Aptos"/>
-                  <a:ea typeface="Aptos"/>
-                  <a:cs typeface="Aptos"/>
-                  <a:sym typeface="Aptos"/>
-                </a:defRPr>
-              </a:pPr>
-            </a:p>
-            <a:p>
-              <a:pPr>
-                <a:defRPr sz="1200">
-                  <a:solidFill>
-                    <a:srgbClr val="000000"/>
-                  </a:solidFill>
-                  <a:latin typeface="Times Roman"/>
-                  <a:ea typeface="Times Roman"/>
-                  <a:cs typeface="Times Roman"/>
-                  <a:sym typeface="Times Roman"/>
-                </a:defRPr>
-              </a:pPr>
             </a:p>
           </p:txBody>
         </p:sp>
       </p:grpSp>
       <p:grpSp>
         <p:nvGrpSpPr>
-          <p:cNvPr id="107" name="TextBox 8"/>
+          <p:cNvPr id="79" name="TextBox 9"/>
           <p:cNvGrpSpPr/>
           <p:nvPr/>
         </p:nvGrpSpPr>
         <p:grpSpPr>
           <a:xfrm>
-            <a:off x="23257715" y="5650319"/>
-            <a:ext cx="9144001" cy="10886283"/>
+            <a:off x="33610795" y="15125546"/>
+            <a:ext cx="9593472" cy="7635534"/>
             <a:chOff x="0" y="0"/>
-            <a:chExt cx="9144000" cy="10886282"/>
+            <a:chExt cx="9593471" cy="7635533"/>
           </a:xfrm>
         </p:grpSpPr>
         <p:sp>
           <p:nvSpPr>
-            <p:cNvPr id="105" name="Rectangle"/>
+            <p:cNvPr id="77" name="Rectangle"/>
             <p:cNvSpPr/>
             <p:nvPr/>
           </p:nvSpPr>
           <p:spPr>
             <a:xfrm>
-              <a:off x="0" y="0"/>
-              <a:ext cx="9144001" cy="10886283"/>
+              <a:off x="0" y="19980"/>
+              <a:ext cx="9593472" cy="7615554"/>
             </a:xfrm>
             <a:prstGeom prst="rect">
               <a:avLst/>
@@ -5073,52 +4075,18 @@
         </p:sp>
         <p:sp>
           <p:nvSpPr>
-            <p:cNvPr id="106" name="Findings…"/>
-            <p:cNvSpPr/>
+            <p:cNvPr id="78" name="Implications…"/>
+            <p:cNvSpPr txBox="1"/>
             <p:nvPr/>
           </p:nvSpPr>
           <p:spPr>
             <a:xfrm>
-              <a:off x="45718" y="-1"/>
-              <a:ext cx="9052563" cy="1"/>
+              <a:off x="47966" y="0"/>
+              <a:ext cx="9497540" cy="7635237"/>
             </a:xfrm>
-            <a:custGeom>
+            <a:prstGeom prst="rect">
               <a:avLst/>
-              <a:gdLst/>
-              <a:ahLst/>
-              <a:cxnLst>
-                <a:cxn ang="0">
-                  <a:pos x="wd2" y="hd2"/>
-                </a:cxn>
-                <a:cxn ang="5400000">
-                  <a:pos x="wd2" y="hd2"/>
-                </a:cxn>
-                <a:cxn ang="10800000">
-                  <a:pos x="wd2" y="hd2"/>
-                </a:cxn>
-                <a:cxn ang="16200000">
-                  <a:pos x="wd2" y="hd2"/>
-                </a:cxn>
-              </a:cxnLst>
-              <a:rect l="0" t="0" r="r" b="b"/>
-              <a:pathLst>
-                <a:path w="21600" h="0" fill="norm" stroke="1" extrusionOk="0">
-                  <a:moveTo>
-                    <a:pt x="0" y="0"/>
-                  </a:moveTo>
-                  <a:lnTo>
-                    <a:pt x="21600" y="0"/>
-                  </a:lnTo>
-                  <a:lnTo>
-                    <a:pt x="21600" y="0"/>
-                  </a:lnTo>
-                  <a:lnTo>
-                    <a:pt x="0" y="0"/>
-                  </a:lnTo>
-                  <a:close/>
-                </a:path>
-              </a:pathLst>
-            </a:custGeom>
+            </a:prstGeom>
             <a:noFill/>
             <a:ln w="12700" cap="flat">
               <a:noFill/>
@@ -5146,14 +4114,11 @@
                 </a:defRPr>
               </a:pPr>
               <a:r>
-                <a:t>Findings</a:t>
+                <a:t>Implications </a:t>
               </a:r>
             </a:p>
             <a:p>
-              <a:pPr marL="280736" indent="-280736">
-                <a:spcBef>
-                  <a:spcPts val="1200"/>
-                </a:spcBef>
+              <a:pPr marL="280735" indent="-280735">
                 <a:buSzPct val="100000"/>
                 <a:buChar char="•"/>
                 <a:defRPr sz="2800">
@@ -5164,14 +4129,11 @@
                 </a:defRPr>
               </a:pPr>
               <a:r>
-                <a:t>TXST currently has strong representation in Central Texas but remains underrepresented in several high-performing, high-volume counties across North and West Texas.</a:t>
+                <a:t>Targeted recruitment in Tier 1 counties could significantly increase TXST applications/ enrollment quality, with potential growth of over 11,000 students if market share improves.</a:t>
               </a:r>
             </a:p>
             <a:p>
-              <a:pPr marL="280736" indent="-280736">
-                <a:spcBef>
-                  <a:spcPts val="1200"/>
-                </a:spcBef>
+              <a:pPr marL="280735" indent="-280735">
                 <a:buSzPct val="100000"/>
                 <a:buChar char="•"/>
                 <a:defRPr sz="2800">
@@ -5182,14 +4144,11 @@
                 </a:defRPr>
               </a:pPr>
               <a:r>
-                <a:t>Prime and strong-opportunity counties demonstrate significantly higher college readiness rates than TXST-dominant regions, suggesting missed recruitment potential among academically prepared students.</a:t>
+                <a:t>Expanding outreach in high-readiness counties may improve academic profile and incoming student preparedness.</a:t>
               </a:r>
             </a:p>
             <a:p>
-              <a:pPr marL="280736" indent="-280736">
-                <a:spcBef>
-                  <a:spcPts val="1200"/>
-                </a:spcBef>
+              <a:pPr marL="280735" indent="-280735">
                 <a:buSzPct val="100000"/>
                 <a:buChar char="•"/>
                 <a:defRPr sz="2800">
@@ -5200,14 +4159,11 @@
                 </a:defRPr>
               </a:pPr>
               <a:r>
-                <a:t>Large suburban counties such as Collin and Denton contain substantial student markets with low TXST market share, representing the greatest potential enrollment growth.</a:t>
+                <a:t>Increased presence in large suburban counties (e.g., Collin, Denton) could strengthen TXST’s competitiveness against dominant institutions.</a:t>
               </a:r>
             </a:p>
             <a:p>
-              <a:pPr marL="280736" indent="-280736">
-                <a:spcBef>
-                  <a:spcPts val="1200"/>
-                </a:spcBef>
+              <a:pPr marL="280735" indent="-280735">
                 <a:buSzPct val="100000"/>
                 <a:buChar char="•"/>
                 <a:defRPr sz="2800">
@@ -5218,14 +4174,11 @@
                 </a:defRPr>
               </a:pPr>
               <a:r>
-                <a:t>Many high-readiness counties with low TXST presence are currently dominated by competing institutions, indicating strong but penetrable recruitment pipelines.</a:t>
+                <a:t>Data-driven geographic targeting allows recruitment resources to be focused on high-impact regions rather than evenly distributed statewide.</a:t>
               </a:r>
             </a:p>
             <a:p>
-              <a:pPr marL="280736" indent="-280736">
-                <a:spcBef>
-                  <a:spcPts val="1200"/>
-                </a:spcBef>
+              <a:pPr marL="280735" indent="-280735">
                 <a:buSzPct val="100000"/>
                 <a:buChar char="•"/>
                 <a:defRPr sz="2800">
@@ -5236,25 +4189,7 @@
                 </a:defRPr>
               </a:pPr>
               <a:r>
-                <a:t>Rural counties with smaller markets but high readiness rates provide targeted niche recruitment opportunities with relatively low competition.</a:t>
-              </a:r>
-            </a:p>
-            <a:p>
-              <a:pPr marL="280736" indent="-280736">
-                <a:spcBef>
-                  <a:spcPts val="1200"/>
-                </a:spcBef>
-                <a:buSzPct val="100000"/>
-                <a:buChar char="•"/>
-                <a:defRPr sz="2800">
-                  <a:latin typeface="Aptos"/>
-                  <a:ea typeface="Aptos"/>
-                  <a:cs typeface="Aptos"/>
-                  <a:sym typeface="Aptos"/>
-                </a:defRPr>
-              </a:pPr>
-              <a:r>
-                <a:t>Overall, recruitment opportunities are not evenly distributed, with the highest-impact gains concentrated in a small number of strategically important counties.</a:t>
+                <a:t>Strengthening pipelines in underrepresented but high-performing counties may support long-term enrollment growth and institutional visibility.</a:t>
               </a:r>
             </a:p>
           </p:txBody>
@@ -5262,28 +4197,28 @@
       </p:grpSp>
       <p:grpSp>
         <p:nvGrpSpPr>
-          <p:cNvPr id="110" name="TextBox 9"/>
+          <p:cNvPr id="82" name="TextBox 10"/>
           <p:cNvGrpSpPr/>
           <p:nvPr/>
         </p:nvGrpSpPr>
         <p:grpSpPr>
           <a:xfrm>
-            <a:off x="33934214" y="16161528"/>
-            <a:ext cx="9144002" cy="14855223"/>
+            <a:off x="33709480" y="23018091"/>
+            <a:ext cx="9593472" cy="5537146"/>
             <a:chOff x="0" y="0"/>
-            <a:chExt cx="9144000" cy="14855222"/>
+            <a:chExt cx="9593471" cy="5537144"/>
           </a:xfrm>
         </p:grpSpPr>
         <p:sp>
           <p:nvSpPr>
-            <p:cNvPr id="108" name="Rectangle"/>
+            <p:cNvPr id="80" name="Rectangle"/>
             <p:cNvSpPr/>
             <p:nvPr/>
           </p:nvSpPr>
           <p:spPr>
             <a:xfrm>
-              <a:off x="0" y="-1"/>
-              <a:ext cx="9144001" cy="7577291"/>
+              <a:off x="0" y="0"/>
+              <a:ext cx="9593472" cy="5537145"/>
             </a:xfrm>
             <a:prstGeom prst="rect">
               <a:avLst/>
@@ -5316,14 +4251,14 @@
         </p:sp>
         <p:sp>
           <p:nvSpPr>
-            <p:cNvPr id="109" name="Implications…"/>
+            <p:cNvPr id="81" name="Reference/Data Cite…"/>
             <p:cNvSpPr txBox="1"/>
             <p:nvPr/>
           </p:nvSpPr>
           <p:spPr>
             <a:xfrm>
-              <a:off x="45718" y="0"/>
-              <a:ext cx="9052563" cy="14855222"/>
+              <a:off x="47965" y="9630"/>
+              <a:ext cx="9497540" cy="5476237"/>
             </a:xfrm>
             <a:prstGeom prst="rect">
               <a:avLst/>
@@ -5342,7 +4277,7 @@
           </p:spPr>
           <p:txBody>
             <a:bodyPr wrap="square" lIns="45718" tIns="45718" rIns="45718" bIns="45718" numCol="1" anchor="t">
-              <a:noAutofit/>
+              <a:spAutoFit/>
             </a:bodyPr>
             <a:lstStyle/>
             <a:p>
@@ -5355,11 +4290,21 @@
                 </a:defRPr>
               </a:pPr>
               <a:r>
-                <a:t>Implications </a:t>
+                <a:t>Reference/Data Cite</a:t>
               </a:r>
             </a:p>
             <a:p>
-              <a:pPr marL="280736" indent="-280736">
+              <a:pPr>
+                <a:defRPr sz="2800">
+                  <a:latin typeface="Aptos"/>
+                  <a:ea typeface="Aptos"/>
+                  <a:cs typeface="Aptos"/>
+                  <a:sym typeface="Aptos"/>
+                </a:defRPr>
+              </a:pPr>
+            </a:p>
+            <a:p>
+              <a:pPr marL="280735" indent="-280735">
                 <a:buSzPct val="100000"/>
                 <a:buChar char="•"/>
                 <a:defRPr sz="2800">
@@ -5370,11 +4315,11 @@
                 </a:defRPr>
               </a:pPr>
               <a:r>
-                <a:t>Targeted recruitment in Tier 1 counties could significantly increase TXST enrollment, with potential growth of over 11,000 students if market share improves.</a:t>
+                <a:t>Texas Higher Education Coordinating Board. "High School Graduate College Enrollment Data, 2019-2024." Dataset. Accessed February 2025. https://www.highered.texas.gov/.</a:t>
               </a:r>
             </a:p>
             <a:p>
-              <a:pPr marL="280736" indent="-280736">
+              <a:pPr marL="280735" indent="-280735">
                 <a:buSzPct val="100000"/>
                 <a:buChar char="•"/>
                 <a:defRPr sz="2800">
@@ -5385,153 +4330,7 @@
                 </a:defRPr>
               </a:pPr>
               <a:r>
-                <a:t>Expanding outreach in high-readiness counties may improve academic profile and incoming student preparedness.</a:t>
-              </a:r>
-            </a:p>
-            <a:p>
-              <a:pPr marL="280736" indent="-280736">
-                <a:buSzPct val="100000"/>
-                <a:buChar char="•"/>
-                <a:defRPr sz="2800">
-                  <a:latin typeface="Aptos"/>
-                  <a:ea typeface="Aptos"/>
-                  <a:cs typeface="Aptos"/>
-                  <a:sym typeface="Aptos"/>
-                </a:defRPr>
-              </a:pPr>
-              <a:r>
-                <a:t>Increased presence in large suburban counties (e.g., Collin, Denton) could strengthen TXST’s competitiveness against dominant institutions.</a:t>
-              </a:r>
-            </a:p>
-            <a:p>
-              <a:pPr marL="280736" indent="-280736">
-                <a:buSzPct val="100000"/>
-                <a:buChar char="•"/>
-                <a:defRPr sz="2800">
-                  <a:latin typeface="Aptos"/>
-                  <a:ea typeface="Aptos"/>
-                  <a:cs typeface="Aptos"/>
-                  <a:sym typeface="Aptos"/>
-                </a:defRPr>
-              </a:pPr>
-              <a:r>
-                <a:t>Data-driven geographic targeting allows recruitment resources to be focused on high-impact regions rather than evenly distributed statewide.</a:t>
-              </a:r>
-            </a:p>
-            <a:p>
-              <a:pPr marL="280736" indent="-280736">
-                <a:buSzPct val="100000"/>
-                <a:buChar char="•"/>
-                <a:defRPr sz="2800">
-                  <a:latin typeface="Aptos"/>
-                  <a:ea typeface="Aptos"/>
-                  <a:cs typeface="Aptos"/>
-                  <a:sym typeface="Aptos"/>
-                </a:defRPr>
-              </a:pPr>
-              <a:r>
-                <a:t>Strengthening pipelines in underrepresented but high-performing counties may support long-term enrollment growth and institutional visibility.</a:t>
-              </a:r>
-            </a:p>
-          </p:txBody>
-        </p:sp>
-      </p:grpSp>
-      <p:grpSp>
-        <p:nvGrpSpPr>
-          <p:cNvPr id="113" name="TextBox 10"/>
-          <p:cNvGrpSpPr/>
-          <p:nvPr/>
-        </p:nvGrpSpPr>
-        <p:grpSpPr>
-          <a:xfrm>
-            <a:off x="33881994" y="24218558"/>
-            <a:ext cx="9593470" cy="4317063"/>
-            <a:chOff x="0" y="0"/>
-            <a:chExt cx="9593468" cy="4317061"/>
-          </a:xfrm>
-        </p:grpSpPr>
-        <p:sp>
-          <p:nvSpPr>
-            <p:cNvPr id="111" name="Rectangle"/>
-            <p:cNvSpPr/>
-            <p:nvPr/>
-          </p:nvSpPr>
-          <p:spPr>
-            <a:xfrm>
-              <a:off x="0" y="-1"/>
-              <a:ext cx="9593469" cy="4317063"/>
-            </a:xfrm>
-            <a:prstGeom prst="rect">
-              <a:avLst/>
-            </a:prstGeom>
-            <a:solidFill>
-              <a:srgbClr val="FFFFFF"/>
-            </a:solidFill>
-            <a:ln w="12700" cap="flat">
-              <a:noFill/>
-              <a:miter lim="400000"/>
-            </a:ln>
-            <a:effectLst/>
-          </p:spPr>
-          <p:txBody>
-            <a:bodyPr wrap="square" lIns="45718" tIns="45718" rIns="45718" bIns="45718" numCol="1" anchor="t">
-              <a:noAutofit/>
-            </a:bodyPr>
-            <a:lstStyle/>
-            <a:p>
-              <a:pPr>
-                <a:defRPr>
-                  <a:latin typeface="Aptos"/>
-                  <a:ea typeface="Aptos"/>
-                  <a:cs typeface="Aptos"/>
-                  <a:sym typeface="Aptos"/>
-                </a:defRPr>
-              </a:pPr>
-            </a:p>
-          </p:txBody>
-        </p:sp>
-        <p:sp>
-          <p:nvSpPr>
-            <p:cNvPr id="112" name="Reference/Data Cite…"/>
-            <p:cNvSpPr txBox="1"/>
-            <p:nvPr/>
-          </p:nvSpPr>
-          <p:spPr>
-            <a:xfrm>
-              <a:off x="47965" y="-1"/>
-              <a:ext cx="9497537" cy="2574247"/>
-            </a:xfrm>
-            <a:prstGeom prst="rect">
-              <a:avLst/>
-            </a:prstGeom>
-            <a:noFill/>
-            <a:ln w="12700" cap="flat">
-              <a:noFill/>
-              <a:miter lim="400000"/>
-            </a:ln>
-            <a:effectLst/>
-            <a:extLst>
-              <a:ext uri="{C572A759-6A51-4108-AA02-DFA0A04FC94B}">
-                <ma14:wrappingTextBoxFlag xmlns:ma14="http://schemas.microsoft.com/office/mac/drawingml/2011/main" val="1"/>
-              </a:ext>
-            </a:extLst>
-          </p:spPr>
-          <p:txBody>
-            <a:bodyPr wrap="square" lIns="45718" tIns="45718" rIns="45718" bIns="45718" numCol="1" anchor="t">
-              <a:noAutofit/>
-            </a:bodyPr>
-            <a:lstStyle/>
-            <a:p>
-              <a:pPr>
-                <a:defRPr b="1" sz="4200">
-                  <a:latin typeface="Aptos"/>
-                  <a:ea typeface="Aptos"/>
-                  <a:cs typeface="Aptos"/>
-                  <a:sym typeface="Aptos"/>
-                </a:defRPr>
-              </a:pPr>
-              <a:r>
-                <a:t>Reference/Data Cite</a:t>
+                <a:t>Texas Education Agency. "District-Level SAT/ACT Performance Data, 2019-2024."  Dataset. Accessed February 2025. https://tea.texas.gov/.</a:t>
               </a:r>
             </a:p>
             <a:p>
@@ -5544,7 +4343,7 @@
                 </a:defRPr>
               </a:pPr>
               <a:r>
-                <a:t>Content goes here: Totat ullaborernam harci cus, cuscidendit lat et as eum explit apicaboria am que vendent inullup tatur? Quia voluptat ut prae. Qui blatibu saecture, ut volor as a audae es elenti quis. </a:t>
+                <a:t>AI Disclosure: Poster content and analysis code developed with assistance from Claude (Anthropic). All outputs validated by authors.</a:t>
               </a:r>
             </a:p>
           </p:txBody>
@@ -5552,7 +4351,7 @@
       </p:grpSp>
       <p:pic>
         <p:nvPicPr>
-          <p:cNvPr id="114" name="Screenshot 2026-02-10 at 12.34.27 AM.png" descr="Screenshot 2026-02-10 at 12.34.27 AM.png"/>
+          <p:cNvPr id="83" name="Screenshot 2026-02-10 at 12.34.27 AM.png" descr="Screenshot 2026-02-10 at 12.34.27 AM.png"/>
           <p:cNvPicPr>
             <a:picLocks noChangeAspect="1"/>
           </p:cNvPicPr>
@@ -5568,8 +4367,8 @@
         </p:blipFill>
         <p:spPr>
           <a:xfrm>
-            <a:off x="23505182" y="27951493"/>
-            <a:ext cx="5417272" cy="4890187"/>
+            <a:off x="23646815" y="28079346"/>
+            <a:ext cx="5134007" cy="4634483"/>
           </a:xfrm>
           <a:prstGeom prst="rect">
             <a:avLst/>
@@ -5581,7 +4380,7 @@
       </p:pic>
       <p:pic>
         <p:nvPicPr>
-          <p:cNvPr id="115" name="Screenshot 2026-02-10 at 1.01.38 PM.png" descr="Screenshot 2026-02-10 at 1.01.38 PM.png"/>
+          <p:cNvPr id="84" name="Screenshot 2026-02-10 at 1.01.38 PM.png" descr="Screenshot 2026-02-10 at 1.01.38 PM.png"/>
           <p:cNvPicPr>
             <a:picLocks noChangeAspect="1"/>
           </p:cNvPicPr>
@@ -5597,8 +4396,8 @@
         </p:blipFill>
         <p:spPr>
           <a:xfrm>
-            <a:off x="11125908" y="27370915"/>
-            <a:ext cx="6970266" cy="4958796"/>
+            <a:off x="11125907" y="27370915"/>
+            <a:ext cx="6970267" cy="4958797"/>
           </a:xfrm>
           <a:prstGeom prst="rect">
             <a:avLst/>
@@ -5610,7 +4409,7 @@
       </p:pic>
       <p:pic>
         <p:nvPicPr>
-          <p:cNvPr id="116" name="Screenshot 2026-02-10 at 12.56.03 PM.png" descr="Screenshot 2026-02-10 at 12.56.03 PM.png"/>
+          <p:cNvPr id="85" name="Screenshot 2026-02-10 at 12.56.03 PM.png" descr="Screenshot 2026-02-10 at 12.56.03 PM.png"/>
           <p:cNvPicPr>
             <a:picLocks noChangeAspect="1"/>
           </p:cNvPicPr>
@@ -5626,8 +4425,8 @@
         </p:blipFill>
         <p:spPr>
           <a:xfrm>
-            <a:off x="11390681" y="19332842"/>
-            <a:ext cx="6198264" cy="4634482"/>
+            <a:off x="11390680" y="19799873"/>
+            <a:ext cx="6198265" cy="4634482"/>
           </a:xfrm>
           <a:prstGeom prst="rect">
             <a:avLst/>
@@ -5639,7 +4438,7 @@
       </p:pic>
       <p:pic>
         <p:nvPicPr>
-          <p:cNvPr id="117" name="Screenshot 2026-02-10 at 10.44.56 PM.png" descr="Screenshot 2026-02-10 at 10.44.56 PM.png"/>
+          <p:cNvPr id="86" name="Screenshot 2026-02-10 at 10.44.56 PM.png" descr="Screenshot 2026-02-10 at 10.44.56 PM.png"/>
           <p:cNvPicPr>
             <a:picLocks noChangeAspect="1"/>
           </p:cNvPicPr>
@@ -5655,8 +4454,8 @@
         </p:blipFill>
         <p:spPr>
           <a:xfrm>
-            <a:off x="19265096" y="19530811"/>
-            <a:ext cx="13897444" cy="8116657"/>
+            <a:off x="19649786" y="19650321"/>
+            <a:ext cx="13488190" cy="7877636"/>
           </a:xfrm>
           <a:prstGeom prst="rect">
             <a:avLst/>
